--- a/spring11/slides11/slides1f.pptx
+++ b/spring11/slides11/slides1f.pptx
@@ -8844,7 +8844,7 @@
         <p:spPr bwMode="auto">
           <a:xfrm>
             <a:off x="4125913" y="6611938"/>
-            <a:ext cx="1243349" cy="261610"/>
+            <a:ext cx="1220757" cy="261610"/>
           </a:xfrm>
           <a:prstGeom prst="rect">
             <a:avLst/>
@@ -8877,7 +8877,7 @@
               <a:rPr lang="en-US" sz="1000" baseline="0" dirty="0" smtClean="0">
                 <a:latin typeface="Comic Sans MS" pitchFamily="66" charset="0"/>
               </a:rPr>
-              <a:t> 5</a:t>
+              <a:t> 4</a:t>
             </a:r>
             <a:r>
               <a:rPr lang="en-US" sz="1000" dirty="0" smtClean="0">
@@ -8889,7 +8889,7 @@
               <a:rPr lang="en-US" sz="1100" dirty="0" smtClean="0">
                 <a:latin typeface="Comic Sans MS" pitchFamily="66" charset="0"/>
               </a:rPr>
-              <a:t>2010</a:t>
+              <a:t>2011</a:t>
             </a:r>
             <a:endParaRPr lang="en-US" sz="1000" dirty="0">
               <a:latin typeface="Comic Sans MS" pitchFamily="66" charset="0"/>

--- a/spring11/slides11/slides1f.pptx
+++ b/spring11/slides11/slides1f.pptx
@@ -6,10 +6,10 @@
     <p:sldMasterId id="2147483651" r:id="rId2"/>
   </p:sldMasterIdLst>
   <p:notesMasterIdLst>
-    <p:notesMasterId r:id="rId34"/>
+    <p:notesMasterId r:id="rId35"/>
   </p:notesMasterIdLst>
   <p:handoutMasterIdLst>
-    <p:handoutMasterId r:id="rId35"/>
+    <p:handoutMasterId r:id="rId36"/>
   </p:handoutMasterIdLst>
   <p:sldIdLst>
     <p:sldId id="404" r:id="rId3"/>
@@ -18,59 +18,60 @@
     <p:sldId id="411" r:id="rId6"/>
     <p:sldId id="413" r:id="rId7"/>
     <p:sldId id="414" r:id="rId8"/>
-    <p:sldId id="415" r:id="rId9"/>
-    <p:sldId id="464" r:id="rId10"/>
-    <p:sldId id="463" r:id="rId11"/>
-    <p:sldId id="465" r:id="rId12"/>
-    <p:sldId id="466" r:id="rId13"/>
-    <p:sldId id="467" r:id="rId14"/>
-    <p:sldId id="468" r:id="rId15"/>
-    <p:sldId id="442" r:id="rId16"/>
-    <p:sldId id="443" r:id="rId17"/>
-    <p:sldId id="444" r:id="rId18"/>
-    <p:sldId id="445" r:id="rId19"/>
-    <p:sldId id="446" r:id="rId20"/>
-    <p:sldId id="447" r:id="rId21"/>
-    <p:sldId id="448" r:id="rId22"/>
-    <p:sldId id="449" r:id="rId23"/>
-    <p:sldId id="450" r:id="rId24"/>
-    <p:sldId id="451" r:id="rId25"/>
-    <p:sldId id="452" r:id="rId26"/>
-    <p:sldId id="453" r:id="rId27"/>
-    <p:sldId id="454" r:id="rId28"/>
-    <p:sldId id="455" r:id="rId29"/>
-    <p:sldId id="469" r:id="rId30"/>
-    <p:sldId id="456" r:id="rId31"/>
-    <p:sldId id="470" r:id="rId32"/>
-    <p:sldId id="471" r:id="rId33"/>
+    <p:sldId id="472" r:id="rId9"/>
+    <p:sldId id="415" r:id="rId10"/>
+    <p:sldId id="464" r:id="rId11"/>
+    <p:sldId id="463" r:id="rId12"/>
+    <p:sldId id="465" r:id="rId13"/>
+    <p:sldId id="466" r:id="rId14"/>
+    <p:sldId id="467" r:id="rId15"/>
+    <p:sldId id="468" r:id="rId16"/>
+    <p:sldId id="442" r:id="rId17"/>
+    <p:sldId id="443" r:id="rId18"/>
+    <p:sldId id="444" r:id="rId19"/>
+    <p:sldId id="445" r:id="rId20"/>
+    <p:sldId id="446" r:id="rId21"/>
+    <p:sldId id="447" r:id="rId22"/>
+    <p:sldId id="448" r:id="rId23"/>
+    <p:sldId id="449" r:id="rId24"/>
+    <p:sldId id="450" r:id="rId25"/>
+    <p:sldId id="451" r:id="rId26"/>
+    <p:sldId id="452" r:id="rId27"/>
+    <p:sldId id="453" r:id="rId28"/>
+    <p:sldId id="454" r:id="rId29"/>
+    <p:sldId id="455" r:id="rId30"/>
+    <p:sldId id="469" r:id="rId31"/>
+    <p:sldId id="456" r:id="rId32"/>
+    <p:sldId id="470" r:id="rId33"/>
+    <p:sldId id="471" r:id="rId34"/>
   </p:sldIdLst>
   <p:sldSz cx="9144000" cy="6858000" type="screen4x3"/>
   <p:notesSz cx="7315200" cy="9601200"/>
   <p:embeddedFontLst>
     <p:embeddedFont>
       <p:font typeface="Comic Sans MS"/>
-      <p:regular r:id="rId36"/>
-      <p:bold r:id="rId37"/>
+      <p:regular r:id="rId37"/>
+      <p:bold r:id="rId38"/>
     </p:embeddedFont>
     <p:embeddedFont>
       <p:font typeface="Arial Unicode MS"/>
-      <p:regular r:id="rId38"/>
+      <p:regular r:id="rId39"/>
     </p:embeddedFont>
     <p:embeddedFont>
       <p:font typeface="Euclid Symbol" charset="2"/>
-      <p:regular r:id="rId39"/>
-      <p:bold r:id="rId40"/>
-      <p:italic r:id="rId41"/>
-      <p:boldItalic r:id="rId42"/>
+      <p:regular r:id="rId40"/>
+      <p:bold r:id="rId41"/>
+      <p:italic r:id="rId42"/>
+      <p:boldItalic r:id="rId43"/>
     </p:embeddedFont>
     <p:embeddedFont>
       <p:font typeface="Euclid Extra" charset="2"/>
-      <p:regular r:id="rId43"/>
-      <p:bold r:id="rId44"/>
+      <p:regular r:id="rId44"/>
+      <p:bold r:id="rId45"/>
     </p:embeddedFont>
   </p:embeddedFontLst>
   <p:custDataLst>
-    <p:tags r:id="rId46"/>
+    <p:tags r:id="rId47"/>
   </p:custDataLst>
   <p:defaultTextStyle>
     <a:defPPr>
@@ -1303,21 +1304,19 @@
       </p:grpSpPr>
       <p:sp>
         <p:nvSpPr>
-          <p:cNvPr id="40962" name="Slide Image Placeholder 1"/>
+          <p:cNvPr id="2" name="Slide Image Placeholder 1"/>
           <p:cNvSpPr>
-            <a:spLocks noGrp="1" noRot="1" noChangeAspect="1" noTextEdit="1"/>
+            <a:spLocks noGrp="1" noRot="1" noChangeAspect="1"/>
           </p:cNvSpPr>
           <p:nvPr>
             <p:ph type="sldImg"/>
           </p:nvPr>
         </p:nvSpPr>
-        <p:spPr>
-          <a:ln/>
-        </p:spPr>
-      </p:sp>
-      <p:sp>
-        <p:nvSpPr>
-          <p:cNvPr id="40963" name="Notes Placeholder 2"/>
+        <p:spPr/>
+      </p:sp>
+      <p:sp>
+        <p:nvSpPr>
+          <p:cNvPr id="3" name="Notes Placeholder 2"/>
           <p:cNvSpPr>
             <a:spLocks noGrp="1"/>
           </p:cNvSpPr>
@@ -1325,43 +1324,38 @@
             <p:ph type="body" idx="1"/>
           </p:nvPr>
         </p:nvSpPr>
-        <p:spPr>
-          <a:noFill/>
-          <a:ln/>
-        </p:spPr>
+        <p:spPr/>
         <p:txBody>
-          <a:bodyPr/>
+          <a:bodyPr>
+            <a:normAutofit/>
+          </a:bodyPr>
           <a:lstStyle/>
           <a:p>
-            <a:endParaRPr lang="en-US" smtClean="0">
-              <a:cs typeface="Arial" charset="0"/>
-            </a:endParaRPr>
+            <a:endParaRPr lang="en-US"/>
           </a:p>
         </p:txBody>
       </p:sp>
       <p:sp>
         <p:nvSpPr>
-          <p:cNvPr id="40964" name="Slide Number Placeholder 3"/>
+          <p:cNvPr id="4" name="Slide Number Placeholder 3"/>
           <p:cNvSpPr>
             <a:spLocks noGrp="1"/>
           </p:cNvSpPr>
           <p:nvPr>
-            <p:ph type="sldNum" sz="quarter" idx="5"/>
+            <p:ph type="sldNum" sz="quarter" idx="10"/>
           </p:nvPr>
         </p:nvSpPr>
-        <p:spPr>
-          <a:noFill/>
-        </p:spPr>
+        <p:spPr/>
         <p:txBody>
           <a:bodyPr/>
           <a:lstStyle/>
           <a:p>
-            <a:fld id="{4B82029A-1E6F-4F71-995C-CB2A5CF88C4E}" type="slidenum">
+            <a:fld id="{A02B9F3F-3042-489F-AF35-1A733968F079}" type="slidenum">
               <a:rPr lang="en-US" smtClean="0"/>
               <a:pPr/>
               <a:t>14</a:t>
             </a:fld>
-            <a:endParaRPr lang="en-US" smtClean="0"/>
+            <a:endParaRPr lang="en-US"/>
           </a:p>
         </p:txBody>
       </p:sp>
@@ -1392,7 +1386,7 @@
       </p:grpSpPr>
       <p:sp>
         <p:nvSpPr>
-          <p:cNvPr id="41986" name="Slide Image Placeholder 1"/>
+          <p:cNvPr id="40962" name="Slide Image Placeholder 1"/>
           <p:cNvSpPr>
             <a:spLocks noGrp="1" noRot="1" noChangeAspect="1" noTextEdit="1"/>
           </p:cNvSpPr>
@@ -1406,7 +1400,7 @@
       </p:sp>
       <p:sp>
         <p:nvSpPr>
-          <p:cNvPr id="41987" name="Notes Placeholder 2"/>
+          <p:cNvPr id="40963" name="Notes Placeholder 2"/>
           <p:cNvSpPr>
             <a:spLocks noGrp="1"/>
           </p:cNvSpPr>
@@ -1430,7 +1424,7 @@
       </p:sp>
       <p:sp>
         <p:nvSpPr>
-          <p:cNvPr id="41988" name="Slide Number Placeholder 3"/>
+          <p:cNvPr id="40964" name="Slide Number Placeholder 3"/>
           <p:cNvSpPr>
             <a:spLocks noGrp="1"/>
           </p:cNvSpPr>
@@ -1445,7 +1439,7 @@
           <a:bodyPr/>
           <a:lstStyle/>
           <a:p>
-            <a:fld id="{76871714-01CA-49AD-841C-DA9CC41985E5}" type="slidenum">
+            <a:fld id="{4B82029A-1E6F-4F71-995C-CB2A5CF88C4E}" type="slidenum">
               <a:rPr lang="en-US" smtClean="0"/>
               <a:pPr/>
               <a:t>15</a:t>
@@ -1481,7 +1475,7 @@
       </p:grpSpPr>
       <p:sp>
         <p:nvSpPr>
-          <p:cNvPr id="43010" name="Slide Image Placeholder 1"/>
+          <p:cNvPr id="41986" name="Slide Image Placeholder 1"/>
           <p:cNvSpPr>
             <a:spLocks noGrp="1" noRot="1" noChangeAspect="1" noTextEdit="1"/>
           </p:cNvSpPr>
@@ -1495,7 +1489,7 @@
       </p:sp>
       <p:sp>
         <p:nvSpPr>
-          <p:cNvPr id="43011" name="Notes Placeholder 2"/>
+          <p:cNvPr id="41987" name="Notes Placeholder 2"/>
           <p:cNvSpPr>
             <a:spLocks noGrp="1"/>
           </p:cNvSpPr>
@@ -1519,7 +1513,7 @@
       </p:sp>
       <p:sp>
         <p:nvSpPr>
-          <p:cNvPr id="43012" name="Slide Number Placeholder 3"/>
+          <p:cNvPr id="41988" name="Slide Number Placeholder 3"/>
           <p:cNvSpPr>
             <a:spLocks noGrp="1"/>
           </p:cNvSpPr>
@@ -1534,7 +1528,7 @@
           <a:bodyPr/>
           <a:lstStyle/>
           <a:p>
-            <a:fld id="{E927D176-40D1-4F12-B8DC-716769162FAB}" type="slidenum">
+            <a:fld id="{76871714-01CA-49AD-841C-DA9CC41985E5}" type="slidenum">
               <a:rPr lang="en-US" smtClean="0"/>
               <a:pPr/>
               <a:t>16</a:t>
@@ -1570,7 +1564,7 @@
       </p:grpSpPr>
       <p:sp>
         <p:nvSpPr>
-          <p:cNvPr id="44034" name="Slide Image Placeholder 1"/>
+          <p:cNvPr id="43010" name="Slide Image Placeholder 1"/>
           <p:cNvSpPr>
             <a:spLocks noGrp="1" noRot="1" noChangeAspect="1" noTextEdit="1"/>
           </p:cNvSpPr>
@@ -1584,7 +1578,7 @@
       </p:sp>
       <p:sp>
         <p:nvSpPr>
-          <p:cNvPr id="44035" name="Notes Placeholder 2"/>
+          <p:cNvPr id="43011" name="Notes Placeholder 2"/>
           <p:cNvSpPr>
             <a:spLocks noGrp="1"/>
           </p:cNvSpPr>
@@ -1608,7 +1602,7 @@
       </p:sp>
       <p:sp>
         <p:nvSpPr>
-          <p:cNvPr id="44036" name="Slide Number Placeholder 3"/>
+          <p:cNvPr id="43012" name="Slide Number Placeholder 3"/>
           <p:cNvSpPr>
             <a:spLocks noGrp="1"/>
           </p:cNvSpPr>
@@ -1623,7 +1617,7 @@
           <a:bodyPr/>
           <a:lstStyle/>
           <a:p>
-            <a:fld id="{11EACC5C-EE4F-4DC1-AFBB-C3B14383104E}" type="slidenum">
+            <a:fld id="{E927D176-40D1-4F12-B8DC-716769162FAB}" type="slidenum">
               <a:rPr lang="en-US" smtClean="0"/>
               <a:pPr/>
               <a:t>17</a:t>
@@ -1659,7 +1653,7 @@
       </p:grpSpPr>
       <p:sp>
         <p:nvSpPr>
-          <p:cNvPr id="45058" name="Slide Image Placeholder 1"/>
+          <p:cNvPr id="44034" name="Slide Image Placeholder 1"/>
           <p:cNvSpPr>
             <a:spLocks noGrp="1" noRot="1" noChangeAspect="1" noTextEdit="1"/>
           </p:cNvSpPr>
@@ -1673,7 +1667,7 @@
       </p:sp>
       <p:sp>
         <p:nvSpPr>
-          <p:cNvPr id="45059" name="Notes Placeholder 2"/>
+          <p:cNvPr id="44035" name="Notes Placeholder 2"/>
           <p:cNvSpPr>
             <a:spLocks noGrp="1"/>
           </p:cNvSpPr>
@@ -1697,7 +1691,7 @@
       </p:sp>
       <p:sp>
         <p:nvSpPr>
-          <p:cNvPr id="45060" name="Slide Number Placeholder 3"/>
+          <p:cNvPr id="44036" name="Slide Number Placeholder 3"/>
           <p:cNvSpPr>
             <a:spLocks noGrp="1"/>
           </p:cNvSpPr>
@@ -1712,7 +1706,7 @@
           <a:bodyPr/>
           <a:lstStyle/>
           <a:p>
-            <a:fld id="{1536EADE-DE08-47FC-90C7-1DECEFDF1223}" type="slidenum">
+            <a:fld id="{11EACC5C-EE4F-4DC1-AFBB-C3B14383104E}" type="slidenum">
               <a:rPr lang="en-US" smtClean="0"/>
               <a:pPr/>
               <a:t>18</a:t>
@@ -1748,7 +1742,7 @@
       </p:grpSpPr>
       <p:sp>
         <p:nvSpPr>
-          <p:cNvPr id="46082" name="Slide Image Placeholder 1"/>
+          <p:cNvPr id="45058" name="Slide Image Placeholder 1"/>
           <p:cNvSpPr>
             <a:spLocks noGrp="1" noRot="1" noChangeAspect="1" noTextEdit="1"/>
           </p:cNvSpPr>
@@ -1762,7 +1756,7 @@
       </p:sp>
       <p:sp>
         <p:nvSpPr>
-          <p:cNvPr id="46083" name="Notes Placeholder 2"/>
+          <p:cNvPr id="45059" name="Notes Placeholder 2"/>
           <p:cNvSpPr>
             <a:spLocks noGrp="1"/>
           </p:cNvSpPr>
@@ -1786,7 +1780,7 @@
       </p:sp>
       <p:sp>
         <p:nvSpPr>
-          <p:cNvPr id="46084" name="Slide Number Placeholder 3"/>
+          <p:cNvPr id="45060" name="Slide Number Placeholder 3"/>
           <p:cNvSpPr>
             <a:spLocks noGrp="1"/>
           </p:cNvSpPr>
@@ -1801,7 +1795,7 @@
           <a:bodyPr/>
           <a:lstStyle/>
           <a:p>
-            <a:fld id="{A0BB5F16-68DA-41D6-801F-8A8B70D2BC66}" type="slidenum">
+            <a:fld id="{1536EADE-DE08-47FC-90C7-1DECEFDF1223}" type="slidenum">
               <a:rPr lang="en-US" smtClean="0"/>
               <a:pPr/>
               <a:t>19</a:t>
@@ -1924,7 +1918,7 @@
       </p:grpSpPr>
       <p:sp>
         <p:nvSpPr>
-          <p:cNvPr id="47106" name="Slide Image Placeholder 1"/>
+          <p:cNvPr id="46082" name="Slide Image Placeholder 1"/>
           <p:cNvSpPr>
             <a:spLocks noGrp="1" noRot="1" noChangeAspect="1" noTextEdit="1"/>
           </p:cNvSpPr>
@@ -1938,7 +1932,7 @@
       </p:sp>
       <p:sp>
         <p:nvSpPr>
-          <p:cNvPr id="47107" name="Notes Placeholder 2"/>
+          <p:cNvPr id="46083" name="Notes Placeholder 2"/>
           <p:cNvSpPr>
             <a:spLocks noGrp="1"/>
           </p:cNvSpPr>
@@ -1962,7 +1956,7 @@
       </p:sp>
       <p:sp>
         <p:nvSpPr>
-          <p:cNvPr id="47108" name="Slide Number Placeholder 3"/>
+          <p:cNvPr id="46084" name="Slide Number Placeholder 3"/>
           <p:cNvSpPr>
             <a:spLocks noGrp="1"/>
           </p:cNvSpPr>
@@ -1977,7 +1971,7 @@
           <a:bodyPr/>
           <a:lstStyle/>
           <a:p>
-            <a:fld id="{61D99CAE-1688-4618-A394-F44276AB8A5B}" type="slidenum">
+            <a:fld id="{A0BB5F16-68DA-41D6-801F-8A8B70D2BC66}" type="slidenum">
               <a:rPr lang="en-US" smtClean="0"/>
               <a:pPr/>
               <a:t>20</a:t>
@@ -2013,7 +2007,7 @@
       </p:grpSpPr>
       <p:sp>
         <p:nvSpPr>
-          <p:cNvPr id="48130" name="Slide Image Placeholder 1"/>
+          <p:cNvPr id="47106" name="Slide Image Placeholder 1"/>
           <p:cNvSpPr>
             <a:spLocks noGrp="1" noRot="1" noChangeAspect="1" noTextEdit="1"/>
           </p:cNvSpPr>
@@ -2027,7 +2021,7 @@
       </p:sp>
       <p:sp>
         <p:nvSpPr>
-          <p:cNvPr id="48131" name="Notes Placeholder 2"/>
+          <p:cNvPr id="47107" name="Notes Placeholder 2"/>
           <p:cNvSpPr>
             <a:spLocks noGrp="1"/>
           </p:cNvSpPr>
@@ -2051,7 +2045,7 @@
       </p:sp>
       <p:sp>
         <p:nvSpPr>
-          <p:cNvPr id="48132" name="Slide Number Placeholder 3"/>
+          <p:cNvPr id="47108" name="Slide Number Placeholder 3"/>
           <p:cNvSpPr>
             <a:spLocks noGrp="1"/>
           </p:cNvSpPr>
@@ -2066,7 +2060,7 @@
           <a:bodyPr/>
           <a:lstStyle/>
           <a:p>
-            <a:fld id="{E7E3EBBC-C655-44E9-AD34-D1F2F7297403}" type="slidenum">
+            <a:fld id="{61D99CAE-1688-4618-A394-F44276AB8A5B}" type="slidenum">
               <a:rPr lang="en-US" smtClean="0"/>
               <a:pPr/>
               <a:t>21</a:t>
@@ -2102,7 +2096,7 @@
       </p:grpSpPr>
       <p:sp>
         <p:nvSpPr>
-          <p:cNvPr id="49154" name="Slide Image Placeholder 1"/>
+          <p:cNvPr id="48130" name="Slide Image Placeholder 1"/>
           <p:cNvSpPr>
             <a:spLocks noGrp="1" noRot="1" noChangeAspect="1" noTextEdit="1"/>
           </p:cNvSpPr>
@@ -2116,7 +2110,7 @@
       </p:sp>
       <p:sp>
         <p:nvSpPr>
-          <p:cNvPr id="49155" name="Notes Placeholder 2"/>
+          <p:cNvPr id="48131" name="Notes Placeholder 2"/>
           <p:cNvSpPr>
             <a:spLocks noGrp="1"/>
           </p:cNvSpPr>
@@ -2140,7 +2134,7 @@
       </p:sp>
       <p:sp>
         <p:nvSpPr>
-          <p:cNvPr id="49156" name="Slide Number Placeholder 3"/>
+          <p:cNvPr id="48132" name="Slide Number Placeholder 3"/>
           <p:cNvSpPr>
             <a:spLocks noGrp="1"/>
           </p:cNvSpPr>
@@ -2155,7 +2149,7 @@
           <a:bodyPr/>
           <a:lstStyle/>
           <a:p>
-            <a:fld id="{2BBF7FEA-A659-42EC-A266-7D0741F4E136}" type="slidenum">
+            <a:fld id="{E7E3EBBC-C655-44E9-AD34-D1F2F7297403}" type="slidenum">
               <a:rPr lang="en-US" smtClean="0"/>
               <a:pPr/>
               <a:t>22</a:t>
@@ -2191,7 +2185,7 @@
       </p:grpSpPr>
       <p:sp>
         <p:nvSpPr>
-          <p:cNvPr id="50178" name="Slide Image Placeholder 1"/>
+          <p:cNvPr id="49154" name="Slide Image Placeholder 1"/>
           <p:cNvSpPr>
             <a:spLocks noGrp="1" noRot="1" noChangeAspect="1" noTextEdit="1"/>
           </p:cNvSpPr>
@@ -2205,7 +2199,7 @@
       </p:sp>
       <p:sp>
         <p:nvSpPr>
-          <p:cNvPr id="50179" name="Notes Placeholder 2"/>
+          <p:cNvPr id="49155" name="Notes Placeholder 2"/>
           <p:cNvSpPr>
             <a:spLocks noGrp="1"/>
           </p:cNvSpPr>
@@ -2229,7 +2223,7 @@
       </p:sp>
       <p:sp>
         <p:nvSpPr>
-          <p:cNvPr id="50180" name="Slide Number Placeholder 3"/>
+          <p:cNvPr id="49156" name="Slide Number Placeholder 3"/>
           <p:cNvSpPr>
             <a:spLocks noGrp="1"/>
           </p:cNvSpPr>
@@ -2244,7 +2238,7 @@
           <a:bodyPr/>
           <a:lstStyle/>
           <a:p>
-            <a:fld id="{D9BDA413-0B0D-4575-BBC6-BFC87808FA77}" type="slidenum">
+            <a:fld id="{2BBF7FEA-A659-42EC-A266-7D0741F4E136}" type="slidenum">
               <a:rPr lang="en-US" smtClean="0"/>
               <a:pPr/>
               <a:t>23</a:t>
@@ -2280,7 +2274,7 @@
       </p:grpSpPr>
       <p:sp>
         <p:nvSpPr>
-          <p:cNvPr id="51202" name="Slide Image Placeholder 1"/>
+          <p:cNvPr id="50178" name="Slide Image Placeholder 1"/>
           <p:cNvSpPr>
             <a:spLocks noGrp="1" noRot="1" noChangeAspect="1" noTextEdit="1"/>
           </p:cNvSpPr>
@@ -2294,7 +2288,7 @@
       </p:sp>
       <p:sp>
         <p:nvSpPr>
-          <p:cNvPr id="51203" name="Notes Placeholder 2"/>
+          <p:cNvPr id="50179" name="Notes Placeholder 2"/>
           <p:cNvSpPr>
             <a:spLocks noGrp="1"/>
           </p:cNvSpPr>
@@ -2318,7 +2312,7 @@
       </p:sp>
       <p:sp>
         <p:nvSpPr>
-          <p:cNvPr id="51204" name="Slide Number Placeholder 3"/>
+          <p:cNvPr id="50180" name="Slide Number Placeholder 3"/>
           <p:cNvSpPr>
             <a:spLocks noGrp="1"/>
           </p:cNvSpPr>
@@ -2333,7 +2327,7 @@
           <a:bodyPr/>
           <a:lstStyle/>
           <a:p>
-            <a:fld id="{ABAC93CF-58AB-414A-B637-2B2A66604270}" type="slidenum">
+            <a:fld id="{D9BDA413-0B0D-4575-BBC6-BFC87808FA77}" type="slidenum">
               <a:rPr lang="en-US" smtClean="0"/>
               <a:pPr/>
               <a:t>24</a:t>
@@ -2369,7 +2363,7 @@
       </p:grpSpPr>
       <p:sp>
         <p:nvSpPr>
-          <p:cNvPr id="52226" name="Slide Image Placeholder 1"/>
+          <p:cNvPr id="51202" name="Slide Image Placeholder 1"/>
           <p:cNvSpPr>
             <a:spLocks noGrp="1" noRot="1" noChangeAspect="1" noTextEdit="1"/>
           </p:cNvSpPr>
@@ -2383,7 +2377,7 @@
       </p:sp>
       <p:sp>
         <p:nvSpPr>
-          <p:cNvPr id="52227" name="Notes Placeholder 2"/>
+          <p:cNvPr id="51203" name="Notes Placeholder 2"/>
           <p:cNvSpPr>
             <a:spLocks noGrp="1"/>
           </p:cNvSpPr>
@@ -2407,7 +2401,7 @@
       </p:sp>
       <p:sp>
         <p:nvSpPr>
-          <p:cNvPr id="52228" name="Slide Number Placeholder 3"/>
+          <p:cNvPr id="51204" name="Slide Number Placeholder 3"/>
           <p:cNvSpPr>
             <a:spLocks noGrp="1"/>
           </p:cNvSpPr>
@@ -2422,7 +2416,7 @@
           <a:bodyPr/>
           <a:lstStyle/>
           <a:p>
-            <a:fld id="{320BF3BB-3998-4F04-9619-98E1E2050953}" type="slidenum">
+            <a:fld id="{ABAC93CF-58AB-414A-B637-2B2A66604270}" type="slidenum">
               <a:rPr lang="en-US" smtClean="0"/>
               <a:pPr/>
               <a:t>25</a:t>
@@ -2458,35 +2452,9 @@
       </p:grpSpPr>
       <p:sp>
         <p:nvSpPr>
-          <p:cNvPr id="53250" name="Rectangle 7"/>
+          <p:cNvPr id="52226" name="Slide Image Placeholder 1"/>
           <p:cNvSpPr>
-            <a:spLocks noGrp="1" noChangeArrowheads="1"/>
-          </p:cNvSpPr>
-          <p:nvPr>
-            <p:ph type="sldNum" sz="quarter" idx="5"/>
-          </p:nvPr>
-        </p:nvSpPr>
-        <p:spPr>
-          <a:noFill/>
-        </p:spPr>
-        <p:txBody>
-          <a:bodyPr/>
-          <a:lstStyle/>
-          <a:p>
-            <a:fld id="{331B8690-C5E1-4367-BA74-C20C99F92A1B}" type="slidenum">
-              <a:rPr lang="en-US" smtClean="0"/>
-              <a:pPr/>
-              <a:t>26</a:t>
-            </a:fld>
-            <a:endParaRPr lang="en-US" smtClean="0"/>
-          </a:p>
-        </p:txBody>
-      </p:sp>
-      <p:sp>
-        <p:nvSpPr>
-          <p:cNvPr id="53251" name="Rectangle 2"/>
-          <p:cNvSpPr>
-            <a:spLocks noGrp="1" noRot="1" noChangeAspect="1" noChangeArrowheads="1" noTextEdit="1"/>
+            <a:spLocks noGrp="1" noRot="1" noChangeAspect="1" noTextEdit="1"/>
           </p:cNvSpPr>
           <p:nvPr>
             <p:ph type="sldImg"/>
@@ -2498,9 +2466,9 @@
       </p:sp>
       <p:sp>
         <p:nvSpPr>
-          <p:cNvPr id="53252" name="Rectangle 3"/>
+          <p:cNvPr id="52227" name="Notes Placeholder 2"/>
           <p:cNvSpPr>
-            <a:spLocks noGrp="1" noChangeArrowheads="1"/>
+            <a:spLocks noGrp="1"/>
           </p:cNvSpPr>
           <p:nvPr>
             <p:ph type="body" idx="1"/>
@@ -2514,10 +2482,35 @@
           <a:bodyPr/>
           <a:lstStyle/>
           <a:p>
-            <a:pPr eaLnBrk="1" hangingPunct="1"/>
             <a:endParaRPr lang="en-US" smtClean="0">
               <a:cs typeface="Arial" charset="0"/>
             </a:endParaRPr>
+          </a:p>
+        </p:txBody>
+      </p:sp>
+      <p:sp>
+        <p:nvSpPr>
+          <p:cNvPr id="52228" name="Slide Number Placeholder 3"/>
+          <p:cNvSpPr>
+            <a:spLocks noGrp="1"/>
+          </p:cNvSpPr>
+          <p:nvPr>
+            <p:ph type="sldNum" sz="quarter" idx="5"/>
+          </p:nvPr>
+        </p:nvSpPr>
+        <p:spPr>
+          <a:noFill/>
+        </p:spPr>
+        <p:txBody>
+          <a:bodyPr/>
+          <a:lstStyle/>
+          <a:p>
+            <a:fld id="{320BF3BB-3998-4F04-9619-98E1E2050953}" type="slidenum">
+              <a:rPr lang="en-US" smtClean="0"/>
+              <a:pPr/>
+              <a:t>26</a:t>
+            </a:fld>
+            <a:endParaRPr lang="en-US" smtClean="0"/>
           </a:p>
         </p:txBody>
       </p:sp>
@@ -2548,7 +2541,7 @@
       </p:grpSpPr>
       <p:sp>
         <p:nvSpPr>
-          <p:cNvPr id="54274" name="Rectangle 7"/>
+          <p:cNvPr id="53250" name="Rectangle 7"/>
           <p:cNvSpPr>
             <a:spLocks noGrp="1" noChangeArrowheads="1"/>
           </p:cNvSpPr>
@@ -2563,7 +2556,7 @@
           <a:bodyPr/>
           <a:lstStyle/>
           <a:p>
-            <a:fld id="{3A36BFB1-9DBA-40E7-AE0C-F2593452E5C4}" type="slidenum">
+            <a:fld id="{331B8690-C5E1-4367-BA74-C20C99F92A1B}" type="slidenum">
               <a:rPr lang="en-US" smtClean="0"/>
               <a:pPr/>
               <a:t>27</a:t>
@@ -2574,7 +2567,7 @@
       </p:sp>
       <p:sp>
         <p:nvSpPr>
-          <p:cNvPr id="54275" name="Rectangle 2"/>
+          <p:cNvPr id="53251" name="Rectangle 2"/>
           <p:cNvSpPr>
             <a:spLocks noGrp="1" noRot="1" noChangeAspect="1" noChangeArrowheads="1" noTextEdit="1"/>
           </p:cNvSpPr>
@@ -2588,7 +2581,7 @@
       </p:sp>
       <p:sp>
         <p:nvSpPr>
-          <p:cNvPr id="54276" name="Rectangle 3"/>
+          <p:cNvPr id="53252" name="Rectangle 3"/>
           <p:cNvSpPr>
             <a:spLocks noGrp="1" noChangeArrowheads="1"/>
           </p:cNvSpPr>
@@ -2638,63 +2631,66 @@
       </p:grpSpPr>
       <p:sp>
         <p:nvSpPr>
-          <p:cNvPr id="2" name="Slide Image Placeholder 1"/>
+          <p:cNvPr id="54274" name="Rectangle 7"/>
           <p:cNvSpPr>
-            <a:spLocks noGrp="1" noRot="1" noChangeAspect="1"/>
+            <a:spLocks noGrp="1" noChangeArrowheads="1"/>
+          </p:cNvSpPr>
+          <p:nvPr>
+            <p:ph type="sldNum" sz="quarter" idx="5"/>
+          </p:nvPr>
+        </p:nvSpPr>
+        <p:spPr>
+          <a:noFill/>
+        </p:spPr>
+        <p:txBody>
+          <a:bodyPr/>
+          <a:lstStyle/>
+          <a:p>
+            <a:fld id="{3A36BFB1-9DBA-40E7-AE0C-F2593452E5C4}" type="slidenum">
+              <a:rPr lang="en-US" smtClean="0"/>
+              <a:pPr/>
+              <a:t>28</a:t>
+            </a:fld>
+            <a:endParaRPr lang="en-US" smtClean="0"/>
+          </a:p>
+        </p:txBody>
+      </p:sp>
+      <p:sp>
+        <p:nvSpPr>
+          <p:cNvPr id="54275" name="Rectangle 2"/>
+          <p:cNvSpPr>
+            <a:spLocks noGrp="1" noRot="1" noChangeAspect="1" noChangeArrowheads="1" noTextEdit="1"/>
           </p:cNvSpPr>
           <p:nvPr>
             <p:ph type="sldImg"/>
           </p:nvPr>
         </p:nvSpPr>
-        <p:spPr/>
-      </p:sp>
-      <p:sp>
-        <p:nvSpPr>
-          <p:cNvPr id="3" name="Notes Placeholder 2"/>
+        <p:spPr>
+          <a:ln/>
+        </p:spPr>
+      </p:sp>
+      <p:sp>
+        <p:nvSpPr>
+          <p:cNvPr id="54276" name="Rectangle 3"/>
           <p:cNvSpPr>
-            <a:spLocks noGrp="1"/>
+            <a:spLocks noGrp="1" noChangeArrowheads="1"/>
           </p:cNvSpPr>
           <p:nvPr>
             <p:ph type="body" idx="1"/>
           </p:nvPr>
         </p:nvSpPr>
-        <p:spPr/>
-        <p:txBody>
-          <a:bodyPr>
-            <a:normAutofit/>
-          </a:bodyPr>
-          <a:lstStyle/>
-          <a:p>
-            <a:endParaRPr lang="en-US"/>
-          </a:p>
-        </p:txBody>
-      </p:sp>
-      <p:sp>
-        <p:nvSpPr>
-          <p:cNvPr id="4" name="Slide Number Placeholder 3"/>
-          <p:cNvSpPr>
-            <a:spLocks noGrp="1"/>
-          </p:cNvSpPr>
-          <p:nvPr>
-            <p:ph type="sldNum" sz="quarter" idx="10"/>
-          </p:nvPr>
-        </p:nvSpPr>
-        <p:spPr/>
+        <p:spPr>
+          <a:noFill/>
+          <a:ln/>
+        </p:spPr>
         <p:txBody>
           <a:bodyPr/>
           <a:lstStyle/>
           <a:p>
-            <a:pPr>
-              <a:defRPr/>
-            </a:pPr>
-            <a:fld id="{57CDD2FB-05E6-4D8F-A577-F6AF03D6727E}" type="slidenum">
-              <a:rPr lang="en-US" smtClean="0"/>
-              <a:pPr>
-                <a:defRPr/>
-              </a:pPr>
-              <a:t>28</a:t>
-            </a:fld>
-            <a:endParaRPr lang="en-US"/>
+            <a:pPr eaLnBrk="1" hangingPunct="1"/>
+            <a:endParaRPr lang="en-US" smtClean="0">
+              <a:cs typeface="Arial" charset="0"/>
+            </a:endParaRPr>
           </a:p>
         </p:txBody>
       </p:sp>
@@ -2725,66 +2721,63 @@
       </p:grpSpPr>
       <p:sp>
         <p:nvSpPr>
-          <p:cNvPr id="55298" name="Rectangle 7"/>
+          <p:cNvPr id="2" name="Slide Image Placeholder 1"/>
           <p:cNvSpPr>
-            <a:spLocks noGrp="1" noChangeArrowheads="1"/>
-          </p:cNvSpPr>
-          <p:nvPr>
-            <p:ph type="sldNum" sz="quarter" idx="5"/>
-          </p:nvPr>
-        </p:nvSpPr>
-        <p:spPr>
-          <a:noFill/>
-        </p:spPr>
-        <p:txBody>
-          <a:bodyPr/>
-          <a:lstStyle/>
-          <a:p>
-            <a:fld id="{590A0B08-84C6-48FB-A2D4-283D63C67D9D}" type="slidenum">
-              <a:rPr lang="en-US" smtClean="0"/>
-              <a:pPr/>
-              <a:t>29</a:t>
-            </a:fld>
-            <a:endParaRPr lang="en-US" smtClean="0"/>
-          </a:p>
-        </p:txBody>
-      </p:sp>
-      <p:sp>
-        <p:nvSpPr>
-          <p:cNvPr id="55299" name="Rectangle 2"/>
-          <p:cNvSpPr>
-            <a:spLocks noGrp="1" noRot="1" noChangeAspect="1" noChangeArrowheads="1" noTextEdit="1"/>
+            <a:spLocks noGrp="1" noRot="1" noChangeAspect="1"/>
           </p:cNvSpPr>
           <p:nvPr>
             <p:ph type="sldImg"/>
           </p:nvPr>
         </p:nvSpPr>
-        <p:spPr>
-          <a:ln/>
-        </p:spPr>
-      </p:sp>
-      <p:sp>
-        <p:nvSpPr>
-          <p:cNvPr id="55300" name="Rectangle 3"/>
+        <p:spPr/>
+      </p:sp>
+      <p:sp>
+        <p:nvSpPr>
+          <p:cNvPr id="3" name="Notes Placeholder 2"/>
           <p:cNvSpPr>
-            <a:spLocks noGrp="1" noChangeArrowheads="1"/>
+            <a:spLocks noGrp="1"/>
           </p:cNvSpPr>
           <p:nvPr>
             <p:ph type="body" idx="1"/>
           </p:nvPr>
         </p:nvSpPr>
-        <p:spPr>
-          <a:noFill/>
-          <a:ln/>
-        </p:spPr>
+        <p:spPr/>
+        <p:txBody>
+          <a:bodyPr>
+            <a:normAutofit/>
+          </a:bodyPr>
+          <a:lstStyle/>
+          <a:p>
+            <a:endParaRPr lang="en-US"/>
+          </a:p>
+        </p:txBody>
+      </p:sp>
+      <p:sp>
+        <p:nvSpPr>
+          <p:cNvPr id="4" name="Slide Number Placeholder 3"/>
+          <p:cNvSpPr>
+            <a:spLocks noGrp="1"/>
+          </p:cNvSpPr>
+          <p:nvPr>
+            <p:ph type="sldNum" sz="quarter" idx="10"/>
+          </p:nvPr>
+        </p:nvSpPr>
+        <p:spPr/>
         <p:txBody>
           <a:bodyPr/>
           <a:lstStyle/>
           <a:p>
-            <a:pPr eaLnBrk="1" hangingPunct="1"/>
-            <a:endParaRPr lang="en-US" smtClean="0">
-              <a:cs typeface="Arial" charset="0"/>
-            </a:endParaRPr>
+            <a:pPr>
+              <a:defRPr/>
+            </a:pPr>
+            <a:fld id="{57CDD2FB-05E6-4D8F-A577-F6AF03D6727E}" type="slidenum">
+              <a:rPr lang="en-US" smtClean="0"/>
+              <a:pPr>
+                <a:defRPr/>
+              </a:pPr>
+              <a:t>29</a:t>
+            </a:fld>
+            <a:endParaRPr lang="en-US"/>
           </a:p>
         </p:txBody>
       </p:sp>
@@ -2992,6 +2985,96 @@
       </p:grpSpPr>
       <p:sp>
         <p:nvSpPr>
+          <p:cNvPr id="55298" name="Rectangle 7"/>
+          <p:cNvSpPr>
+            <a:spLocks noGrp="1" noChangeArrowheads="1"/>
+          </p:cNvSpPr>
+          <p:nvPr>
+            <p:ph type="sldNum" sz="quarter" idx="5"/>
+          </p:nvPr>
+        </p:nvSpPr>
+        <p:spPr>
+          <a:noFill/>
+        </p:spPr>
+        <p:txBody>
+          <a:bodyPr/>
+          <a:lstStyle/>
+          <a:p>
+            <a:fld id="{590A0B08-84C6-48FB-A2D4-283D63C67D9D}" type="slidenum">
+              <a:rPr lang="en-US" smtClean="0"/>
+              <a:pPr/>
+              <a:t>31</a:t>
+            </a:fld>
+            <a:endParaRPr lang="en-US" smtClean="0"/>
+          </a:p>
+        </p:txBody>
+      </p:sp>
+      <p:sp>
+        <p:nvSpPr>
+          <p:cNvPr id="55299" name="Rectangle 2"/>
+          <p:cNvSpPr>
+            <a:spLocks noGrp="1" noRot="1" noChangeAspect="1" noChangeArrowheads="1" noTextEdit="1"/>
+          </p:cNvSpPr>
+          <p:nvPr>
+            <p:ph type="sldImg"/>
+          </p:nvPr>
+        </p:nvSpPr>
+        <p:spPr>
+          <a:ln/>
+        </p:spPr>
+      </p:sp>
+      <p:sp>
+        <p:nvSpPr>
+          <p:cNvPr id="55300" name="Rectangle 3"/>
+          <p:cNvSpPr>
+            <a:spLocks noGrp="1" noChangeArrowheads="1"/>
+          </p:cNvSpPr>
+          <p:nvPr>
+            <p:ph type="body" idx="1"/>
+          </p:nvPr>
+        </p:nvSpPr>
+        <p:spPr>
+          <a:noFill/>
+          <a:ln/>
+        </p:spPr>
+        <p:txBody>
+          <a:bodyPr/>
+          <a:lstStyle/>
+          <a:p>
+            <a:pPr eaLnBrk="1" hangingPunct="1"/>
+            <a:endParaRPr lang="en-US" smtClean="0">
+              <a:cs typeface="Arial" charset="0"/>
+            </a:endParaRPr>
+          </a:p>
+        </p:txBody>
+      </p:sp>
+    </p:spTree>
+  </p:cSld>
+  <p:clrMapOvr>
+    <a:masterClrMapping/>
+  </p:clrMapOvr>
+</p:notes>
+</file>
+
+<file path=ppt/notesSlides/notesSlide32.xml><?xml version="1.0" encoding="utf-8"?>
+<p:notes xmlns:a="http://schemas.openxmlformats.org/drawingml/2006/main" xmlns:r="http://schemas.openxmlformats.org/officeDocument/2006/relationships" xmlns:mc="http://schemas.openxmlformats.org/markup-compatibility/2006" xmlns:mv="urn:schemas-microsoft-com:mac:vml" xmlns:p="http://schemas.openxmlformats.org/presentationml/2006/main" mc:Ignorable="mv" mc:PreserveAttributes="mv:*">
+  <p:cSld>
+    <p:spTree>
+      <p:nvGrpSpPr>
+        <p:cNvPr id="1" name=""/>
+        <p:cNvGrpSpPr/>
+        <p:nvPr/>
+      </p:nvGrpSpPr>
+      <p:grpSpPr>
+        <a:xfrm>
+          <a:off x="0" y="0"/>
+          <a:ext cx="0" cy="0"/>
+          <a:chOff x="0" y="0"/>
+          <a:chExt cx="0" cy="0"/>
+        </a:xfrm>
+      </p:grpSpPr>
+      <p:sp>
+        <p:nvSpPr>
           <p:cNvPr id="72706" name="Rectangle 7"/>
           <p:cNvSpPr>
             <a:spLocks noGrp="1" noChangeArrowheads="1"/>
@@ -3010,7 +3093,7 @@
             <a:fld id="{6653F924-F418-411E-8C35-24F3766CE997}" type="slidenum">
               <a:rPr lang="en-US" smtClean="0"/>
               <a:pPr/>
-              <a:t>31</a:t>
+              <a:t>32</a:t>
             </a:fld>
             <a:endParaRPr lang="en-US" smtClean="0"/>
           </a:p>
@@ -3349,7 +3432,7 @@
       </p:grpSpPr>
       <p:sp>
         <p:nvSpPr>
-          <p:cNvPr id="39938" name="Rectangle 7"/>
+          <p:cNvPr id="37890" name="Rectangle 7"/>
           <p:cNvSpPr>
             <a:spLocks noGrp="1" noChangeArrowheads="1"/>
           </p:cNvSpPr>
@@ -3364,7 +3447,7 @@
           <a:bodyPr/>
           <a:lstStyle/>
           <a:p>
-            <a:fld id="{4CE22A1F-E797-4F95-AB28-5635703375A7}" type="slidenum">
+            <a:fld id="{AF7A66B1-EA0A-4178-B5A2-7963F1B71DA9}" type="slidenum">
               <a:rPr lang="en-US" smtClean="0"/>
               <a:pPr/>
               <a:t>7</a:t>
@@ -3375,7 +3458,7 @@
       </p:sp>
       <p:sp>
         <p:nvSpPr>
-          <p:cNvPr id="39939" name="Rectangle 2"/>
+          <p:cNvPr id="37891" name="Rectangle 2"/>
           <p:cNvSpPr>
             <a:spLocks noGrp="1" noRot="1" noChangeAspect="1" noChangeArrowheads="1" noTextEdit="1"/>
           </p:cNvSpPr>
@@ -3389,7 +3472,7 @@
       </p:sp>
       <p:sp>
         <p:nvSpPr>
-          <p:cNvPr id="39940" name="Rectangle 3"/>
+          <p:cNvPr id="37892" name="Rectangle 3"/>
           <p:cNvSpPr>
             <a:spLocks noGrp="1" noChangeArrowheads="1"/>
           </p:cNvSpPr>
@@ -3439,7 +3522,7 @@
       </p:grpSpPr>
       <p:sp>
         <p:nvSpPr>
-          <p:cNvPr id="34818" name="Rectangle 7"/>
+          <p:cNvPr id="39938" name="Rectangle 7"/>
           <p:cNvSpPr>
             <a:spLocks noGrp="1" noChangeArrowheads="1"/>
           </p:cNvSpPr>
@@ -3454,7 +3537,7 @@
           <a:bodyPr/>
           <a:lstStyle/>
           <a:p>
-            <a:fld id="{096650F8-0933-4105-9C22-3F40D1B8D26B}" type="slidenum">
+            <a:fld id="{4CE22A1F-E797-4F95-AB28-5635703375A7}" type="slidenum">
               <a:rPr lang="en-US" smtClean="0"/>
               <a:pPr/>
               <a:t>8</a:t>
@@ -3465,7 +3548,7 @@
       </p:sp>
       <p:sp>
         <p:nvSpPr>
-          <p:cNvPr id="34819" name="Rectangle 2"/>
+          <p:cNvPr id="39939" name="Rectangle 2"/>
           <p:cNvSpPr>
             <a:spLocks noGrp="1" noRot="1" noChangeAspect="1" noChangeArrowheads="1" noTextEdit="1"/>
           </p:cNvSpPr>
@@ -3479,7 +3562,7 @@
       </p:sp>
       <p:sp>
         <p:nvSpPr>
-          <p:cNvPr id="34820" name="Rectangle 3"/>
+          <p:cNvPr id="39940" name="Rectangle 3"/>
           <p:cNvSpPr>
             <a:spLocks noGrp="1" noChangeArrowheads="1"/>
           </p:cNvSpPr>
@@ -3529,58 +3612,66 @@
       </p:grpSpPr>
       <p:sp>
         <p:nvSpPr>
-          <p:cNvPr id="2" name="Slide Image Placeholder 1"/>
+          <p:cNvPr id="34818" name="Rectangle 7"/>
           <p:cNvSpPr>
-            <a:spLocks noGrp="1" noRot="1" noChangeAspect="1"/>
+            <a:spLocks noGrp="1" noChangeArrowheads="1"/>
+          </p:cNvSpPr>
+          <p:nvPr>
+            <p:ph type="sldNum" sz="quarter" idx="5"/>
+          </p:nvPr>
+        </p:nvSpPr>
+        <p:spPr>
+          <a:noFill/>
+        </p:spPr>
+        <p:txBody>
+          <a:bodyPr/>
+          <a:lstStyle/>
+          <a:p>
+            <a:fld id="{096650F8-0933-4105-9C22-3F40D1B8D26B}" type="slidenum">
+              <a:rPr lang="en-US" smtClean="0"/>
+              <a:pPr/>
+              <a:t>9</a:t>
+            </a:fld>
+            <a:endParaRPr lang="en-US" smtClean="0"/>
+          </a:p>
+        </p:txBody>
+      </p:sp>
+      <p:sp>
+        <p:nvSpPr>
+          <p:cNvPr id="34819" name="Rectangle 2"/>
+          <p:cNvSpPr>
+            <a:spLocks noGrp="1" noRot="1" noChangeAspect="1" noChangeArrowheads="1" noTextEdit="1"/>
           </p:cNvSpPr>
           <p:nvPr>
             <p:ph type="sldImg"/>
           </p:nvPr>
         </p:nvSpPr>
-        <p:spPr/>
-      </p:sp>
-      <p:sp>
-        <p:nvSpPr>
-          <p:cNvPr id="3" name="Notes Placeholder 2"/>
+        <p:spPr>
+          <a:ln/>
+        </p:spPr>
+      </p:sp>
+      <p:sp>
+        <p:nvSpPr>
+          <p:cNvPr id="34820" name="Rectangle 3"/>
           <p:cNvSpPr>
-            <a:spLocks noGrp="1"/>
+            <a:spLocks noGrp="1" noChangeArrowheads="1"/>
           </p:cNvSpPr>
           <p:nvPr>
             <p:ph type="body" idx="1"/>
           </p:nvPr>
         </p:nvSpPr>
-        <p:spPr/>
-        <p:txBody>
-          <a:bodyPr>
-            <a:normAutofit/>
-          </a:bodyPr>
-          <a:lstStyle/>
-          <a:p>
-            <a:endParaRPr lang="en-US"/>
-          </a:p>
-        </p:txBody>
-      </p:sp>
-      <p:sp>
-        <p:nvSpPr>
-          <p:cNvPr id="4" name="Slide Number Placeholder 3"/>
-          <p:cNvSpPr>
-            <a:spLocks noGrp="1"/>
-          </p:cNvSpPr>
-          <p:nvPr>
-            <p:ph type="sldNum" sz="quarter" idx="10"/>
-          </p:nvPr>
-        </p:nvSpPr>
-        <p:spPr/>
+        <p:spPr>
+          <a:noFill/>
+          <a:ln/>
+        </p:spPr>
         <p:txBody>
           <a:bodyPr/>
           <a:lstStyle/>
           <a:p>
-            <a:fld id="{A02B9F3F-3042-489F-AF35-1A733968F079}" type="slidenum">
-              <a:rPr lang="en-US" smtClean="0"/>
-              <a:pPr/>
-              <a:t>9</a:t>
-            </a:fld>
-            <a:endParaRPr lang="en-US"/>
+            <a:pPr eaLnBrk="1" hangingPunct="1"/>
+            <a:endParaRPr lang="en-US" smtClean="0">
+              <a:cs typeface="Arial" charset="0"/>
+            </a:endParaRPr>
           </a:p>
         </p:txBody>
       </p:sp>
@@ -10421,6 +10512,715 @@
             <p:ph type="title"/>
           </p:nvPr>
         </p:nvSpPr>
+        <p:spPr/>
+        <p:txBody>
+          <a:bodyPr/>
+          <a:lstStyle/>
+          <a:p>
+            <a:r>
+              <a:rPr lang="en-US" dirty="0" smtClean="0"/>
+              <a:t>Java Logical Expression</a:t>
+            </a:r>
+            <a:endParaRPr lang="en-US" dirty="0"/>
+          </a:p>
+        </p:txBody>
+      </p:sp>
+      <p:sp>
+        <p:nvSpPr>
+          <p:cNvPr id="7" name="TextBox 6"/>
+          <p:cNvSpPr txBox="1"/>
+          <p:nvPr/>
+        </p:nvSpPr>
+        <p:spPr>
+          <a:xfrm>
+            <a:off x="1202294" y="1665932"/>
+            <a:ext cx="6816290" cy="1815882"/>
+          </a:xfrm>
+          <a:prstGeom prst="rect">
+            <a:avLst/>
+          </a:prstGeom>
+          <a:noFill/>
+        </p:spPr>
+        <p:txBody>
+          <a:bodyPr wrap="none" rtlCol="0">
+            <a:spAutoFit/>
+          </a:bodyPr>
+          <a:lstStyle/>
+          <a:p>
+            <a:r>
+              <a:rPr lang="en-US" sz="4000" b="1" dirty="0" smtClean="0">
+                <a:latin typeface="Arial Unicode MS" pitchFamily="34" charset="-128"/>
+                <a:ea typeface="Arial Unicode MS" pitchFamily="34" charset="-128"/>
+                <a:cs typeface="Arial Unicode MS" pitchFamily="34" charset="-128"/>
+              </a:rPr>
+              <a:t>if ((x&gt;0) || (x </a:t>
+            </a:r>
+            <a:r>
+              <a:rPr lang="en-US" sz="4000" b="1" dirty="0" smtClean="0">
+                <a:latin typeface="Arial Unicode MS" pitchFamily="34" charset="-128"/>
+                <a:ea typeface="Arial Unicode MS" pitchFamily="34" charset="-128"/>
+                <a:cs typeface="Arial Unicode MS" pitchFamily="34" charset="-128"/>
+                <a:sym typeface="Euclid Symbol"/>
+              </a:rPr>
+              <a:t>&lt;= </a:t>
+            </a:r>
+            <a:r>
+              <a:rPr lang="en-US" sz="4000" b="1" dirty="0" smtClean="0">
+                <a:latin typeface="Arial Unicode MS" pitchFamily="34" charset="-128"/>
+                <a:ea typeface="Arial Unicode MS" pitchFamily="34" charset="-128"/>
+                <a:cs typeface="Arial Unicode MS" pitchFamily="34" charset="-128"/>
+              </a:rPr>
+              <a:t>0 &amp;&amp; y&gt;100))</a:t>
+            </a:r>
+          </a:p>
+          <a:p>
+            <a:pPr algn="ctr"/>
+            <a:r>
+              <a:rPr lang="en-US" sz="4000" b="1" dirty="0" smtClean="0">
+                <a:latin typeface="Comic Sans MS" pitchFamily="66" charset="0"/>
+                <a:sym typeface="Euclid Extra"/>
+              </a:rPr>
+              <a:t></a:t>
+            </a:r>
+          </a:p>
+          <a:p>
+            <a:pPr algn="ctr"/>
+            <a:r>
+              <a:rPr lang="en-US" sz="2800" b="1" dirty="0" smtClean="0">
+                <a:latin typeface="Comic Sans MS" pitchFamily="66" charset="0"/>
+                <a:sym typeface="Euclid Extra"/>
+              </a:rPr>
+              <a:t>(more code)</a:t>
+            </a:r>
+            <a:endParaRPr lang="en-US" sz="2800" b="1" dirty="0">
+              <a:latin typeface="Comic Sans MS" pitchFamily="66" charset="0"/>
+            </a:endParaRPr>
+          </a:p>
+        </p:txBody>
+      </p:sp>
+      <p:sp>
+        <p:nvSpPr>
+          <p:cNvPr id="5" name="Rectangle 11"/>
+          <p:cNvSpPr>
+            <a:spLocks noGrp="1" noChangeArrowheads="1"/>
+          </p:cNvSpPr>
+          <p:nvPr>
+            <p:ph type="sldNum" sz="quarter" idx="10"/>
+          </p:nvPr>
+        </p:nvSpPr>
+        <p:spPr>
+          <a:xfrm>
+            <a:off x="8391875" y="6594296"/>
+            <a:ext cx="752129" cy="261610"/>
+          </a:xfrm>
+          <a:ln/>
+        </p:spPr>
+        <p:txBody>
+          <a:bodyPr/>
+          <a:lstStyle>
+            <a:lvl1pPr>
+              <a:defRPr/>
+            </a:lvl1pPr>
+          </a:lstStyle>
+          <a:p>
+            <a:pPr>
+              <a:defRPr/>
+            </a:pPr>
+            <a:r>
+              <a:rPr lang="en-US" dirty="0" err="1" smtClean="0"/>
+              <a:t>lec</a:t>
+            </a:r>
+            <a:r>
+              <a:rPr lang="en-US" dirty="0" smtClean="0"/>
+              <a:t> 1F.</a:t>
+            </a:r>
+            <a:fld id="{7D4651B8-09C8-4A4D-BE8E-31B6C97A420D}" type="slidenum">
+              <a:rPr lang="en-US" smtClean="0"/>
+              <a:pPr>
+                <a:defRPr/>
+              </a:pPr>
+              <a:t>10</a:t>
+            </a:fld>
+            <a:endParaRPr lang="en-US" dirty="0"/>
+          </a:p>
+        </p:txBody>
+      </p:sp>
+      <p:sp>
+        <p:nvSpPr>
+          <p:cNvPr id="12" name="TextBox 11"/>
+          <p:cNvSpPr txBox="1"/>
+          <p:nvPr/>
+        </p:nvSpPr>
+        <p:spPr>
+          <a:xfrm>
+            <a:off x="2436734" y="4119572"/>
+            <a:ext cx="4075155" cy="1754326"/>
+          </a:xfrm>
+          <a:prstGeom prst="rect">
+            <a:avLst/>
+          </a:prstGeom>
+          <a:noFill/>
+        </p:spPr>
+        <p:txBody>
+          <a:bodyPr wrap="none" rtlCol="0">
+            <a:spAutoFit/>
+          </a:bodyPr>
+          <a:lstStyle/>
+          <a:p>
+            <a:r>
+              <a:rPr lang="en-US" sz="4000" b="1" dirty="0" smtClean="0">
+                <a:latin typeface="Arial Unicode MS" pitchFamily="34" charset="-128"/>
+                <a:ea typeface="Arial Unicode MS" pitchFamily="34" charset="-128"/>
+                <a:cs typeface="Arial Unicode MS" pitchFamily="34" charset="-128"/>
+              </a:rPr>
+              <a:t>if ((x&gt;0) || y&gt;100)</a:t>
+            </a:r>
+          </a:p>
+          <a:p>
+            <a:pPr algn="ctr"/>
+            <a:r>
+              <a:rPr lang="en-US" sz="4000" b="1" dirty="0" smtClean="0">
+                <a:latin typeface="Comic Sans MS" pitchFamily="66" charset="0"/>
+                <a:sym typeface="Euclid Extra"/>
+              </a:rPr>
+              <a:t></a:t>
+            </a:r>
+          </a:p>
+          <a:p>
+            <a:pPr algn="ctr"/>
+            <a:r>
+              <a:rPr lang="en-US" sz="2800" b="1" dirty="0" smtClean="0">
+                <a:latin typeface="Comic Sans MS" pitchFamily="66" charset="0"/>
+                <a:sym typeface="Euclid Extra"/>
+              </a:rPr>
+              <a:t>(more code)</a:t>
+            </a:r>
+            <a:endParaRPr lang="en-US" sz="2800" b="1" dirty="0">
+              <a:latin typeface="Comic Sans MS" pitchFamily="66" charset="0"/>
+            </a:endParaRPr>
+          </a:p>
+        </p:txBody>
+      </p:sp>
+      <p:sp>
+        <p:nvSpPr>
+          <p:cNvPr id="13" name="TextBox 12"/>
+          <p:cNvSpPr txBox="1"/>
+          <p:nvPr/>
+        </p:nvSpPr>
+        <p:spPr>
+          <a:xfrm>
+            <a:off x="243840" y="4053840"/>
+            <a:ext cx="2109872" cy="769441"/>
+          </a:xfrm>
+          <a:prstGeom prst="rect">
+            <a:avLst/>
+          </a:prstGeom>
+          <a:noFill/>
+        </p:spPr>
+        <p:txBody>
+          <a:bodyPr wrap="none" rtlCol="0">
+            <a:spAutoFit/>
+          </a:bodyPr>
+          <a:lstStyle/>
+          <a:p>
+            <a:r>
+              <a:rPr lang="en-US" sz="4400" dirty="0" smtClean="0">
+                <a:solidFill>
+                  <a:srgbClr val="006600"/>
+                </a:solidFill>
+                <a:latin typeface="Comic Sans MS" pitchFamily="66" charset="0"/>
+              </a:rPr>
+              <a:t>better:</a:t>
+            </a:r>
+          </a:p>
+        </p:txBody>
+      </p:sp>
+      <p:cxnSp>
+        <p:nvCxnSpPr>
+          <p:cNvPr id="15" name="Straight Connector 14"/>
+          <p:cNvCxnSpPr/>
+          <p:nvPr/>
+        </p:nvCxnSpPr>
+        <p:spPr bwMode="auto">
+          <a:xfrm>
+            <a:off x="563880" y="3639185"/>
+            <a:ext cx="7772400" cy="1588"/>
+          </a:xfrm>
+          <a:prstGeom prst="line">
+            <a:avLst/>
+          </a:prstGeom>
+          <a:ln w="38100" cmpd="sng">
+            <a:prstDash val="dash"/>
+            <a:headEnd type="none" w="med" len="med"/>
+            <a:tailEnd type="none" w="med" len="med"/>
+          </a:ln>
+        </p:spPr>
+        <p:style>
+          <a:lnRef idx="1">
+            <a:schemeClr val="dk1"/>
+          </a:lnRef>
+          <a:fillRef idx="0">
+            <a:schemeClr val="dk1"/>
+          </a:fillRef>
+          <a:effectRef idx="0">
+            <a:schemeClr val="dk1"/>
+          </a:effectRef>
+          <a:fontRef idx="minor">
+            <a:schemeClr val="tx1"/>
+          </a:fontRef>
+        </p:style>
+      </p:cxnSp>
+      <p:grpSp>
+        <p:nvGrpSpPr>
+          <p:cNvPr id="10" name="Group 9"/>
+          <p:cNvGrpSpPr/>
+          <p:nvPr/>
+        </p:nvGrpSpPr>
+        <p:grpSpPr>
+          <a:xfrm>
+            <a:off x="2933122" y="1721588"/>
+            <a:ext cx="843500" cy="1305443"/>
+            <a:chOff x="2933122" y="1721588"/>
+            <a:chExt cx="843500" cy="1305443"/>
+          </a:xfrm>
+        </p:grpSpPr>
+        <p:sp>
+          <p:nvSpPr>
+            <p:cNvPr id="11" name="TextBox 10"/>
+            <p:cNvSpPr txBox="1"/>
+            <p:nvPr/>
+          </p:nvSpPr>
+          <p:spPr>
+            <a:xfrm>
+              <a:off x="2933122" y="2380700"/>
+              <a:ext cx="843500" cy="646331"/>
+            </a:xfrm>
+            <a:prstGeom prst="rect">
+              <a:avLst/>
+            </a:prstGeom>
+            <a:noFill/>
+          </p:spPr>
+          <p:txBody>
+            <a:bodyPr wrap="none" rtlCol="0">
+              <a:spAutoFit/>
+            </a:bodyPr>
+            <a:lstStyle/>
+            <a:p>
+              <a:r>
+                <a:rPr lang="en-US" sz="3600" dirty="0" smtClean="0">
+                  <a:solidFill>
+                    <a:schemeClr val="accent5">
+                      <a:lumMod val="50000"/>
+                    </a:schemeClr>
+                  </a:solidFill>
+                  <a:latin typeface="Comic Sans MS" pitchFamily="66" charset="0"/>
+                </a:rPr>
+                <a:t>OR</a:t>
+              </a:r>
+            </a:p>
+          </p:txBody>
+        </p:sp>
+        <p:graphicFrame>
+          <p:nvGraphicFramePr>
+            <p:cNvPr id="14" name="Object 13"/>
+            <p:cNvGraphicFramePr>
+              <a:graphicFrameLocks noChangeAspect="1"/>
+            </p:cNvGraphicFramePr>
+            <p:nvPr/>
+          </p:nvGraphicFramePr>
+          <p:xfrm>
+            <a:off x="3098192" y="1721588"/>
+            <a:ext cx="545733" cy="1093760"/>
+          </p:xfrm>
+          <a:graphic>
+            <a:graphicData uri="http://schemas.openxmlformats.org/presentationml/2006/ole">
+              <p:oleObj spid="_x0000_s350210" name="Equation" r:id="rId4" imgW="228600" imgH="457200" progId="Equation.DSMT4">
+                <p:embed/>
+              </p:oleObj>
+            </a:graphicData>
+          </a:graphic>
+        </p:graphicFrame>
+      </p:grpSp>
+      <p:grpSp>
+        <p:nvGrpSpPr>
+          <p:cNvPr id="16" name="Group 15"/>
+          <p:cNvGrpSpPr/>
+          <p:nvPr/>
+        </p:nvGrpSpPr>
+        <p:grpSpPr>
+          <a:xfrm>
+            <a:off x="5044796" y="1688980"/>
+            <a:ext cx="1223412" cy="1304843"/>
+            <a:chOff x="2743166" y="1722188"/>
+            <a:chExt cx="1223412" cy="1304843"/>
+          </a:xfrm>
+        </p:grpSpPr>
+        <p:sp>
+          <p:nvSpPr>
+            <p:cNvPr id="17" name="TextBox 16"/>
+            <p:cNvSpPr txBox="1"/>
+            <p:nvPr/>
+          </p:nvSpPr>
+          <p:spPr>
+            <a:xfrm>
+              <a:off x="2743166" y="2380700"/>
+              <a:ext cx="1223412" cy="646331"/>
+            </a:xfrm>
+            <a:prstGeom prst="rect">
+              <a:avLst/>
+            </a:prstGeom>
+            <a:noFill/>
+          </p:spPr>
+          <p:txBody>
+            <a:bodyPr wrap="none" rtlCol="0">
+              <a:spAutoFit/>
+            </a:bodyPr>
+            <a:lstStyle/>
+            <a:p>
+              <a:r>
+                <a:rPr lang="en-US" sz="3600" dirty="0" smtClean="0">
+                  <a:solidFill>
+                    <a:schemeClr val="accent5">
+                      <a:lumMod val="50000"/>
+                    </a:schemeClr>
+                  </a:solidFill>
+                  <a:latin typeface="Comic Sans MS" pitchFamily="66" charset="0"/>
+                </a:rPr>
+                <a:t>AND</a:t>
+              </a:r>
+            </a:p>
+          </p:txBody>
+        </p:sp>
+        <p:graphicFrame>
+          <p:nvGraphicFramePr>
+            <p:cNvPr id="18" name="Object 17"/>
+            <p:cNvGraphicFramePr>
+              <a:graphicFrameLocks noChangeAspect="1"/>
+            </p:cNvGraphicFramePr>
+            <p:nvPr/>
+          </p:nvGraphicFramePr>
+          <p:xfrm>
+            <a:off x="3017595" y="1722188"/>
+            <a:ext cx="666750" cy="1093787"/>
+          </p:xfrm>
+          <a:graphic>
+            <a:graphicData uri="http://schemas.openxmlformats.org/presentationml/2006/ole">
+              <p:oleObj spid="_x0000_s350211" name="Equation" r:id="rId5" imgW="279400" imgH="457200" progId="Equation.DSMT4">
+                <p:embed/>
+              </p:oleObj>
+            </a:graphicData>
+          </a:graphic>
+        </p:graphicFrame>
+      </p:grpSp>
+    </p:spTree>
+  </p:cSld>
+  <p:clrMapOvr>
+    <a:masterClrMapping/>
+  </p:clrMapOvr>
+  <p:transition/>
+  <p:timing>
+    <p:tnLst>
+      <p:par>
+        <p:cTn id="1" dur="indefinite" restart="never" nodeType="tmRoot">
+          <p:childTnLst>
+            <p:seq concurrent="1" nextAc="seek">
+              <p:cTn id="2" dur="indefinite" nodeType="mainSeq">
+                <p:childTnLst>
+                  <p:par>
+                    <p:cTn id="3" fill="hold">
+                      <p:stCondLst>
+                        <p:cond delay="indefinite"/>
+                      </p:stCondLst>
+                      <p:childTnLst>
+                        <p:par>
+                          <p:cTn id="4" fill="hold">
+                            <p:stCondLst>
+                              <p:cond delay="0"/>
+                            </p:stCondLst>
+                            <p:childTnLst>
+                              <p:par>
+                                <p:cTn id="5" presetID="10" presetClass="entr" presetSubtype="0" fill="hold" nodeType="clickEffect">
+                                  <p:stCondLst>
+                                    <p:cond delay="0"/>
+                                  </p:stCondLst>
+                                  <p:childTnLst>
+                                    <p:set>
+                                      <p:cBhvr>
+                                        <p:cTn id="6" dur="1" fill="hold">
+                                          <p:stCondLst>
+                                            <p:cond delay="0"/>
+                                          </p:stCondLst>
+                                        </p:cTn>
+                                        <p:tgtEl>
+                                          <p:spTgt spid="10"/>
+                                        </p:tgtEl>
+                                        <p:attrNameLst>
+                                          <p:attrName>style.visibility</p:attrName>
+                                        </p:attrNameLst>
+                                      </p:cBhvr>
+                                      <p:to>
+                                        <p:strVal val="visible"/>
+                                      </p:to>
+                                    </p:set>
+                                    <p:animEffect transition="in" filter="fade">
+                                      <p:cBhvr>
+                                        <p:cTn id="7" dur="500"/>
+                                        <p:tgtEl>
+                                          <p:spTgt spid="10"/>
+                                        </p:tgtEl>
+                                      </p:cBhvr>
+                                    </p:animEffect>
+                                  </p:childTnLst>
+                                </p:cTn>
+                              </p:par>
+                            </p:childTnLst>
+                          </p:cTn>
+                        </p:par>
+                      </p:childTnLst>
+                    </p:cTn>
+                  </p:par>
+                  <p:par>
+                    <p:cTn id="8" fill="hold">
+                      <p:stCondLst>
+                        <p:cond delay="indefinite"/>
+                      </p:stCondLst>
+                      <p:childTnLst>
+                        <p:par>
+                          <p:cTn id="9" fill="hold">
+                            <p:stCondLst>
+                              <p:cond delay="0"/>
+                            </p:stCondLst>
+                            <p:childTnLst>
+                              <p:par>
+                                <p:cTn id="10" presetID="10" presetClass="entr" presetSubtype="0" fill="hold" nodeType="clickEffect">
+                                  <p:stCondLst>
+                                    <p:cond delay="0"/>
+                                  </p:stCondLst>
+                                  <p:childTnLst>
+                                    <p:set>
+                                      <p:cBhvr>
+                                        <p:cTn id="11" dur="1" fill="hold">
+                                          <p:stCondLst>
+                                            <p:cond delay="0"/>
+                                          </p:stCondLst>
+                                        </p:cTn>
+                                        <p:tgtEl>
+                                          <p:spTgt spid="16"/>
+                                        </p:tgtEl>
+                                        <p:attrNameLst>
+                                          <p:attrName>style.visibility</p:attrName>
+                                        </p:attrNameLst>
+                                      </p:cBhvr>
+                                      <p:to>
+                                        <p:strVal val="visible"/>
+                                      </p:to>
+                                    </p:set>
+                                    <p:animEffect transition="in" filter="fade">
+                                      <p:cBhvr>
+                                        <p:cTn id="12" dur="500"/>
+                                        <p:tgtEl>
+                                          <p:spTgt spid="16"/>
+                                        </p:tgtEl>
+                                      </p:cBhvr>
+                                    </p:animEffect>
+                                  </p:childTnLst>
+                                </p:cTn>
+                              </p:par>
+                            </p:childTnLst>
+                          </p:cTn>
+                        </p:par>
+                      </p:childTnLst>
+                    </p:cTn>
+                  </p:par>
+                  <p:par>
+                    <p:cTn id="13" fill="hold">
+                      <p:stCondLst>
+                        <p:cond delay="indefinite"/>
+                      </p:stCondLst>
+                      <p:childTnLst>
+                        <p:par>
+                          <p:cTn id="14" fill="hold">
+                            <p:stCondLst>
+                              <p:cond delay="0"/>
+                            </p:stCondLst>
+                            <p:childTnLst>
+                              <p:par>
+                                <p:cTn id="15" presetID="1" presetClass="entr" presetSubtype="0" fill="hold" nodeType="clickEffect">
+                                  <p:stCondLst>
+                                    <p:cond delay="0"/>
+                                  </p:stCondLst>
+                                  <p:childTnLst>
+                                    <p:set>
+                                      <p:cBhvr>
+                                        <p:cTn id="16" dur="1" fill="hold">
+                                          <p:stCondLst>
+                                            <p:cond delay="0"/>
+                                          </p:stCondLst>
+                                        </p:cTn>
+                                        <p:tgtEl>
+                                          <p:spTgt spid="15"/>
+                                        </p:tgtEl>
+                                        <p:attrNameLst>
+                                          <p:attrName>style.visibility</p:attrName>
+                                        </p:attrNameLst>
+                                      </p:cBhvr>
+                                      <p:to>
+                                        <p:strVal val="visible"/>
+                                      </p:to>
+                                    </p:set>
+                                  </p:childTnLst>
+                                </p:cTn>
+                              </p:par>
+                              <p:par>
+                                <p:cTn id="17" presetID="9" presetClass="entr" presetSubtype="0" fill="hold" grpId="0" nodeType="withEffect">
+                                  <p:stCondLst>
+                                    <p:cond delay="0"/>
+                                  </p:stCondLst>
+                                  <p:childTnLst>
+                                    <p:set>
+                                      <p:cBhvr>
+                                        <p:cTn id="18" dur="1" fill="hold">
+                                          <p:stCondLst>
+                                            <p:cond delay="0"/>
+                                          </p:stCondLst>
+                                        </p:cTn>
+                                        <p:tgtEl>
+                                          <p:spTgt spid="13"/>
+                                        </p:tgtEl>
+                                        <p:attrNameLst>
+                                          <p:attrName>style.visibility</p:attrName>
+                                        </p:attrNameLst>
+                                      </p:cBhvr>
+                                      <p:to>
+                                        <p:strVal val="visible"/>
+                                      </p:to>
+                                    </p:set>
+                                    <p:animEffect transition="in" filter="dissolve">
+                                      <p:cBhvr>
+                                        <p:cTn id="19" dur="500"/>
+                                        <p:tgtEl>
+                                          <p:spTgt spid="13"/>
+                                        </p:tgtEl>
+                                      </p:cBhvr>
+                                    </p:animEffect>
+                                  </p:childTnLst>
+                                </p:cTn>
+                              </p:par>
+                            </p:childTnLst>
+                          </p:cTn>
+                        </p:par>
+                      </p:childTnLst>
+                    </p:cTn>
+                  </p:par>
+                  <p:par>
+                    <p:cTn id="20" fill="hold">
+                      <p:stCondLst>
+                        <p:cond delay="indefinite"/>
+                      </p:stCondLst>
+                      <p:childTnLst>
+                        <p:par>
+                          <p:cTn id="21" fill="hold">
+                            <p:stCondLst>
+                              <p:cond delay="0"/>
+                            </p:stCondLst>
+                            <p:childTnLst>
+                              <p:par>
+                                <p:cTn id="22" presetID="22" presetClass="entr" presetSubtype="1" fill="hold" grpId="0" nodeType="clickEffect">
+                                  <p:stCondLst>
+                                    <p:cond delay="0"/>
+                                  </p:stCondLst>
+                                  <p:childTnLst>
+                                    <p:set>
+                                      <p:cBhvr>
+                                        <p:cTn id="23" dur="1" fill="hold">
+                                          <p:stCondLst>
+                                            <p:cond delay="0"/>
+                                          </p:stCondLst>
+                                        </p:cTn>
+                                        <p:tgtEl>
+                                          <p:spTgt spid="12"/>
+                                        </p:tgtEl>
+                                        <p:attrNameLst>
+                                          <p:attrName>style.visibility</p:attrName>
+                                        </p:attrNameLst>
+                                      </p:cBhvr>
+                                      <p:to>
+                                        <p:strVal val="visible"/>
+                                      </p:to>
+                                    </p:set>
+                                    <p:animEffect transition="in" filter="wipe(up)">
+                                      <p:cBhvr>
+                                        <p:cTn id="24" dur="500"/>
+                                        <p:tgtEl>
+                                          <p:spTgt spid="12"/>
+                                        </p:tgtEl>
+                                      </p:cBhvr>
+                                    </p:animEffect>
+                                  </p:childTnLst>
+                                </p:cTn>
+                              </p:par>
+                            </p:childTnLst>
+                          </p:cTn>
+                        </p:par>
+                      </p:childTnLst>
+                    </p:cTn>
+                  </p:par>
+                </p:childTnLst>
+              </p:cTn>
+              <p:prevCondLst>
+                <p:cond evt="onPrev" delay="0">
+                  <p:tgtEl>
+                    <p:sldTgt/>
+                  </p:tgtEl>
+                </p:cond>
+              </p:prevCondLst>
+              <p:nextCondLst>
+                <p:cond evt="onNext" delay="0">
+                  <p:tgtEl>
+                    <p:sldTgt/>
+                  </p:tgtEl>
+                </p:cond>
+              </p:nextCondLst>
+            </p:seq>
+          </p:childTnLst>
+        </p:cTn>
+      </p:par>
+    </p:tnLst>
+    <p:bldLst>
+      <p:bldP spid="12" grpId="0"/>
+      <p:bldP spid="13" grpId="0"/>
+    </p:bldLst>
+  </p:timing>
+</p:sld>
+</file>
+
+<file path=ppt/slides/slide11.xml><?xml version="1.0" encoding="utf-8"?>
+<p:sld xmlns:a="http://schemas.openxmlformats.org/drawingml/2006/main" xmlns:r="http://schemas.openxmlformats.org/officeDocument/2006/relationships" xmlns:mc="http://schemas.openxmlformats.org/markup-compatibility/2006" xmlns:mv="urn:schemas-microsoft-com:mac:vml" xmlns:p="http://schemas.openxmlformats.org/presentationml/2006/main" mc:Ignorable="mv" mc:PreserveAttributes="mv:*">
+  <p:cSld>
+    <p:spTree>
+      <p:nvGrpSpPr>
+        <p:cNvPr id="1" name=""/>
+        <p:cNvGrpSpPr/>
+        <p:nvPr/>
+      </p:nvGrpSpPr>
+      <p:grpSpPr>
+        <a:xfrm>
+          <a:off x="0" y="0"/>
+          <a:ext cx="0" cy="0"/>
+          <a:chOff x="0" y="0"/>
+          <a:chExt cx="0" cy="0"/>
+        </a:xfrm>
+      </p:grpSpPr>
+      <p:sp>
+        <p:nvSpPr>
+          <p:cNvPr id="2" name="Title 1"/>
+          <p:cNvSpPr>
+            <a:spLocks noGrp="1"/>
+          </p:cNvSpPr>
+          <p:nvPr>
+            <p:ph type="title"/>
+          </p:nvPr>
+        </p:nvSpPr>
         <p:spPr>
           <a:xfrm>
             <a:off x="1447800" y="249100"/>
@@ -10534,7 +11334,7 @@
               <a:pPr>
                 <a:defRPr/>
               </a:pPr>
-              <a:t>10</a:t>
+              <a:t>11</a:t>
             </a:fld>
             <a:endParaRPr lang="en-US" dirty="0"/>
           </a:p>
@@ -11434,7 +12234,7 @@
 </p:sld>
 </file>
 
-<file path=ppt/slides/slide11.xml><?xml version="1.0" encoding="utf-8"?>
+<file path=ppt/slides/slide12.xml><?xml version="1.0" encoding="utf-8"?>
 <p:sld xmlns:a="http://schemas.openxmlformats.org/drawingml/2006/main" xmlns:r="http://schemas.openxmlformats.org/officeDocument/2006/relationships" xmlns:mc="http://schemas.openxmlformats.org/markup-compatibility/2006" xmlns:mv="urn:schemas-microsoft-com:mac:vml" xmlns:p="http://schemas.openxmlformats.org/presentationml/2006/main" mc:Ignorable="mv" mc:PreserveAttributes="mv:*">
   <p:cSld>
     <p:spTree>
@@ -11569,7 +12369,7 @@
               <a:pPr>
                 <a:defRPr/>
               </a:pPr>
-              <a:t>11</a:t>
+              <a:t>12</a:t>
             </a:fld>
             <a:endParaRPr lang="en-US" dirty="0"/>
           </a:p>
@@ -12308,7 +13108,7 @@
 </p:sld>
 </file>
 
-<file path=ppt/slides/slide12.xml><?xml version="1.0" encoding="utf-8"?>
+<file path=ppt/slides/slide13.xml><?xml version="1.0" encoding="utf-8"?>
 <p:sld xmlns:a="http://schemas.openxmlformats.org/drawingml/2006/main" xmlns:r="http://schemas.openxmlformats.org/officeDocument/2006/relationships" xmlns:mc="http://schemas.openxmlformats.org/markup-compatibility/2006" xmlns:mv="urn:schemas-microsoft-com:mac:vml" xmlns:p="http://schemas.openxmlformats.org/presentationml/2006/main" mc:Ignorable="mv" mc:PreserveAttributes="mv:*">
   <p:cSld>
     <p:spTree>
@@ -12418,7 +13218,7 @@
               <a:pPr>
                 <a:defRPr/>
               </a:pPr>
-              <a:t>12</a:t>
+              <a:t>13</a:t>
             </a:fld>
             <a:endParaRPr lang="en-US" dirty="0"/>
           </a:p>
@@ -12888,7 +13688,7 @@
 </p:sld>
 </file>
 
-<file path=ppt/slides/slide13.xml><?xml version="1.0" encoding="utf-8"?>
+<file path=ppt/slides/slide14.xml><?xml version="1.0" encoding="utf-8"?>
 <p:sld xmlns:a="http://schemas.openxmlformats.org/drawingml/2006/main" xmlns:r="http://schemas.openxmlformats.org/officeDocument/2006/relationships" xmlns:mc="http://schemas.openxmlformats.org/markup-compatibility/2006" xmlns:mv="urn:schemas-microsoft-com:mac:vml" xmlns:p="http://schemas.openxmlformats.org/presentationml/2006/main" mc:Ignorable="mv" mc:PreserveAttributes="mv:*">
   <p:cSld>
     <p:spTree>
@@ -12981,7 +13781,7 @@
               <a:pPr>
                 <a:defRPr/>
               </a:pPr>
-              <a:t>13</a:t>
+              <a:t>14</a:t>
             </a:fld>
             <a:endParaRPr lang="en-US" dirty="0"/>
           </a:p>
@@ -13306,7 +14106,7 @@
 </p:sld>
 </file>
 
-<file path=ppt/slides/slide14.xml><?xml version="1.0" encoding="utf-8"?>
+<file path=ppt/slides/slide15.xml><?xml version="1.0" encoding="utf-8"?>
 <p:sld xmlns:a="http://schemas.openxmlformats.org/drawingml/2006/main" xmlns:r="http://schemas.openxmlformats.org/officeDocument/2006/relationships" xmlns:mc="http://schemas.openxmlformats.org/markup-compatibility/2006" xmlns:mv="urn:schemas-microsoft-com:mac:vml" xmlns:p="http://schemas.openxmlformats.org/presentationml/2006/main" mc:Ignorable="mv" mc:PreserveAttributes="mv:*" show="0">
   <p:cSld>
     <p:spTree>
@@ -13509,7 +14309,7 @@
               <a:pPr>
                 <a:defRPr/>
               </a:pPr>
-              <a:t>14</a:t>
+              <a:t>15</a:t>
             </a:fld>
             <a:endParaRPr lang="en-US" dirty="0"/>
           </a:p>
@@ -13665,7 +14465,7 @@
 </p:sld>
 </file>
 
-<file path=ppt/slides/slide15.xml><?xml version="1.0" encoding="utf-8"?>
+<file path=ppt/slides/slide16.xml><?xml version="1.0" encoding="utf-8"?>
 <p:sld xmlns:a="http://schemas.openxmlformats.org/drawingml/2006/main" xmlns:r="http://schemas.openxmlformats.org/officeDocument/2006/relationships" xmlns:mc="http://schemas.openxmlformats.org/markup-compatibility/2006" xmlns:mv="urn:schemas-microsoft-com:mac:vml" xmlns:p="http://schemas.openxmlformats.org/presentationml/2006/main" mc:Ignorable="mv" mc:PreserveAttributes="mv:*" showMasterPhAnim="0" show="0">
   <p:cSld>
     <p:spTree>
@@ -15017,7 +15817,7 @@
               <a:pPr>
                 <a:defRPr/>
               </a:pPr>
-              <a:t>15</a:t>
+              <a:t>16</a:t>
             </a:fld>
             <a:endParaRPr lang="en-US" dirty="0"/>
           </a:p>
@@ -15301,7 +16101,7 @@
 </p:sld>
 </file>
 
-<file path=ppt/slides/slide16.xml><?xml version="1.0" encoding="utf-8"?>
+<file path=ppt/slides/slide17.xml><?xml version="1.0" encoding="utf-8"?>
 <p:sld xmlns:a="http://schemas.openxmlformats.org/drawingml/2006/main" xmlns:r="http://schemas.openxmlformats.org/officeDocument/2006/relationships" xmlns:mc="http://schemas.openxmlformats.org/markup-compatibility/2006" xmlns:mv="urn:schemas-microsoft-com:mac:vml" xmlns:p="http://schemas.openxmlformats.org/presentationml/2006/main" mc:Ignorable="mv" mc:PreserveAttributes="mv:*" show="0">
   <p:cSld>
     <p:spTree>
@@ -15493,7 +16293,7 @@
               <a:pPr>
                 <a:defRPr/>
               </a:pPr>
-              <a:t>16</a:t>
+              <a:t>17</a:t>
             </a:fld>
             <a:endParaRPr lang="en-US" dirty="0"/>
           </a:p>
@@ -15515,7 +16315,7 @@
 </p:sld>
 </file>
 
-<file path=ppt/slides/slide17.xml><?xml version="1.0" encoding="utf-8"?>
+<file path=ppt/slides/slide18.xml><?xml version="1.0" encoding="utf-8"?>
 <p:sld xmlns:a="http://schemas.openxmlformats.org/drawingml/2006/main" xmlns:r="http://schemas.openxmlformats.org/officeDocument/2006/relationships" xmlns:mc="http://schemas.openxmlformats.org/markup-compatibility/2006" xmlns:mv="urn:schemas-microsoft-com:mac:vml" xmlns:p="http://schemas.openxmlformats.org/presentationml/2006/main" mc:Ignorable="mv" mc:PreserveAttributes="mv:*" showMasterPhAnim="0" show="0">
   <p:cSld>
     <p:spTree>
@@ -16657,7 +17457,7 @@
               <a:pPr>
                 <a:defRPr/>
               </a:pPr>
-              <a:t>17</a:t>
+              <a:t>18</a:t>
             </a:fld>
             <a:endParaRPr lang="en-US" dirty="0"/>
           </a:p>
@@ -17033,7 +17833,7 @@
 </p:sld>
 </file>
 
-<file path=ppt/slides/slide18.xml><?xml version="1.0" encoding="utf-8"?>
+<file path=ppt/slides/slide19.xml><?xml version="1.0" encoding="utf-8"?>
 <p:sld xmlns:a="http://schemas.openxmlformats.org/drawingml/2006/main" xmlns:r="http://schemas.openxmlformats.org/officeDocument/2006/relationships" xmlns:mc="http://schemas.openxmlformats.org/markup-compatibility/2006" xmlns:mv="urn:schemas-microsoft-com:mac:vml" xmlns:p="http://schemas.openxmlformats.org/presentationml/2006/main" mc:Ignorable="mv" mc:PreserveAttributes="mv:*" showMasterPhAnim="0" show="0">
   <p:cSld>
     <p:spTree>
@@ -18959,7 +19759,7 @@
               <a:pPr>
                 <a:defRPr/>
               </a:pPr>
-              <a:t>18</a:t>
+              <a:t>19</a:t>
             </a:fld>
             <a:endParaRPr lang="en-US" dirty="0"/>
           </a:p>
@@ -18981,7 +19781,708 @@
 </p:sld>
 </file>
 
-<file path=ppt/slides/slide19.xml><?xml version="1.0" encoding="utf-8"?>
+<file path=ppt/slides/slide2.xml><?xml version="1.0" encoding="utf-8"?>
+<p:sld xmlns:a="http://schemas.openxmlformats.org/drawingml/2006/main" xmlns:r="http://schemas.openxmlformats.org/officeDocument/2006/relationships" xmlns:mc="http://schemas.openxmlformats.org/markup-compatibility/2006" xmlns:mv="urn:schemas-microsoft-com:mac:vml" xmlns:p="http://schemas.openxmlformats.org/presentationml/2006/main" mc:Ignorable="mv" mc:PreserveAttributes="mv:*" show="0">
+  <p:cSld>
+    <p:spTree>
+      <p:nvGrpSpPr>
+        <p:cNvPr id="1" name=""/>
+        <p:cNvGrpSpPr/>
+        <p:nvPr/>
+      </p:nvGrpSpPr>
+      <p:grpSpPr>
+        <a:xfrm>
+          <a:off x="0" y="0"/>
+          <a:ext cx="0" cy="0"/>
+          <a:chOff x="0" y="0"/>
+          <a:chExt cx="0" cy="0"/>
+        </a:xfrm>
+      </p:grpSpPr>
+      <p:graphicFrame>
+        <p:nvGraphicFramePr>
+          <p:cNvPr id="334854" name="Object 6"/>
+          <p:cNvGraphicFramePr>
+            <a:graphicFrameLocks noChangeAspect="1"/>
+          </p:cNvGraphicFramePr>
+          <p:nvPr/>
+        </p:nvGraphicFramePr>
+        <p:xfrm>
+          <a:off x="5156200" y="3054350"/>
+          <a:ext cx="496888" cy="863600"/>
+        </p:xfrm>
+        <a:graphic>
+          <a:graphicData uri="http://schemas.openxmlformats.org/presentationml/2006/ole">
+            <p:oleObj spid="_x0000_s334854" name="Equation" r:id="rId4" imgW="241200" imgH="419040" progId="Equation.DSMT4">
+              <p:embed/>
+            </p:oleObj>
+          </a:graphicData>
+        </a:graphic>
+      </p:graphicFrame>
+      <p:graphicFrame>
+        <p:nvGraphicFramePr>
+          <p:cNvPr id="334852" name="Object 4"/>
+          <p:cNvGraphicFramePr>
+            <a:graphicFrameLocks noChangeAspect="1"/>
+          </p:cNvGraphicFramePr>
+          <p:nvPr/>
+        </p:nvGraphicFramePr>
+        <p:xfrm>
+          <a:off x="800271" y="2954972"/>
+          <a:ext cx="6233454" cy="1098867"/>
+        </p:xfrm>
+        <a:graphic>
+          <a:graphicData uri="http://schemas.openxmlformats.org/presentationml/2006/ole">
+            <p:oleObj spid="_x0000_s334852" name="Equation" r:id="rId5" imgW="3035160" imgH="533160" progId="Equation.DSMT4">
+              <p:embed/>
+            </p:oleObj>
+          </a:graphicData>
+        </a:graphic>
+      </p:graphicFrame>
+      <p:graphicFrame>
+        <p:nvGraphicFramePr>
+          <p:cNvPr id="334853" name="Object 5"/>
+          <p:cNvGraphicFramePr>
+            <a:graphicFrameLocks noChangeAspect="1"/>
+          </p:cNvGraphicFramePr>
+          <p:nvPr/>
+        </p:nvGraphicFramePr>
+        <p:xfrm>
+          <a:off x="5845175" y="3063875"/>
+          <a:ext cx="2058988" cy="814388"/>
+        </p:xfrm>
+        <a:graphic>
+          <a:graphicData uri="http://schemas.openxmlformats.org/presentationml/2006/ole">
+            <p:oleObj spid="_x0000_s334853" name="Equation" r:id="rId6" imgW="901440" imgH="355320" progId="Equation.DSMT4">
+              <p:embed/>
+            </p:oleObj>
+          </a:graphicData>
+        </a:graphic>
+      </p:graphicFrame>
+      <p:sp>
+        <p:nvSpPr>
+          <p:cNvPr id="2" name="Title 1"/>
+          <p:cNvSpPr>
+            <a:spLocks noGrp="1"/>
+          </p:cNvSpPr>
+          <p:nvPr>
+            <p:ph type="title"/>
+          </p:nvPr>
+        </p:nvSpPr>
+        <p:spPr/>
+        <p:txBody>
+          <a:bodyPr/>
+          <a:lstStyle/>
+          <a:p>
+            <a:r>
+              <a:rPr lang="en-US" sz="4400" dirty="0" smtClean="0"/>
+              <a:t>Proof by Contradiction</a:t>
+            </a:r>
+            <a:endParaRPr lang="en-US" sz="4400" dirty="0"/>
+          </a:p>
+        </p:txBody>
+      </p:sp>
+      <p:graphicFrame>
+        <p:nvGraphicFramePr>
+          <p:cNvPr id="333827" name="Object 3"/>
+          <p:cNvGraphicFramePr>
+            <a:graphicFrameLocks noChangeAspect="1"/>
+          </p:cNvGraphicFramePr>
+          <p:nvPr/>
+        </p:nvGraphicFramePr>
+        <p:xfrm>
+          <a:off x="901700" y="1514475"/>
+          <a:ext cx="7364413" cy="1344613"/>
+        </p:xfrm>
+        <a:graphic>
+          <a:graphicData uri="http://schemas.openxmlformats.org/presentationml/2006/ole">
+            <p:oleObj spid="_x0000_s334851" name="Equation" r:id="rId7" imgW="3695700" imgH="673100" progId="Equation.DSMT4">
+              <p:embed/>
+            </p:oleObj>
+          </a:graphicData>
+        </a:graphic>
+      </p:graphicFrame>
+      <p:sp>
+        <p:nvSpPr>
+          <p:cNvPr id="11" name="TextBox 10"/>
+          <p:cNvSpPr txBox="1"/>
+          <p:nvPr/>
+        </p:nvSpPr>
+        <p:spPr>
+          <a:xfrm>
+            <a:off x="323484" y="4198663"/>
+            <a:ext cx="8483424" cy="1754703"/>
+          </a:xfrm>
+          <a:prstGeom prst="rect">
+            <a:avLst/>
+          </a:prstGeom>
+          <a:noFill/>
+        </p:spPr>
+        <p:txBody>
+          <a:bodyPr wrap="square" rtlCol="0">
+            <a:spAutoFit/>
+          </a:bodyPr>
+          <a:lstStyle/>
+          <a:p>
+            <a:pPr algn="l"/>
+            <a:r>
+              <a:rPr lang="en-US" sz="5400" dirty="0" smtClean="0">
+                <a:latin typeface="Comic Sans MS" pitchFamily="66" charset="0"/>
+              </a:rPr>
+              <a:t>That’s </a:t>
+            </a:r>
+            <a:r>
+              <a:rPr lang="en-US" sz="5400" dirty="0" smtClean="0">
+                <a:solidFill>
+                  <a:srgbClr val="FF0000"/>
+                </a:solidFill>
+                <a:latin typeface="Comic Sans MS" pitchFamily="66" charset="0"/>
+              </a:rPr>
+              <a:t>not true</a:t>
+            </a:r>
+            <a:r>
+              <a:rPr lang="en-US" sz="5400" dirty="0" smtClean="0">
+                <a:latin typeface="Comic Sans MS" pitchFamily="66" charset="0"/>
+              </a:rPr>
+              <a:t>, so (</a:t>
+            </a:r>
+            <a:r>
+              <a:rPr lang="en-US" sz="5400" dirty="0" err="1" smtClean="0">
+                <a:latin typeface="Comic Sans MS" pitchFamily="66" charset="0"/>
+              </a:rPr>
+              <a:t>i</a:t>
+            </a:r>
+            <a:r>
+              <a:rPr lang="en-US" sz="5400" dirty="0" smtClean="0">
+                <a:latin typeface="Comic Sans MS" pitchFamily="66" charset="0"/>
+              </a:rPr>
+              <a:t>)</a:t>
+            </a:r>
+          </a:p>
+          <a:p>
+            <a:pPr algn="l"/>
+            <a:r>
+              <a:rPr lang="en-US" sz="5400" dirty="0" smtClean="0">
+                <a:latin typeface="Comic Sans MS" pitchFamily="66" charset="0"/>
+              </a:rPr>
+              <a:t>better not be true either </a:t>
+            </a:r>
+            <a:endParaRPr lang="en-US" sz="5400" dirty="0">
+              <a:latin typeface="Comic Sans MS" pitchFamily="66" charset="0"/>
+            </a:endParaRPr>
+          </a:p>
+        </p:txBody>
+      </p:sp>
+      <p:sp>
+        <p:nvSpPr>
+          <p:cNvPr id="13" name="Rectangle 12"/>
+          <p:cNvSpPr/>
+          <p:nvPr/>
+        </p:nvSpPr>
+        <p:spPr>
+          <a:xfrm>
+            <a:off x="332228" y="4192905"/>
+            <a:ext cx="5067413" cy="923330"/>
+          </a:xfrm>
+          <a:prstGeom prst="rect">
+            <a:avLst/>
+          </a:prstGeom>
+        </p:spPr>
+        <p:txBody>
+          <a:bodyPr wrap="none">
+            <a:spAutoFit/>
+          </a:bodyPr>
+          <a:lstStyle/>
+          <a:p>
+            <a:pPr lvl="0" algn="l"/>
+            <a:r>
+              <a:rPr lang="en-US" sz="5400" dirty="0" smtClean="0">
+                <a:solidFill>
+                  <a:srgbClr val="000000"/>
+                </a:solidFill>
+                <a:latin typeface="Comic Sans MS" pitchFamily="66" charset="0"/>
+              </a:rPr>
+              <a:t>That’s </a:t>
+            </a:r>
+            <a:r>
+              <a:rPr lang="en-US" sz="5400" dirty="0" smtClean="0">
+                <a:solidFill>
+                  <a:srgbClr val="FF0000"/>
+                </a:solidFill>
+                <a:latin typeface="Comic Sans MS" pitchFamily="66" charset="0"/>
+              </a:rPr>
+              <a:t>not true</a:t>
+            </a:r>
+            <a:endParaRPr lang="en-US" sz="5400" dirty="0" smtClean="0">
+              <a:solidFill>
+                <a:srgbClr val="000000"/>
+              </a:solidFill>
+              <a:latin typeface="Comic Sans MS" pitchFamily="66" charset="0"/>
+            </a:endParaRPr>
+          </a:p>
+        </p:txBody>
+      </p:sp>
+      <p:sp>
+        <p:nvSpPr>
+          <p:cNvPr id="14" name="Rectangle 11"/>
+          <p:cNvSpPr>
+            <a:spLocks noGrp="1" noChangeArrowheads="1"/>
+          </p:cNvSpPr>
+          <p:nvPr>
+            <p:ph type="sldNum" sz="quarter" idx="10"/>
+          </p:nvPr>
+        </p:nvSpPr>
+        <p:spPr>
+          <a:xfrm>
+            <a:off x="8455995" y="6594296"/>
+            <a:ext cx="688009" cy="261610"/>
+          </a:xfrm>
+          <a:ln/>
+        </p:spPr>
+        <p:txBody>
+          <a:bodyPr/>
+          <a:lstStyle>
+            <a:lvl1pPr>
+              <a:defRPr/>
+            </a:lvl1pPr>
+          </a:lstStyle>
+          <a:p>
+            <a:pPr>
+              <a:defRPr/>
+            </a:pPr>
+            <a:r>
+              <a:rPr lang="en-US" dirty="0" err="1" smtClean="0"/>
+              <a:t>lec</a:t>
+            </a:r>
+            <a:r>
+              <a:rPr lang="en-US" dirty="0" smtClean="0"/>
+              <a:t> 1F.</a:t>
+            </a:r>
+            <a:fld id="{7D4651B8-09C8-4A4D-BE8E-31B6C97A420D}" type="slidenum">
+              <a:rPr lang="en-US" smtClean="0"/>
+              <a:pPr>
+                <a:defRPr/>
+              </a:pPr>
+              <a:t>2</a:t>
+            </a:fld>
+            <a:endParaRPr lang="en-US" dirty="0"/>
+          </a:p>
+        </p:txBody>
+      </p:sp>
+    </p:spTree>
+  </p:cSld>
+  <p:clrMapOvr>
+    <a:masterClrMapping/>
+  </p:clrMapOvr>
+  <p:transition>
+    <p:fade thruBlk="1"/>
+  </p:transition>
+  <p:timing>
+    <p:tnLst>
+      <p:par>
+        <p:cTn id="1" dur="indefinite" restart="never" nodeType="tmRoot">
+          <p:childTnLst>
+            <p:seq concurrent="1" nextAc="seek">
+              <p:cTn id="2" dur="indefinite" nodeType="mainSeq">
+                <p:childTnLst>
+                  <p:par>
+                    <p:cTn id="3" fill="hold">
+                      <p:stCondLst>
+                        <p:cond delay="indefinite"/>
+                      </p:stCondLst>
+                      <p:childTnLst>
+                        <p:par>
+                          <p:cTn id="4" fill="hold">
+                            <p:stCondLst>
+                              <p:cond delay="0"/>
+                            </p:stCondLst>
+                            <p:childTnLst>
+                              <p:par>
+                                <p:cTn id="5" presetID="22" presetClass="entr" presetSubtype="8" fill="hold" nodeType="clickEffect">
+                                  <p:stCondLst>
+                                    <p:cond delay="0"/>
+                                  </p:stCondLst>
+                                  <p:childTnLst>
+                                    <p:set>
+                                      <p:cBhvr>
+                                        <p:cTn id="6" dur="1" fill="hold">
+                                          <p:stCondLst>
+                                            <p:cond delay="0"/>
+                                          </p:stCondLst>
+                                        </p:cTn>
+                                        <p:tgtEl>
+                                          <p:spTgt spid="333827"/>
+                                        </p:tgtEl>
+                                        <p:attrNameLst>
+                                          <p:attrName>style.visibility</p:attrName>
+                                        </p:attrNameLst>
+                                      </p:cBhvr>
+                                      <p:to>
+                                        <p:strVal val="visible"/>
+                                      </p:to>
+                                    </p:set>
+                                    <p:animEffect transition="in" filter="wipe(left)">
+                                      <p:cBhvr>
+                                        <p:cTn id="7" dur="500"/>
+                                        <p:tgtEl>
+                                          <p:spTgt spid="333827"/>
+                                        </p:tgtEl>
+                                      </p:cBhvr>
+                                    </p:animEffect>
+                                  </p:childTnLst>
+                                </p:cTn>
+                              </p:par>
+                            </p:childTnLst>
+                          </p:cTn>
+                        </p:par>
+                      </p:childTnLst>
+                    </p:cTn>
+                  </p:par>
+                  <p:par>
+                    <p:cTn id="8" fill="hold">
+                      <p:stCondLst>
+                        <p:cond delay="indefinite"/>
+                      </p:stCondLst>
+                      <p:childTnLst>
+                        <p:par>
+                          <p:cTn id="9" fill="hold">
+                            <p:stCondLst>
+                              <p:cond delay="0"/>
+                            </p:stCondLst>
+                            <p:childTnLst>
+                              <p:par>
+                                <p:cTn id="10" presetID="1" presetClass="entr" presetSubtype="0" fill="hold" nodeType="clickEffect">
+                                  <p:stCondLst>
+                                    <p:cond delay="0"/>
+                                  </p:stCondLst>
+                                  <p:childTnLst>
+                                    <p:set>
+                                      <p:cBhvr>
+                                        <p:cTn id="11" dur="1" fill="hold">
+                                          <p:stCondLst>
+                                            <p:cond delay="0"/>
+                                          </p:stCondLst>
+                                        </p:cTn>
+                                        <p:tgtEl>
+                                          <p:spTgt spid="334852"/>
+                                        </p:tgtEl>
+                                        <p:attrNameLst>
+                                          <p:attrName>style.visibility</p:attrName>
+                                        </p:attrNameLst>
+                                      </p:cBhvr>
+                                      <p:to>
+                                        <p:strVal val="visible"/>
+                                      </p:to>
+                                    </p:set>
+                                  </p:childTnLst>
+                                </p:cTn>
+                              </p:par>
+                            </p:childTnLst>
+                          </p:cTn>
+                        </p:par>
+                      </p:childTnLst>
+                    </p:cTn>
+                  </p:par>
+                  <p:par>
+                    <p:cTn id="12" fill="hold">
+                      <p:stCondLst>
+                        <p:cond delay="indefinite"/>
+                      </p:stCondLst>
+                      <p:childTnLst>
+                        <p:par>
+                          <p:cTn id="13" fill="hold">
+                            <p:stCondLst>
+                              <p:cond delay="0"/>
+                            </p:stCondLst>
+                            <p:childTnLst>
+                              <p:par>
+                                <p:cTn id="14" presetID="10" presetClass="entr" presetSubtype="0" fill="hold" nodeType="clickEffect">
+                                  <p:stCondLst>
+                                    <p:cond delay="0"/>
+                                  </p:stCondLst>
+                                  <p:childTnLst>
+                                    <p:set>
+                                      <p:cBhvr>
+                                        <p:cTn id="15" dur="1" fill="hold">
+                                          <p:stCondLst>
+                                            <p:cond delay="0"/>
+                                          </p:stCondLst>
+                                        </p:cTn>
+                                        <p:tgtEl>
+                                          <p:spTgt spid="334853"/>
+                                        </p:tgtEl>
+                                        <p:attrNameLst>
+                                          <p:attrName>style.visibility</p:attrName>
+                                        </p:attrNameLst>
+                                      </p:cBhvr>
+                                      <p:to>
+                                        <p:strVal val="visible"/>
+                                      </p:to>
+                                    </p:set>
+                                    <p:animEffect transition="in" filter="fade">
+                                      <p:cBhvr>
+                                        <p:cTn id="16" dur="500"/>
+                                        <p:tgtEl>
+                                          <p:spTgt spid="334853"/>
+                                        </p:tgtEl>
+                                      </p:cBhvr>
+                                    </p:animEffect>
+                                  </p:childTnLst>
+                                </p:cTn>
+                              </p:par>
+                            </p:childTnLst>
+                          </p:cTn>
+                        </p:par>
+                      </p:childTnLst>
+                    </p:cTn>
+                  </p:par>
+                  <p:par>
+                    <p:cTn id="17" fill="hold">
+                      <p:stCondLst>
+                        <p:cond delay="indefinite"/>
+                      </p:stCondLst>
+                      <p:childTnLst>
+                        <p:par>
+                          <p:cTn id="18" fill="hold">
+                            <p:stCondLst>
+                              <p:cond delay="0"/>
+                            </p:stCondLst>
+                            <p:childTnLst>
+                              <p:par>
+                                <p:cTn id="19" presetID="1" presetClass="entr" presetSubtype="0" fill="hold" grpId="0" nodeType="clickEffect">
+                                  <p:stCondLst>
+                                    <p:cond delay="0"/>
+                                  </p:stCondLst>
+                                  <p:childTnLst>
+                                    <p:set>
+                                      <p:cBhvr>
+                                        <p:cTn id="20" dur="1" fill="hold">
+                                          <p:stCondLst>
+                                            <p:cond delay="0"/>
+                                          </p:stCondLst>
+                                        </p:cTn>
+                                        <p:tgtEl>
+                                          <p:spTgt spid="13"/>
+                                        </p:tgtEl>
+                                        <p:attrNameLst>
+                                          <p:attrName>style.visibility</p:attrName>
+                                        </p:attrNameLst>
+                                      </p:cBhvr>
+                                      <p:to>
+                                        <p:strVal val="visible"/>
+                                      </p:to>
+                                    </p:set>
+                                  </p:childTnLst>
+                                </p:cTn>
+                              </p:par>
+                            </p:childTnLst>
+                          </p:cTn>
+                        </p:par>
+                        <p:par>
+                          <p:cTn id="21" fill="hold">
+                            <p:stCondLst>
+                              <p:cond delay="0"/>
+                            </p:stCondLst>
+                            <p:childTnLst>
+                              <p:par>
+                                <p:cTn id="22" presetID="15" presetClass="entr" presetSubtype="0" fill="hold" nodeType="afterEffect">
+                                  <p:stCondLst>
+                                    <p:cond delay="0"/>
+                                  </p:stCondLst>
+                                  <p:childTnLst>
+                                    <p:set>
+                                      <p:cBhvr>
+                                        <p:cTn id="23" dur="1" fill="hold">
+                                          <p:stCondLst>
+                                            <p:cond delay="0"/>
+                                          </p:stCondLst>
+                                        </p:cTn>
+                                        <p:tgtEl>
+                                          <p:spTgt spid="334854"/>
+                                        </p:tgtEl>
+                                        <p:attrNameLst>
+                                          <p:attrName>style.visibility</p:attrName>
+                                        </p:attrNameLst>
+                                      </p:cBhvr>
+                                      <p:to>
+                                        <p:strVal val="visible"/>
+                                      </p:to>
+                                    </p:set>
+                                    <p:anim calcmode="lin" valueType="num">
+                                      <p:cBhvr>
+                                        <p:cTn id="24" dur="1000" fill="hold"/>
+                                        <p:tgtEl>
+                                          <p:spTgt spid="334854"/>
+                                        </p:tgtEl>
+                                        <p:attrNameLst>
+                                          <p:attrName>ppt_w</p:attrName>
+                                        </p:attrNameLst>
+                                      </p:cBhvr>
+                                      <p:tavLst>
+                                        <p:tav tm="0">
+                                          <p:val>
+                                            <p:fltVal val="0"/>
+                                          </p:val>
+                                        </p:tav>
+                                        <p:tav tm="100000">
+                                          <p:val>
+                                            <p:strVal val="#ppt_w"/>
+                                          </p:val>
+                                        </p:tav>
+                                      </p:tavLst>
+                                    </p:anim>
+                                    <p:anim calcmode="lin" valueType="num">
+                                      <p:cBhvr>
+                                        <p:cTn id="25" dur="1000" fill="hold"/>
+                                        <p:tgtEl>
+                                          <p:spTgt spid="334854"/>
+                                        </p:tgtEl>
+                                        <p:attrNameLst>
+                                          <p:attrName>ppt_h</p:attrName>
+                                        </p:attrNameLst>
+                                      </p:cBhvr>
+                                      <p:tavLst>
+                                        <p:tav tm="0">
+                                          <p:val>
+                                            <p:fltVal val="0"/>
+                                          </p:val>
+                                        </p:tav>
+                                        <p:tav tm="100000">
+                                          <p:val>
+                                            <p:strVal val="#ppt_h"/>
+                                          </p:val>
+                                        </p:tav>
+                                      </p:tavLst>
+                                    </p:anim>
+                                    <p:anim calcmode="lin" valueType="num">
+                                      <p:cBhvr>
+                                        <p:cTn id="26" dur="1000" fill="hold"/>
+                                        <p:tgtEl>
+                                          <p:spTgt spid="334854"/>
+                                        </p:tgtEl>
+                                        <p:attrNameLst>
+                                          <p:attrName>ppt_x</p:attrName>
+                                        </p:attrNameLst>
+                                      </p:cBhvr>
+                                      <p:tavLst>
+                                        <p:tav tm="0" fmla="#ppt_x+(cos(-2*pi*(1-$))*-#ppt_x-sin(-2*pi*(1-$))*(1-#ppt_y))*(1-$)">
+                                          <p:val>
+                                            <p:fltVal val="0"/>
+                                          </p:val>
+                                        </p:tav>
+                                        <p:tav tm="100000">
+                                          <p:val>
+                                            <p:fltVal val="1"/>
+                                          </p:val>
+                                        </p:tav>
+                                      </p:tavLst>
+                                    </p:anim>
+                                    <p:anim calcmode="lin" valueType="num">
+                                      <p:cBhvr>
+                                        <p:cTn id="27" dur="1000" fill="hold"/>
+                                        <p:tgtEl>
+                                          <p:spTgt spid="334854"/>
+                                        </p:tgtEl>
+                                        <p:attrNameLst>
+                                          <p:attrName>ppt_y</p:attrName>
+                                        </p:attrNameLst>
+                                      </p:cBhvr>
+                                      <p:tavLst>
+                                        <p:tav tm="0" fmla="#ppt_y+(sin(-2*pi*(1-$))*-#ppt_x+cos(-2*pi*(1-$))*(1-#ppt_y))*(1-$)">
+                                          <p:val>
+                                            <p:fltVal val="0"/>
+                                          </p:val>
+                                        </p:tav>
+                                        <p:tav tm="100000">
+                                          <p:val>
+                                            <p:fltVal val="1"/>
+                                          </p:val>
+                                        </p:tav>
+                                      </p:tavLst>
+                                    </p:anim>
+                                  </p:childTnLst>
+                                </p:cTn>
+                              </p:par>
+                            </p:childTnLst>
+                          </p:cTn>
+                        </p:par>
+                      </p:childTnLst>
+                    </p:cTn>
+                  </p:par>
+                  <p:par>
+                    <p:cTn id="28" fill="hold">
+                      <p:stCondLst>
+                        <p:cond delay="indefinite"/>
+                      </p:stCondLst>
+                      <p:childTnLst>
+                        <p:par>
+                          <p:cTn id="29" fill="hold">
+                            <p:stCondLst>
+                              <p:cond delay="0"/>
+                            </p:stCondLst>
+                            <p:childTnLst>
+                              <p:par>
+                                <p:cTn id="30" presetID="1" presetClass="entr" presetSubtype="0" fill="hold" grpId="0" nodeType="clickEffect">
+                                  <p:stCondLst>
+                                    <p:cond delay="0"/>
+                                  </p:stCondLst>
+                                  <p:childTnLst>
+                                    <p:set>
+                                      <p:cBhvr>
+                                        <p:cTn id="31" dur="1" fill="hold">
+                                          <p:stCondLst>
+                                            <p:cond delay="0"/>
+                                          </p:stCondLst>
+                                        </p:cTn>
+                                        <p:tgtEl>
+                                          <p:spTgt spid="11"/>
+                                        </p:tgtEl>
+                                        <p:attrNameLst>
+                                          <p:attrName>style.visibility</p:attrName>
+                                        </p:attrNameLst>
+                                      </p:cBhvr>
+                                      <p:to>
+                                        <p:strVal val="visible"/>
+                                      </p:to>
+                                    </p:set>
+                                  </p:childTnLst>
+                                </p:cTn>
+                              </p:par>
+                            </p:childTnLst>
+                          </p:cTn>
+                        </p:par>
+                      </p:childTnLst>
+                    </p:cTn>
+                  </p:par>
+                </p:childTnLst>
+              </p:cTn>
+              <p:prevCondLst>
+                <p:cond evt="onPrev" delay="0">
+                  <p:tgtEl>
+                    <p:sldTgt/>
+                  </p:tgtEl>
+                </p:cond>
+              </p:prevCondLst>
+              <p:nextCondLst>
+                <p:cond evt="onNext" delay="0">
+                  <p:tgtEl>
+                    <p:sldTgt/>
+                  </p:tgtEl>
+                </p:cond>
+              </p:nextCondLst>
+            </p:seq>
+          </p:childTnLst>
+        </p:cTn>
+      </p:par>
+    </p:tnLst>
+    <p:bldLst>
+      <p:bldP spid="11" grpId="0"/>
+      <p:bldP spid="13" grpId="0"/>
+    </p:bldLst>
+  </p:timing>
+</p:sld>
+</file>
+
+<file path=ppt/slides/slide20.xml><?xml version="1.0" encoding="utf-8"?>
 <p:sld xmlns:a="http://schemas.openxmlformats.org/drawingml/2006/main" xmlns:r="http://schemas.openxmlformats.org/officeDocument/2006/relationships" xmlns:mc="http://schemas.openxmlformats.org/markup-compatibility/2006" xmlns:mv="urn:schemas-microsoft-com:mac:vml" xmlns:p="http://schemas.openxmlformats.org/presentationml/2006/main" mc:Ignorable="mv" mc:PreserveAttributes="mv:*" showMasterPhAnim="0" show="0">
   <p:cSld>
     <p:spTree>
@@ -20239,7 +21740,7 @@
               <a:pPr>
                 <a:defRPr/>
               </a:pPr>
-              <a:t>19</a:t>
+              <a:t>20</a:t>
             </a:fld>
             <a:endParaRPr lang="en-US" dirty="0"/>
           </a:p>
@@ -20332,708 +21833,7 @@
 </p:sld>
 </file>
 
-<file path=ppt/slides/slide2.xml><?xml version="1.0" encoding="utf-8"?>
-<p:sld xmlns:a="http://schemas.openxmlformats.org/drawingml/2006/main" xmlns:r="http://schemas.openxmlformats.org/officeDocument/2006/relationships" xmlns:mc="http://schemas.openxmlformats.org/markup-compatibility/2006" xmlns:mv="urn:schemas-microsoft-com:mac:vml" xmlns:p="http://schemas.openxmlformats.org/presentationml/2006/main" mc:Ignorable="mv" mc:PreserveAttributes="mv:*" show="0">
-  <p:cSld>
-    <p:spTree>
-      <p:nvGrpSpPr>
-        <p:cNvPr id="1" name=""/>
-        <p:cNvGrpSpPr/>
-        <p:nvPr/>
-      </p:nvGrpSpPr>
-      <p:grpSpPr>
-        <a:xfrm>
-          <a:off x="0" y="0"/>
-          <a:ext cx="0" cy="0"/>
-          <a:chOff x="0" y="0"/>
-          <a:chExt cx="0" cy="0"/>
-        </a:xfrm>
-      </p:grpSpPr>
-      <p:graphicFrame>
-        <p:nvGraphicFramePr>
-          <p:cNvPr id="334854" name="Object 6"/>
-          <p:cNvGraphicFramePr>
-            <a:graphicFrameLocks noChangeAspect="1"/>
-          </p:cNvGraphicFramePr>
-          <p:nvPr/>
-        </p:nvGraphicFramePr>
-        <p:xfrm>
-          <a:off x="5156200" y="3054350"/>
-          <a:ext cx="496888" cy="863600"/>
-        </p:xfrm>
-        <a:graphic>
-          <a:graphicData uri="http://schemas.openxmlformats.org/presentationml/2006/ole">
-            <p:oleObj spid="_x0000_s334854" name="Equation" r:id="rId4" imgW="241200" imgH="419040" progId="Equation.DSMT4">
-              <p:embed/>
-            </p:oleObj>
-          </a:graphicData>
-        </a:graphic>
-      </p:graphicFrame>
-      <p:graphicFrame>
-        <p:nvGraphicFramePr>
-          <p:cNvPr id="334852" name="Object 4"/>
-          <p:cNvGraphicFramePr>
-            <a:graphicFrameLocks noChangeAspect="1"/>
-          </p:cNvGraphicFramePr>
-          <p:nvPr/>
-        </p:nvGraphicFramePr>
-        <p:xfrm>
-          <a:off x="800271" y="2954972"/>
-          <a:ext cx="6233454" cy="1098867"/>
-        </p:xfrm>
-        <a:graphic>
-          <a:graphicData uri="http://schemas.openxmlformats.org/presentationml/2006/ole">
-            <p:oleObj spid="_x0000_s334852" name="Equation" r:id="rId5" imgW="3035160" imgH="533160" progId="Equation.DSMT4">
-              <p:embed/>
-            </p:oleObj>
-          </a:graphicData>
-        </a:graphic>
-      </p:graphicFrame>
-      <p:graphicFrame>
-        <p:nvGraphicFramePr>
-          <p:cNvPr id="334853" name="Object 5"/>
-          <p:cNvGraphicFramePr>
-            <a:graphicFrameLocks noChangeAspect="1"/>
-          </p:cNvGraphicFramePr>
-          <p:nvPr/>
-        </p:nvGraphicFramePr>
-        <p:xfrm>
-          <a:off x="5845175" y="3063875"/>
-          <a:ext cx="2058988" cy="814388"/>
-        </p:xfrm>
-        <a:graphic>
-          <a:graphicData uri="http://schemas.openxmlformats.org/presentationml/2006/ole">
-            <p:oleObj spid="_x0000_s334853" name="Equation" r:id="rId6" imgW="901440" imgH="355320" progId="Equation.DSMT4">
-              <p:embed/>
-            </p:oleObj>
-          </a:graphicData>
-        </a:graphic>
-      </p:graphicFrame>
-      <p:sp>
-        <p:nvSpPr>
-          <p:cNvPr id="2" name="Title 1"/>
-          <p:cNvSpPr>
-            <a:spLocks noGrp="1"/>
-          </p:cNvSpPr>
-          <p:nvPr>
-            <p:ph type="title"/>
-          </p:nvPr>
-        </p:nvSpPr>
-        <p:spPr/>
-        <p:txBody>
-          <a:bodyPr/>
-          <a:lstStyle/>
-          <a:p>
-            <a:r>
-              <a:rPr lang="en-US" sz="4400" dirty="0" smtClean="0"/>
-              <a:t>Proof by Contradiction</a:t>
-            </a:r>
-            <a:endParaRPr lang="en-US" sz="4400" dirty="0"/>
-          </a:p>
-        </p:txBody>
-      </p:sp>
-      <p:graphicFrame>
-        <p:nvGraphicFramePr>
-          <p:cNvPr id="333827" name="Object 3"/>
-          <p:cNvGraphicFramePr>
-            <a:graphicFrameLocks noChangeAspect="1"/>
-          </p:cNvGraphicFramePr>
-          <p:nvPr/>
-        </p:nvGraphicFramePr>
-        <p:xfrm>
-          <a:off x="901700" y="1514475"/>
-          <a:ext cx="7364413" cy="1344613"/>
-        </p:xfrm>
-        <a:graphic>
-          <a:graphicData uri="http://schemas.openxmlformats.org/presentationml/2006/ole">
-            <p:oleObj spid="_x0000_s334851" name="Equation" r:id="rId7" imgW="3695700" imgH="673100" progId="Equation.DSMT4">
-              <p:embed/>
-            </p:oleObj>
-          </a:graphicData>
-        </a:graphic>
-      </p:graphicFrame>
-      <p:sp>
-        <p:nvSpPr>
-          <p:cNvPr id="11" name="TextBox 10"/>
-          <p:cNvSpPr txBox="1"/>
-          <p:nvPr/>
-        </p:nvSpPr>
-        <p:spPr>
-          <a:xfrm>
-            <a:off x="323484" y="4198663"/>
-            <a:ext cx="8483424" cy="1754703"/>
-          </a:xfrm>
-          <a:prstGeom prst="rect">
-            <a:avLst/>
-          </a:prstGeom>
-          <a:noFill/>
-        </p:spPr>
-        <p:txBody>
-          <a:bodyPr wrap="square" rtlCol="0">
-            <a:spAutoFit/>
-          </a:bodyPr>
-          <a:lstStyle/>
-          <a:p>
-            <a:pPr algn="l"/>
-            <a:r>
-              <a:rPr lang="en-US" sz="5400" dirty="0" smtClean="0">
-                <a:latin typeface="Comic Sans MS" pitchFamily="66" charset="0"/>
-              </a:rPr>
-              <a:t>That’s </a:t>
-            </a:r>
-            <a:r>
-              <a:rPr lang="en-US" sz="5400" dirty="0" smtClean="0">
-                <a:solidFill>
-                  <a:srgbClr val="FF0000"/>
-                </a:solidFill>
-                <a:latin typeface="Comic Sans MS" pitchFamily="66" charset="0"/>
-              </a:rPr>
-              <a:t>not true</a:t>
-            </a:r>
-            <a:r>
-              <a:rPr lang="en-US" sz="5400" dirty="0" smtClean="0">
-                <a:latin typeface="Comic Sans MS" pitchFamily="66" charset="0"/>
-              </a:rPr>
-              <a:t>, so (</a:t>
-            </a:r>
-            <a:r>
-              <a:rPr lang="en-US" sz="5400" dirty="0" err="1" smtClean="0">
-                <a:latin typeface="Comic Sans MS" pitchFamily="66" charset="0"/>
-              </a:rPr>
-              <a:t>i</a:t>
-            </a:r>
-            <a:r>
-              <a:rPr lang="en-US" sz="5400" dirty="0" smtClean="0">
-                <a:latin typeface="Comic Sans MS" pitchFamily="66" charset="0"/>
-              </a:rPr>
-              <a:t>)</a:t>
-            </a:r>
-          </a:p>
-          <a:p>
-            <a:pPr algn="l"/>
-            <a:r>
-              <a:rPr lang="en-US" sz="5400" dirty="0" smtClean="0">
-                <a:latin typeface="Comic Sans MS" pitchFamily="66" charset="0"/>
-              </a:rPr>
-              <a:t>better not be true either </a:t>
-            </a:r>
-            <a:endParaRPr lang="en-US" sz="5400" dirty="0">
-              <a:latin typeface="Comic Sans MS" pitchFamily="66" charset="0"/>
-            </a:endParaRPr>
-          </a:p>
-        </p:txBody>
-      </p:sp>
-      <p:sp>
-        <p:nvSpPr>
-          <p:cNvPr id="13" name="Rectangle 12"/>
-          <p:cNvSpPr/>
-          <p:nvPr/>
-        </p:nvSpPr>
-        <p:spPr>
-          <a:xfrm>
-            <a:off x="332228" y="4192905"/>
-            <a:ext cx="5067413" cy="923330"/>
-          </a:xfrm>
-          <a:prstGeom prst="rect">
-            <a:avLst/>
-          </a:prstGeom>
-        </p:spPr>
-        <p:txBody>
-          <a:bodyPr wrap="none">
-            <a:spAutoFit/>
-          </a:bodyPr>
-          <a:lstStyle/>
-          <a:p>
-            <a:pPr lvl="0" algn="l"/>
-            <a:r>
-              <a:rPr lang="en-US" sz="5400" dirty="0" smtClean="0">
-                <a:solidFill>
-                  <a:srgbClr val="000000"/>
-                </a:solidFill>
-                <a:latin typeface="Comic Sans MS" pitchFamily="66" charset="0"/>
-              </a:rPr>
-              <a:t>That’s </a:t>
-            </a:r>
-            <a:r>
-              <a:rPr lang="en-US" sz="5400" dirty="0" smtClean="0">
-                <a:solidFill>
-                  <a:srgbClr val="FF0000"/>
-                </a:solidFill>
-                <a:latin typeface="Comic Sans MS" pitchFamily="66" charset="0"/>
-              </a:rPr>
-              <a:t>not true</a:t>
-            </a:r>
-            <a:endParaRPr lang="en-US" sz="5400" dirty="0" smtClean="0">
-              <a:solidFill>
-                <a:srgbClr val="000000"/>
-              </a:solidFill>
-              <a:latin typeface="Comic Sans MS" pitchFamily="66" charset="0"/>
-            </a:endParaRPr>
-          </a:p>
-        </p:txBody>
-      </p:sp>
-      <p:sp>
-        <p:nvSpPr>
-          <p:cNvPr id="14" name="Rectangle 11"/>
-          <p:cNvSpPr>
-            <a:spLocks noGrp="1" noChangeArrowheads="1"/>
-          </p:cNvSpPr>
-          <p:nvPr>
-            <p:ph type="sldNum" sz="quarter" idx="10"/>
-          </p:nvPr>
-        </p:nvSpPr>
-        <p:spPr>
-          <a:xfrm>
-            <a:off x="8455995" y="6594296"/>
-            <a:ext cx="688009" cy="261610"/>
-          </a:xfrm>
-          <a:ln/>
-        </p:spPr>
-        <p:txBody>
-          <a:bodyPr/>
-          <a:lstStyle>
-            <a:lvl1pPr>
-              <a:defRPr/>
-            </a:lvl1pPr>
-          </a:lstStyle>
-          <a:p>
-            <a:pPr>
-              <a:defRPr/>
-            </a:pPr>
-            <a:r>
-              <a:rPr lang="en-US" dirty="0" err="1" smtClean="0"/>
-              <a:t>lec</a:t>
-            </a:r>
-            <a:r>
-              <a:rPr lang="en-US" dirty="0" smtClean="0"/>
-              <a:t> 1F.</a:t>
-            </a:r>
-            <a:fld id="{7D4651B8-09C8-4A4D-BE8E-31B6C97A420D}" type="slidenum">
-              <a:rPr lang="en-US" smtClean="0"/>
-              <a:pPr>
-                <a:defRPr/>
-              </a:pPr>
-              <a:t>2</a:t>
-            </a:fld>
-            <a:endParaRPr lang="en-US" dirty="0"/>
-          </a:p>
-        </p:txBody>
-      </p:sp>
-    </p:spTree>
-  </p:cSld>
-  <p:clrMapOvr>
-    <a:masterClrMapping/>
-  </p:clrMapOvr>
-  <p:transition>
-    <p:fade thruBlk="1"/>
-  </p:transition>
-  <p:timing>
-    <p:tnLst>
-      <p:par>
-        <p:cTn id="1" dur="indefinite" restart="never" nodeType="tmRoot">
-          <p:childTnLst>
-            <p:seq concurrent="1" nextAc="seek">
-              <p:cTn id="2" dur="indefinite" nodeType="mainSeq">
-                <p:childTnLst>
-                  <p:par>
-                    <p:cTn id="3" fill="hold">
-                      <p:stCondLst>
-                        <p:cond delay="indefinite"/>
-                      </p:stCondLst>
-                      <p:childTnLst>
-                        <p:par>
-                          <p:cTn id="4" fill="hold">
-                            <p:stCondLst>
-                              <p:cond delay="0"/>
-                            </p:stCondLst>
-                            <p:childTnLst>
-                              <p:par>
-                                <p:cTn id="5" presetID="22" presetClass="entr" presetSubtype="8" fill="hold" nodeType="clickEffect">
-                                  <p:stCondLst>
-                                    <p:cond delay="0"/>
-                                  </p:stCondLst>
-                                  <p:childTnLst>
-                                    <p:set>
-                                      <p:cBhvr>
-                                        <p:cTn id="6" dur="1" fill="hold">
-                                          <p:stCondLst>
-                                            <p:cond delay="0"/>
-                                          </p:stCondLst>
-                                        </p:cTn>
-                                        <p:tgtEl>
-                                          <p:spTgt spid="333827"/>
-                                        </p:tgtEl>
-                                        <p:attrNameLst>
-                                          <p:attrName>style.visibility</p:attrName>
-                                        </p:attrNameLst>
-                                      </p:cBhvr>
-                                      <p:to>
-                                        <p:strVal val="visible"/>
-                                      </p:to>
-                                    </p:set>
-                                    <p:animEffect transition="in" filter="wipe(left)">
-                                      <p:cBhvr>
-                                        <p:cTn id="7" dur="500"/>
-                                        <p:tgtEl>
-                                          <p:spTgt spid="333827"/>
-                                        </p:tgtEl>
-                                      </p:cBhvr>
-                                    </p:animEffect>
-                                  </p:childTnLst>
-                                </p:cTn>
-                              </p:par>
-                            </p:childTnLst>
-                          </p:cTn>
-                        </p:par>
-                      </p:childTnLst>
-                    </p:cTn>
-                  </p:par>
-                  <p:par>
-                    <p:cTn id="8" fill="hold">
-                      <p:stCondLst>
-                        <p:cond delay="indefinite"/>
-                      </p:stCondLst>
-                      <p:childTnLst>
-                        <p:par>
-                          <p:cTn id="9" fill="hold">
-                            <p:stCondLst>
-                              <p:cond delay="0"/>
-                            </p:stCondLst>
-                            <p:childTnLst>
-                              <p:par>
-                                <p:cTn id="10" presetID="1" presetClass="entr" presetSubtype="0" fill="hold" nodeType="clickEffect">
-                                  <p:stCondLst>
-                                    <p:cond delay="0"/>
-                                  </p:stCondLst>
-                                  <p:childTnLst>
-                                    <p:set>
-                                      <p:cBhvr>
-                                        <p:cTn id="11" dur="1" fill="hold">
-                                          <p:stCondLst>
-                                            <p:cond delay="0"/>
-                                          </p:stCondLst>
-                                        </p:cTn>
-                                        <p:tgtEl>
-                                          <p:spTgt spid="334852"/>
-                                        </p:tgtEl>
-                                        <p:attrNameLst>
-                                          <p:attrName>style.visibility</p:attrName>
-                                        </p:attrNameLst>
-                                      </p:cBhvr>
-                                      <p:to>
-                                        <p:strVal val="visible"/>
-                                      </p:to>
-                                    </p:set>
-                                  </p:childTnLst>
-                                </p:cTn>
-                              </p:par>
-                            </p:childTnLst>
-                          </p:cTn>
-                        </p:par>
-                      </p:childTnLst>
-                    </p:cTn>
-                  </p:par>
-                  <p:par>
-                    <p:cTn id="12" fill="hold">
-                      <p:stCondLst>
-                        <p:cond delay="indefinite"/>
-                      </p:stCondLst>
-                      <p:childTnLst>
-                        <p:par>
-                          <p:cTn id="13" fill="hold">
-                            <p:stCondLst>
-                              <p:cond delay="0"/>
-                            </p:stCondLst>
-                            <p:childTnLst>
-                              <p:par>
-                                <p:cTn id="14" presetID="10" presetClass="entr" presetSubtype="0" fill="hold" nodeType="clickEffect">
-                                  <p:stCondLst>
-                                    <p:cond delay="0"/>
-                                  </p:stCondLst>
-                                  <p:childTnLst>
-                                    <p:set>
-                                      <p:cBhvr>
-                                        <p:cTn id="15" dur="1" fill="hold">
-                                          <p:stCondLst>
-                                            <p:cond delay="0"/>
-                                          </p:stCondLst>
-                                        </p:cTn>
-                                        <p:tgtEl>
-                                          <p:spTgt spid="334853"/>
-                                        </p:tgtEl>
-                                        <p:attrNameLst>
-                                          <p:attrName>style.visibility</p:attrName>
-                                        </p:attrNameLst>
-                                      </p:cBhvr>
-                                      <p:to>
-                                        <p:strVal val="visible"/>
-                                      </p:to>
-                                    </p:set>
-                                    <p:animEffect transition="in" filter="fade">
-                                      <p:cBhvr>
-                                        <p:cTn id="16" dur="500"/>
-                                        <p:tgtEl>
-                                          <p:spTgt spid="334853"/>
-                                        </p:tgtEl>
-                                      </p:cBhvr>
-                                    </p:animEffect>
-                                  </p:childTnLst>
-                                </p:cTn>
-                              </p:par>
-                            </p:childTnLst>
-                          </p:cTn>
-                        </p:par>
-                      </p:childTnLst>
-                    </p:cTn>
-                  </p:par>
-                  <p:par>
-                    <p:cTn id="17" fill="hold">
-                      <p:stCondLst>
-                        <p:cond delay="indefinite"/>
-                      </p:stCondLst>
-                      <p:childTnLst>
-                        <p:par>
-                          <p:cTn id="18" fill="hold">
-                            <p:stCondLst>
-                              <p:cond delay="0"/>
-                            </p:stCondLst>
-                            <p:childTnLst>
-                              <p:par>
-                                <p:cTn id="19" presetID="1" presetClass="entr" presetSubtype="0" fill="hold" grpId="0" nodeType="clickEffect">
-                                  <p:stCondLst>
-                                    <p:cond delay="0"/>
-                                  </p:stCondLst>
-                                  <p:childTnLst>
-                                    <p:set>
-                                      <p:cBhvr>
-                                        <p:cTn id="20" dur="1" fill="hold">
-                                          <p:stCondLst>
-                                            <p:cond delay="0"/>
-                                          </p:stCondLst>
-                                        </p:cTn>
-                                        <p:tgtEl>
-                                          <p:spTgt spid="13"/>
-                                        </p:tgtEl>
-                                        <p:attrNameLst>
-                                          <p:attrName>style.visibility</p:attrName>
-                                        </p:attrNameLst>
-                                      </p:cBhvr>
-                                      <p:to>
-                                        <p:strVal val="visible"/>
-                                      </p:to>
-                                    </p:set>
-                                  </p:childTnLst>
-                                </p:cTn>
-                              </p:par>
-                            </p:childTnLst>
-                          </p:cTn>
-                        </p:par>
-                        <p:par>
-                          <p:cTn id="21" fill="hold">
-                            <p:stCondLst>
-                              <p:cond delay="0"/>
-                            </p:stCondLst>
-                            <p:childTnLst>
-                              <p:par>
-                                <p:cTn id="22" presetID="15" presetClass="entr" presetSubtype="0" fill="hold" nodeType="afterEffect">
-                                  <p:stCondLst>
-                                    <p:cond delay="0"/>
-                                  </p:stCondLst>
-                                  <p:childTnLst>
-                                    <p:set>
-                                      <p:cBhvr>
-                                        <p:cTn id="23" dur="1" fill="hold">
-                                          <p:stCondLst>
-                                            <p:cond delay="0"/>
-                                          </p:stCondLst>
-                                        </p:cTn>
-                                        <p:tgtEl>
-                                          <p:spTgt spid="334854"/>
-                                        </p:tgtEl>
-                                        <p:attrNameLst>
-                                          <p:attrName>style.visibility</p:attrName>
-                                        </p:attrNameLst>
-                                      </p:cBhvr>
-                                      <p:to>
-                                        <p:strVal val="visible"/>
-                                      </p:to>
-                                    </p:set>
-                                    <p:anim calcmode="lin" valueType="num">
-                                      <p:cBhvr>
-                                        <p:cTn id="24" dur="1000" fill="hold"/>
-                                        <p:tgtEl>
-                                          <p:spTgt spid="334854"/>
-                                        </p:tgtEl>
-                                        <p:attrNameLst>
-                                          <p:attrName>ppt_w</p:attrName>
-                                        </p:attrNameLst>
-                                      </p:cBhvr>
-                                      <p:tavLst>
-                                        <p:tav tm="0">
-                                          <p:val>
-                                            <p:fltVal val="0"/>
-                                          </p:val>
-                                        </p:tav>
-                                        <p:tav tm="100000">
-                                          <p:val>
-                                            <p:strVal val="#ppt_w"/>
-                                          </p:val>
-                                        </p:tav>
-                                      </p:tavLst>
-                                    </p:anim>
-                                    <p:anim calcmode="lin" valueType="num">
-                                      <p:cBhvr>
-                                        <p:cTn id="25" dur="1000" fill="hold"/>
-                                        <p:tgtEl>
-                                          <p:spTgt spid="334854"/>
-                                        </p:tgtEl>
-                                        <p:attrNameLst>
-                                          <p:attrName>ppt_h</p:attrName>
-                                        </p:attrNameLst>
-                                      </p:cBhvr>
-                                      <p:tavLst>
-                                        <p:tav tm="0">
-                                          <p:val>
-                                            <p:fltVal val="0"/>
-                                          </p:val>
-                                        </p:tav>
-                                        <p:tav tm="100000">
-                                          <p:val>
-                                            <p:strVal val="#ppt_h"/>
-                                          </p:val>
-                                        </p:tav>
-                                      </p:tavLst>
-                                    </p:anim>
-                                    <p:anim calcmode="lin" valueType="num">
-                                      <p:cBhvr>
-                                        <p:cTn id="26" dur="1000" fill="hold"/>
-                                        <p:tgtEl>
-                                          <p:spTgt spid="334854"/>
-                                        </p:tgtEl>
-                                        <p:attrNameLst>
-                                          <p:attrName>ppt_x</p:attrName>
-                                        </p:attrNameLst>
-                                      </p:cBhvr>
-                                      <p:tavLst>
-                                        <p:tav tm="0" fmla="#ppt_x+(cos(-2*pi*(1-$))*-#ppt_x-sin(-2*pi*(1-$))*(1-#ppt_y))*(1-$)">
-                                          <p:val>
-                                            <p:fltVal val="0"/>
-                                          </p:val>
-                                        </p:tav>
-                                        <p:tav tm="100000">
-                                          <p:val>
-                                            <p:fltVal val="1"/>
-                                          </p:val>
-                                        </p:tav>
-                                      </p:tavLst>
-                                    </p:anim>
-                                    <p:anim calcmode="lin" valueType="num">
-                                      <p:cBhvr>
-                                        <p:cTn id="27" dur="1000" fill="hold"/>
-                                        <p:tgtEl>
-                                          <p:spTgt spid="334854"/>
-                                        </p:tgtEl>
-                                        <p:attrNameLst>
-                                          <p:attrName>ppt_y</p:attrName>
-                                        </p:attrNameLst>
-                                      </p:cBhvr>
-                                      <p:tavLst>
-                                        <p:tav tm="0" fmla="#ppt_y+(sin(-2*pi*(1-$))*-#ppt_x+cos(-2*pi*(1-$))*(1-#ppt_y))*(1-$)">
-                                          <p:val>
-                                            <p:fltVal val="0"/>
-                                          </p:val>
-                                        </p:tav>
-                                        <p:tav tm="100000">
-                                          <p:val>
-                                            <p:fltVal val="1"/>
-                                          </p:val>
-                                        </p:tav>
-                                      </p:tavLst>
-                                    </p:anim>
-                                  </p:childTnLst>
-                                </p:cTn>
-                              </p:par>
-                            </p:childTnLst>
-                          </p:cTn>
-                        </p:par>
-                      </p:childTnLst>
-                    </p:cTn>
-                  </p:par>
-                  <p:par>
-                    <p:cTn id="28" fill="hold">
-                      <p:stCondLst>
-                        <p:cond delay="indefinite"/>
-                      </p:stCondLst>
-                      <p:childTnLst>
-                        <p:par>
-                          <p:cTn id="29" fill="hold">
-                            <p:stCondLst>
-                              <p:cond delay="0"/>
-                            </p:stCondLst>
-                            <p:childTnLst>
-                              <p:par>
-                                <p:cTn id="30" presetID="1" presetClass="entr" presetSubtype="0" fill="hold" grpId="0" nodeType="clickEffect">
-                                  <p:stCondLst>
-                                    <p:cond delay="0"/>
-                                  </p:stCondLst>
-                                  <p:childTnLst>
-                                    <p:set>
-                                      <p:cBhvr>
-                                        <p:cTn id="31" dur="1" fill="hold">
-                                          <p:stCondLst>
-                                            <p:cond delay="0"/>
-                                          </p:stCondLst>
-                                        </p:cTn>
-                                        <p:tgtEl>
-                                          <p:spTgt spid="11"/>
-                                        </p:tgtEl>
-                                        <p:attrNameLst>
-                                          <p:attrName>style.visibility</p:attrName>
-                                        </p:attrNameLst>
-                                      </p:cBhvr>
-                                      <p:to>
-                                        <p:strVal val="visible"/>
-                                      </p:to>
-                                    </p:set>
-                                  </p:childTnLst>
-                                </p:cTn>
-                              </p:par>
-                            </p:childTnLst>
-                          </p:cTn>
-                        </p:par>
-                      </p:childTnLst>
-                    </p:cTn>
-                  </p:par>
-                </p:childTnLst>
-              </p:cTn>
-              <p:prevCondLst>
-                <p:cond evt="onPrev" delay="0">
-                  <p:tgtEl>
-                    <p:sldTgt/>
-                  </p:tgtEl>
-                </p:cond>
-              </p:prevCondLst>
-              <p:nextCondLst>
-                <p:cond evt="onNext" delay="0">
-                  <p:tgtEl>
-                    <p:sldTgt/>
-                  </p:tgtEl>
-                </p:cond>
-              </p:nextCondLst>
-            </p:seq>
-          </p:childTnLst>
-        </p:cTn>
-      </p:par>
-    </p:tnLst>
-    <p:bldLst>
-      <p:bldP spid="11" grpId="0"/>
-      <p:bldP spid="13" grpId="0"/>
-    </p:bldLst>
-  </p:timing>
-</p:sld>
-</file>
-
-<file path=ppt/slides/slide20.xml><?xml version="1.0" encoding="utf-8"?>
+<file path=ppt/slides/slide21.xml><?xml version="1.0" encoding="utf-8"?>
 <p:sld xmlns:a="http://schemas.openxmlformats.org/drawingml/2006/main" xmlns:r="http://schemas.openxmlformats.org/officeDocument/2006/relationships" xmlns:mc="http://schemas.openxmlformats.org/markup-compatibility/2006" xmlns:mv="urn:schemas-microsoft-com:mac:vml" xmlns:p="http://schemas.openxmlformats.org/presentationml/2006/main" mc:Ignorable="mv" mc:PreserveAttributes="mv:*" showMasterPhAnim="0" show="0">
   <p:cSld>
     <p:spTree>
@@ -22329,7 +23129,7 @@
               <a:pPr>
                 <a:defRPr/>
               </a:pPr>
-              <a:t>20</a:t>
+              <a:t>21</a:t>
             </a:fld>
             <a:endParaRPr lang="en-US" dirty="0"/>
           </a:p>
@@ -22548,7 +23348,7 @@
 </p:sld>
 </file>
 
-<file path=ppt/slides/slide21.xml><?xml version="1.0" encoding="utf-8"?>
+<file path=ppt/slides/slide22.xml><?xml version="1.0" encoding="utf-8"?>
 <p:sld xmlns:a="http://schemas.openxmlformats.org/drawingml/2006/main" xmlns:r="http://schemas.openxmlformats.org/officeDocument/2006/relationships" xmlns:mc="http://schemas.openxmlformats.org/markup-compatibility/2006" xmlns:mv="urn:schemas-microsoft-com:mac:vml" xmlns:p="http://schemas.openxmlformats.org/presentationml/2006/main" mc:Ignorable="mv" mc:PreserveAttributes="mv:*" showMasterPhAnim="0" show="0">
   <p:cSld>
     <p:spTree>
@@ -23607,7 +24407,7 @@
               <a:pPr>
                 <a:defRPr/>
               </a:pPr>
-              <a:t>21</a:t>
+              <a:t>22</a:t>
             </a:fld>
             <a:endParaRPr lang="en-US" dirty="0"/>
           </a:p>
@@ -23824,7 +24624,7 @@
 </p:sld>
 </file>
 
-<file path=ppt/slides/slide22.xml><?xml version="1.0" encoding="utf-8"?>
+<file path=ppt/slides/slide23.xml><?xml version="1.0" encoding="utf-8"?>
 <p:sld xmlns:a="http://schemas.openxmlformats.org/drawingml/2006/main" xmlns:r="http://schemas.openxmlformats.org/officeDocument/2006/relationships" xmlns:mc="http://schemas.openxmlformats.org/markup-compatibility/2006" xmlns:mv="urn:schemas-microsoft-com:mac:vml" xmlns:p="http://schemas.openxmlformats.org/presentationml/2006/main" mc:Ignorable="mv" mc:PreserveAttributes="mv:*" showMasterPhAnim="0" show="0">
   <p:cSld>
     <p:spTree>
@@ -23963,7 +24763,7 @@
               <a:pPr>
                 <a:defRPr/>
               </a:pPr>
-              <a:t>22</a:t>
+              <a:t>23</a:t>
             </a:fld>
             <a:endParaRPr lang="en-US" dirty="0"/>
           </a:p>
@@ -23985,7 +24785,7 @@
 </p:sld>
 </file>
 
-<file path=ppt/slides/slide23.xml><?xml version="1.0" encoding="utf-8"?>
+<file path=ppt/slides/slide24.xml><?xml version="1.0" encoding="utf-8"?>
 <p:sld xmlns:a="http://schemas.openxmlformats.org/drawingml/2006/main" xmlns:r="http://schemas.openxmlformats.org/officeDocument/2006/relationships" xmlns:mc="http://schemas.openxmlformats.org/markup-compatibility/2006" xmlns:mv="urn:schemas-microsoft-com:mac:vml" xmlns:p="http://schemas.openxmlformats.org/presentationml/2006/main" mc:Ignorable="mv" mc:PreserveAttributes="mv:*" show="0">
   <p:cSld>
     <p:spTree>
@@ -24250,7 +25050,7 @@
               <a:pPr>
                 <a:defRPr/>
               </a:pPr>
-              <a:t>23</a:t>
+              <a:t>24</a:t>
             </a:fld>
             <a:endParaRPr lang="en-US" dirty="0"/>
           </a:p>
@@ -24473,7 +25273,7 @@
 </p:sld>
 </file>
 
-<file path=ppt/slides/slide24.xml><?xml version="1.0" encoding="utf-8"?>
+<file path=ppt/slides/slide25.xml><?xml version="1.0" encoding="utf-8"?>
 <p:sld xmlns:a="http://schemas.openxmlformats.org/drawingml/2006/main" xmlns:r="http://schemas.openxmlformats.org/officeDocument/2006/relationships" xmlns:mc="http://schemas.openxmlformats.org/markup-compatibility/2006" xmlns:mv="urn:schemas-microsoft-com:mac:vml" xmlns:p="http://schemas.openxmlformats.org/presentationml/2006/main" mc:Ignorable="mv" mc:PreserveAttributes="mv:*" show="0">
   <p:cSld>
     <p:spTree>
@@ -24739,7 +25539,7 @@
               <a:pPr>
                 <a:defRPr/>
               </a:pPr>
-              <a:t>24</a:t>
+              <a:t>25</a:t>
             </a:fld>
             <a:endParaRPr lang="en-US" dirty="0"/>
           </a:p>
@@ -24913,7 +25713,7 @@
 </p:sld>
 </file>
 
-<file path=ppt/slides/slide25.xml><?xml version="1.0" encoding="utf-8"?>
+<file path=ppt/slides/slide26.xml><?xml version="1.0" encoding="utf-8"?>
 <p:sld xmlns:a="http://schemas.openxmlformats.org/drawingml/2006/main" xmlns:r="http://schemas.openxmlformats.org/officeDocument/2006/relationships" xmlns:mc="http://schemas.openxmlformats.org/markup-compatibility/2006" xmlns:mv="urn:schemas-microsoft-com:mac:vml" xmlns:p="http://schemas.openxmlformats.org/presentationml/2006/main" mc:Ignorable="mv" mc:PreserveAttributes="mv:*">
   <p:cSld>
     <p:spTree>
@@ -25106,7 +25906,7 @@
               <a:pPr>
                 <a:defRPr/>
               </a:pPr>
-              <a:t>25</a:t>
+              <a:t>26</a:t>
             </a:fld>
             <a:endParaRPr lang="en-US" dirty="0"/>
           </a:p>
@@ -25286,7 +26086,7 @@
 </p:sld>
 </file>
 
-<file path=ppt/slides/slide26.xml><?xml version="1.0" encoding="utf-8"?>
+<file path=ppt/slides/slide27.xml><?xml version="1.0" encoding="utf-8"?>
 <p:sld xmlns:a="http://schemas.openxmlformats.org/drawingml/2006/main" xmlns:r="http://schemas.openxmlformats.org/officeDocument/2006/relationships" xmlns:mc="http://schemas.openxmlformats.org/markup-compatibility/2006" xmlns:mv="urn:schemas-microsoft-com:mac:vml" xmlns:p="http://schemas.openxmlformats.org/presentationml/2006/main" mc:Ignorable="mv" mc:PreserveAttributes="mv:*" show="0">
   <p:cSld>
     <p:spTree>
@@ -25565,7 +26365,7 @@
               <a:pPr>
                 <a:defRPr/>
               </a:pPr>
-              <a:t>26</a:t>
+              <a:t>27</a:t>
             </a:fld>
             <a:endParaRPr lang="en-US" dirty="0"/>
           </a:p>
@@ -25829,7 +26629,7 @@
 </p:sld>
 </file>
 
-<file path=ppt/slides/slide27.xml><?xml version="1.0" encoding="utf-8"?>
+<file path=ppt/slides/slide28.xml><?xml version="1.0" encoding="utf-8"?>
 <p:sld xmlns:a="http://schemas.openxmlformats.org/drawingml/2006/main" xmlns:r="http://schemas.openxmlformats.org/officeDocument/2006/relationships" xmlns:mc="http://schemas.openxmlformats.org/markup-compatibility/2006" xmlns:mv="urn:schemas-microsoft-com:mac:vml" xmlns:p="http://schemas.openxmlformats.org/presentationml/2006/main" mc:Ignorable="mv" mc:PreserveAttributes="mv:*" show="0">
   <p:cSld>
     <p:spTree>
@@ -26041,7 +26841,7 @@
               <a:pPr>
                 <a:defRPr/>
               </a:pPr>
-              <a:t>27</a:t>
+              <a:t>28</a:t>
             </a:fld>
             <a:endParaRPr lang="en-US" dirty="0"/>
           </a:p>
@@ -26197,7 +26997,7 @@
 </p:sld>
 </file>
 
-<file path=ppt/slides/slide28.xml><?xml version="1.0" encoding="utf-8"?>
+<file path=ppt/slides/slide29.xml><?xml version="1.0" encoding="utf-8"?>
 <p:sld xmlns:a="http://schemas.openxmlformats.org/drawingml/2006/main" xmlns:r="http://schemas.openxmlformats.org/officeDocument/2006/relationships" xmlns:mc="http://schemas.openxmlformats.org/markup-compatibility/2006" xmlns:mv="urn:schemas-microsoft-com:mac:vml" xmlns:p="http://schemas.openxmlformats.org/presentationml/2006/main" mc:Ignorable="mv" mc:PreserveAttributes="mv:*">
   <p:cSld>
     <p:spTree>
@@ -26264,7 +27064,7 @@
               <a:pPr>
                 <a:defRPr/>
               </a:pPr>
-              <a:t>28</a:t>
+              <a:t>29</a:t>
             </a:fld>
             <a:endParaRPr lang="en-US" dirty="0"/>
           </a:p>
@@ -26495,241 +27295,6 @@
     <p:bldLst>
       <p:bldP spid="4" grpId="0"/>
     </p:bldLst>
-  </p:timing>
-</p:sld>
-</file>
-
-<file path=ppt/slides/slide29.xml><?xml version="1.0" encoding="utf-8"?>
-<p:sld xmlns:a="http://schemas.openxmlformats.org/drawingml/2006/main" xmlns:r="http://schemas.openxmlformats.org/officeDocument/2006/relationships" xmlns:mc="http://schemas.openxmlformats.org/markup-compatibility/2006" xmlns:mv="urn:schemas-microsoft-com:mac:vml" xmlns:p="http://schemas.openxmlformats.org/presentationml/2006/main" mc:Ignorable="mv" mc:PreserveAttributes="mv:*" show="0">
-  <p:cSld>
-    <p:spTree>
-      <p:nvGrpSpPr>
-        <p:cNvPr id="1" name=""/>
-        <p:cNvGrpSpPr/>
-        <p:nvPr/>
-      </p:nvGrpSpPr>
-      <p:grpSpPr>
-        <a:xfrm>
-          <a:off x="0" y="0"/>
-          <a:ext cx="0" cy="0"/>
-          <a:chOff x="0" y="0"/>
-          <a:chExt cx="0" cy="0"/>
-        </a:xfrm>
-      </p:grpSpPr>
-      <p:sp>
-        <p:nvSpPr>
-          <p:cNvPr id="29698" name="Rectangle 2"/>
-          <p:cNvSpPr>
-            <a:spLocks noGrp="1" noChangeArrowheads="1"/>
-          </p:cNvSpPr>
-          <p:nvPr>
-            <p:ph type="title"/>
-          </p:nvPr>
-        </p:nvSpPr>
-        <p:spPr/>
-        <p:txBody>
-          <a:bodyPr/>
-          <a:lstStyle/>
-          <a:p>
-            <a:pPr eaLnBrk="1" hangingPunct="1"/>
-            <a:r>
-              <a:rPr lang="en-US" sz="4000" smtClean="0">
-                <a:solidFill>
-                  <a:schemeClr val="tx1"/>
-                </a:solidFill>
-              </a:rPr>
-              <a:t>Goldbach Conjecture</a:t>
-            </a:r>
-          </a:p>
-        </p:txBody>
-      </p:sp>
-      <p:sp>
-        <p:nvSpPr>
-          <p:cNvPr id="128003" name="Text Box 3"/>
-          <p:cNvSpPr txBox="1">
-            <a:spLocks noChangeArrowheads="1"/>
-          </p:cNvSpPr>
-          <p:nvPr/>
-        </p:nvSpPr>
-        <p:spPr bwMode="auto">
-          <a:xfrm>
-            <a:off x="428625" y="2095500"/>
-            <a:ext cx="8181975" cy="2586038"/>
-          </a:xfrm>
-          <a:prstGeom prst="rect">
-            <a:avLst/>
-          </a:prstGeom>
-          <a:noFill/>
-          <a:ln w="9525">
-            <a:noFill/>
-            <a:miter lim="800000"/>
-            <a:headEnd/>
-            <a:tailEnd type="none" w="lg" len="lg"/>
-          </a:ln>
-        </p:spPr>
-        <p:txBody>
-          <a:bodyPr>
-            <a:spAutoFit/>
-          </a:bodyPr>
-          <a:lstStyle/>
-          <a:p>
-            <a:r>
-              <a:rPr lang="en-US" sz="5400" b="1">
-                <a:solidFill>
-                  <a:srgbClr val="0000FF"/>
-                </a:solidFill>
-                <a:latin typeface="Comic Sans MS" pitchFamily="66" charset="0"/>
-              </a:rPr>
-              <a:t>The answer is on my desk!</a:t>
-            </a:r>
-          </a:p>
-          <a:p>
-            <a:r>
-              <a:rPr lang="en-US" sz="5400">
-                <a:latin typeface="Comic Sans MS" pitchFamily="66" charset="0"/>
-              </a:rPr>
-              <a:t>(Proof by Cases)</a:t>
-            </a:r>
-            <a:endParaRPr lang="en-US" sz="14200" b="1">
-              <a:solidFill>
-                <a:srgbClr val="0000FF"/>
-              </a:solidFill>
-              <a:latin typeface="Comic Sans MS" pitchFamily="66" charset="0"/>
-            </a:endParaRPr>
-          </a:p>
-        </p:txBody>
-      </p:sp>
-      <p:sp>
-        <p:nvSpPr>
-          <p:cNvPr id="5" name="Rectangle 11"/>
-          <p:cNvSpPr>
-            <a:spLocks noGrp="1" noChangeArrowheads="1"/>
-          </p:cNvSpPr>
-          <p:nvPr>
-            <p:ph type="sldNum" sz="quarter" idx="10"/>
-          </p:nvPr>
-        </p:nvSpPr>
-        <p:spPr>
-          <a:xfrm>
-            <a:off x="8369432" y="6594296"/>
-            <a:ext cx="774571" cy="261610"/>
-          </a:xfrm>
-          <a:ln/>
-        </p:spPr>
-        <p:txBody>
-          <a:bodyPr/>
-          <a:lstStyle>
-            <a:lvl1pPr>
-              <a:defRPr/>
-            </a:lvl1pPr>
-          </a:lstStyle>
-          <a:p>
-            <a:pPr>
-              <a:defRPr/>
-            </a:pPr>
-            <a:r>
-              <a:rPr lang="en-US" dirty="0" err="1" smtClean="0"/>
-              <a:t>lec</a:t>
-            </a:r>
-            <a:r>
-              <a:rPr lang="en-US" dirty="0" smtClean="0"/>
-              <a:t> 1F.</a:t>
-            </a:r>
-            <a:fld id="{7D4651B8-09C8-4A4D-BE8E-31B6C97A420D}" type="slidenum">
-              <a:rPr lang="en-US" smtClean="0"/>
-              <a:pPr>
-                <a:defRPr/>
-              </a:pPr>
-              <a:t>29</a:t>
-            </a:fld>
-            <a:endParaRPr lang="en-US" dirty="0"/>
-          </a:p>
-        </p:txBody>
-      </p:sp>
-    </p:spTree>
-  </p:cSld>
-  <p:clrMapOvr>
-    <a:masterClrMapping/>
-  </p:clrMapOvr>
-  <p:transition/>
-  <p:timing>
-    <p:tnLst>
-      <p:par>
-        <p:cTn id="1" dur="indefinite" restart="never" nodeType="tmRoot">
-          <p:childTnLst>
-            <p:seq concurrent="1" nextAc="seek">
-              <p:cTn id="2" dur="indefinite" nodeType="mainSeq">
-                <p:childTnLst>
-                  <p:par>
-                    <p:cTn id="3" fill="hold">
-                      <p:stCondLst>
-                        <p:cond delay="indefinite"/>
-                      </p:stCondLst>
-                      <p:childTnLst>
-                        <p:par>
-                          <p:cTn id="4" fill="hold">
-                            <p:stCondLst>
-                              <p:cond delay="0"/>
-                            </p:stCondLst>
-                            <p:childTnLst>
-                              <p:par>
-                                <p:cTn id="5" presetID="1" presetClass="entr" presetSubtype="0" fill="hold" nodeType="clickEffect">
-                                  <p:stCondLst>
-                                    <p:cond delay="0"/>
-                                  </p:stCondLst>
-                                  <p:childTnLst>
-                                    <p:set>
-                                      <p:cBhvr>
-                                        <p:cTn id="6" dur="1" fill="hold">
-                                          <p:stCondLst>
-                                            <p:cond delay="0"/>
-                                          </p:stCondLst>
-                                        </p:cTn>
-                                        <p:tgtEl>
-                                          <p:spTgt spid="128003">
-                                            <p:txEl>
-                                              <p:pRg st="1" end="1"/>
-                                            </p:txEl>
-                                          </p:spTgt>
-                                        </p:tgtEl>
-                                        <p:attrNameLst>
-                                          <p:attrName>style.visibility</p:attrName>
-                                        </p:attrNameLst>
-                                      </p:cBhvr>
-                                      <p:to>
-                                        <p:strVal val="visible"/>
-                                      </p:to>
-                                    </p:set>
-                                  </p:childTnLst>
-                                </p:cTn>
-                              </p:par>
-                            </p:childTnLst>
-                          </p:cTn>
-                        </p:par>
-                      </p:childTnLst>
-                    </p:cTn>
-                  </p:par>
-                </p:childTnLst>
-              </p:cTn>
-              <p:prevCondLst>
-                <p:cond evt="onPrev" delay="0">
-                  <p:tgtEl>
-                    <p:sldTgt/>
-                  </p:tgtEl>
-                </p:cond>
-              </p:prevCondLst>
-              <p:nextCondLst>
-                <p:cond evt="onNext" delay="0">
-                  <p:tgtEl>
-                    <p:sldTgt/>
-                  </p:tgtEl>
-                </p:cond>
-              </p:nextCondLst>
-            </p:seq>
-          </p:childTnLst>
-        </p:cTn>
-      </p:par>
-    </p:tnLst>
   </p:timing>
 </p:sld>
 </file>
@@ -27356,7 +27921,7 @@
 </file>
 
 <file path=ppt/slides/slide30.xml><?xml version="1.0" encoding="utf-8"?>
-<p:sld xmlns:a="http://schemas.openxmlformats.org/drawingml/2006/main" xmlns:r="http://schemas.openxmlformats.org/officeDocument/2006/relationships" xmlns:mc="http://schemas.openxmlformats.org/markup-compatibility/2006" xmlns:mv="urn:schemas-microsoft-com:mac:vml" xmlns:p="http://schemas.openxmlformats.org/presentationml/2006/main" mc:Ignorable="mv" mc:PreserveAttributes="mv:*">
+<p:sld xmlns:a="http://schemas.openxmlformats.org/drawingml/2006/main" xmlns:r="http://schemas.openxmlformats.org/officeDocument/2006/relationships" xmlns:mc="http://schemas.openxmlformats.org/markup-compatibility/2006" xmlns:mv="urn:schemas-microsoft-com:mac:vml" xmlns:p="http://schemas.openxmlformats.org/presentationml/2006/main" mc:Ignorable="mv" mc:PreserveAttributes="mv:*" show="0">
   <p:cSld>
     <p:spTree>
       <p:nvGrpSpPr>
@@ -27372,6 +27937,33 @@
           <a:chExt cx="0" cy="0"/>
         </a:xfrm>
       </p:grpSpPr>
+      <p:sp>
+        <p:nvSpPr>
+          <p:cNvPr id="29698" name="Rectangle 2"/>
+          <p:cNvSpPr>
+            <a:spLocks noGrp="1" noChangeArrowheads="1"/>
+          </p:cNvSpPr>
+          <p:nvPr>
+            <p:ph type="title"/>
+          </p:nvPr>
+        </p:nvSpPr>
+        <p:spPr/>
+        <p:txBody>
+          <a:bodyPr/>
+          <a:lstStyle/>
+          <a:p>
+            <a:pPr eaLnBrk="1" hangingPunct="1"/>
+            <a:r>
+              <a:rPr lang="en-US" sz="4000" smtClean="0">
+                <a:solidFill>
+                  <a:schemeClr val="tx1"/>
+                </a:solidFill>
+              </a:rPr>
+              <a:t>Goldbach Conjecture</a:t>
+            </a:r>
+          </a:p>
+        </p:txBody>
+      </p:sp>
       <p:sp>
         <p:nvSpPr>
           <p:cNvPr id="128003" name="Text Box 3"/>
@@ -27440,8 +28032,8 @@
         </p:nvSpPr>
         <p:spPr>
           <a:xfrm>
-            <a:off x="8391875" y="6594296"/>
-            <a:ext cx="752129" cy="261610"/>
+            <a:off x="8369432" y="6594296"/>
+            <a:ext cx="774571" cy="261610"/>
           </a:xfrm>
           <a:ln/>
         </p:spPr>
@@ -27475,42 +28067,12 @@
           </a:p>
         </p:txBody>
       </p:sp>
-      <p:sp>
-        <p:nvSpPr>
-          <p:cNvPr id="7" name="Title 1"/>
-          <p:cNvSpPr>
-            <a:spLocks noGrp="1"/>
-          </p:cNvSpPr>
-          <p:nvPr>
-            <p:ph type="title"/>
-          </p:nvPr>
-        </p:nvSpPr>
-        <p:spPr>
-          <a:xfrm>
-            <a:off x="1447800" y="304800"/>
-            <a:ext cx="7543800" cy="1143000"/>
-          </a:xfrm>
-        </p:spPr>
-        <p:txBody>
-          <a:bodyPr/>
-          <a:lstStyle/>
-          <a:p>
-            <a:r>
-              <a:rPr lang="en-US" sz="4800" dirty="0" smtClean="0"/>
-              <a:t>$1,000,000 Question</a:t>
-            </a:r>
-            <a:endParaRPr lang="en-US" sz="4800" dirty="0"/>
-          </a:p>
-        </p:txBody>
-      </p:sp>
     </p:spTree>
   </p:cSld>
   <p:clrMapOvr>
     <a:masterClrMapping/>
   </p:clrMapOvr>
-  <p:transition>
-    <p:fade/>
-  </p:transition>
+  <p:transition/>
   <p:timing>
     <p:tnLst>
       <p:par>
@@ -27612,6 +28174,244 @@
       </p:grpSpPr>
       <p:sp>
         <p:nvSpPr>
+          <p:cNvPr id="128003" name="Text Box 3"/>
+          <p:cNvSpPr txBox="1">
+            <a:spLocks noChangeArrowheads="1"/>
+          </p:cNvSpPr>
+          <p:nvPr/>
+        </p:nvSpPr>
+        <p:spPr bwMode="auto">
+          <a:xfrm>
+            <a:off x="428625" y="2095500"/>
+            <a:ext cx="8181975" cy="2586038"/>
+          </a:xfrm>
+          <a:prstGeom prst="rect">
+            <a:avLst/>
+          </a:prstGeom>
+          <a:noFill/>
+          <a:ln w="9525">
+            <a:noFill/>
+            <a:miter lim="800000"/>
+            <a:headEnd/>
+            <a:tailEnd type="none" w="lg" len="lg"/>
+          </a:ln>
+        </p:spPr>
+        <p:txBody>
+          <a:bodyPr>
+            <a:spAutoFit/>
+          </a:bodyPr>
+          <a:lstStyle/>
+          <a:p>
+            <a:r>
+              <a:rPr lang="en-US" sz="5400" b="1">
+                <a:solidFill>
+                  <a:srgbClr val="0000FF"/>
+                </a:solidFill>
+                <a:latin typeface="Comic Sans MS" pitchFamily="66" charset="0"/>
+              </a:rPr>
+              <a:t>The answer is on my desk!</a:t>
+            </a:r>
+          </a:p>
+          <a:p>
+            <a:r>
+              <a:rPr lang="en-US" sz="5400">
+                <a:latin typeface="Comic Sans MS" pitchFamily="66" charset="0"/>
+              </a:rPr>
+              <a:t>(Proof by Cases)</a:t>
+            </a:r>
+            <a:endParaRPr lang="en-US" sz="14200" b="1">
+              <a:solidFill>
+                <a:srgbClr val="0000FF"/>
+              </a:solidFill>
+              <a:latin typeface="Comic Sans MS" pitchFamily="66" charset="0"/>
+            </a:endParaRPr>
+          </a:p>
+        </p:txBody>
+      </p:sp>
+      <p:sp>
+        <p:nvSpPr>
+          <p:cNvPr id="5" name="Rectangle 11"/>
+          <p:cNvSpPr>
+            <a:spLocks noGrp="1" noChangeArrowheads="1"/>
+          </p:cNvSpPr>
+          <p:nvPr>
+            <p:ph type="sldNum" sz="quarter" idx="10"/>
+          </p:nvPr>
+        </p:nvSpPr>
+        <p:spPr>
+          <a:xfrm>
+            <a:off x="8391875" y="6594296"/>
+            <a:ext cx="752129" cy="261610"/>
+          </a:xfrm>
+          <a:ln/>
+        </p:spPr>
+        <p:txBody>
+          <a:bodyPr/>
+          <a:lstStyle>
+            <a:lvl1pPr>
+              <a:defRPr/>
+            </a:lvl1pPr>
+          </a:lstStyle>
+          <a:p>
+            <a:pPr>
+              <a:defRPr/>
+            </a:pPr>
+            <a:r>
+              <a:rPr lang="en-US" dirty="0" err="1" smtClean="0"/>
+              <a:t>lec</a:t>
+            </a:r>
+            <a:r>
+              <a:rPr lang="en-US" dirty="0" smtClean="0"/>
+              <a:t> 1F.</a:t>
+            </a:r>
+            <a:fld id="{7D4651B8-09C8-4A4D-BE8E-31B6C97A420D}" type="slidenum">
+              <a:rPr lang="en-US" smtClean="0"/>
+              <a:pPr>
+                <a:defRPr/>
+              </a:pPr>
+              <a:t>31</a:t>
+            </a:fld>
+            <a:endParaRPr lang="en-US" dirty="0"/>
+          </a:p>
+        </p:txBody>
+      </p:sp>
+      <p:sp>
+        <p:nvSpPr>
+          <p:cNvPr id="7" name="Title 1"/>
+          <p:cNvSpPr>
+            <a:spLocks noGrp="1"/>
+          </p:cNvSpPr>
+          <p:nvPr>
+            <p:ph type="title"/>
+          </p:nvPr>
+        </p:nvSpPr>
+        <p:spPr>
+          <a:xfrm>
+            <a:off x="1447800" y="304800"/>
+            <a:ext cx="7543800" cy="1143000"/>
+          </a:xfrm>
+        </p:spPr>
+        <p:txBody>
+          <a:bodyPr/>
+          <a:lstStyle/>
+          <a:p>
+            <a:r>
+              <a:rPr lang="en-US" sz="4800" dirty="0" smtClean="0"/>
+              <a:t>$1,000,000 Question</a:t>
+            </a:r>
+            <a:endParaRPr lang="en-US" sz="4800" dirty="0"/>
+          </a:p>
+        </p:txBody>
+      </p:sp>
+    </p:spTree>
+  </p:cSld>
+  <p:clrMapOvr>
+    <a:masterClrMapping/>
+  </p:clrMapOvr>
+  <p:transition>
+    <p:fade/>
+  </p:transition>
+  <p:timing>
+    <p:tnLst>
+      <p:par>
+        <p:cTn id="1" dur="indefinite" restart="never" nodeType="tmRoot">
+          <p:childTnLst>
+            <p:seq concurrent="1" nextAc="seek">
+              <p:cTn id="2" dur="indefinite" nodeType="mainSeq">
+                <p:childTnLst>
+                  <p:par>
+                    <p:cTn id="3" fill="hold">
+                      <p:stCondLst>
+                        <p:cond delay="indefinite"/>
+                      </p:stCondLst>
+                      <p:childTnLst>
+                        <p:par>
+                          <p:cTn id="4" fill="hold">
+                            <p:stCondLst>
+                              <p:cond delay="0"/>
+                            </p:stCondLst>
+                            <p:childTnLst>
+                              <p:par>
+                                <p:cTn id="5" presetID="1" presetClass="entr" presetSubtype="0" fill="hold" nodeType="clickEffect">
+                                  <p:stCondLst>
+                                    <p:cond delay="0"/>
+                                  </p:stCondLst>
+                                  <p:childTnLst>
+                                    <p:set>
+                                      <p:cBhvr>
+                                        <p:cTn id="6" dur="1" fill="hold">
+                                          <p:stCondLst>
+                                            <p:cond delay="0"/>
+                                          </p:stCondLst>
+                                        </p:cTn>
+                                        <p:tgtEl>
+                                          <p:spTgt spid="128003">
+                                            <p:txEl>
+                                              <p:pRg st="1" end="1"/>
+                                            </p:txEl>
+                                          </p:spTgt>
+                                        </p:tgtEl>
+                                        <p:attrNameLst>
+                                          <p:attrName>style.visibility</p:attrName>
+                                        </p:attrNameLst>
+                                      </p:cBhvr>
+                                      <p:to>
+                                        <p:strVal val="visible"/>
+                                      </p:to>
+                                    </p:set>
+                                  </p:childTnLst>
+                                </p:cTn>
+                              </p:par>
+                            </p:childTnLst>
+                          </p:cTn>
+                        </p:par>
+                      </p:childTnLst>
+                    </p:cTn>
+                  </p:par>
+                </p:childTnLst>
+              </p:cTn>
+              <p:prevCondLst>
+                <p:cond evt="onPrev" delay="0">
+                  <p:tgtEl>
+                    <p:sldTgt/>
+                  </p:tgtEl>
+                </p:cond>
+              </p:prevCondLst>
+              <p:nextCondLst>
+                <p:cond evt="onNext" delay="0">
+                  <p:tgtEl>
+                    <p:sldTgt/>
+                  </p:tgtEl>
+                </p:cond>
+              </p:nextCondLst>
+            </p:seq>
+          </p:childTnLst>
+        </p:cTn>
+      </p:par>
+    </p:tnLst>
+  </p:timing>
+</p:sld>
+</file>
+
+<file path=ppt/slides/slide32.xml><?xml version="1.0" encoding="utf-8"?>
+<p:sld xmlns:a="http://schemas.openxmlformats.org/drawingml/2006/main" xmlns:r="http://schemas.openxmlformats.org/officeDocument/2006/relationships" xmlns:mc="http://schemas.openxmlformats.org/markup-compatibility/2006" xmlns:mv="urn:schemas-microsoft-com:mac:vml" xmlns:p="http://schemas.openxmlformats.org/presentationml/2006/main" mc:Ignorable="mv" mc:PreserveAttributes="mv:*">
+  <p:cSld>
+    <p:spTree>
+      <p:nvGrpSpPr>
+        <p:cNvPr id="1" name=""/>
+        <p:cNvGrpSpPr/>
+        <p:nvPr/>
+      </p:nvGrpSpPr>
+      <p:grpSpPr>
+        <a:xfrm>
+          <a:off x="0" y="0"/>
+          <a:ext cx="0" cy="0"/>
+          <a:chOff x="0" y="0"/>
+          <a:chExt cx="0" cy="0"/>
+        </a:xfrm>
+      </p:grpSpPr>
+      <p:sp>
+        <p:nvSpPr>
           <p:cNvPr id="34819" name="Rectangle 2"/>
           <p:cNvSpPr>
             <a:spLocks noGrp="1" noChangeArrowheads="1"/>
@@ -27721,7 +28521,7 @@
               <a:pPr>
                 <a:defRPr/>
               </a:pPr>
-              <a:t>31</a:t>
+              <a:t>32</a:t>
             </a:fld>
             <a:endParaRPr lang="en-US" dirty="0"/>
           </a:p>
@@ -28810,7 +29610,7 @@
 </file>
 
 <file path=ppt/slides/slide6.xml><?xml version="1.0" encoding="utf-8"?>
-<p:sld xmlns:a="http://schemas.openxmlformats.org/drawingml/2006/main" xmlns:r="http://schemas.openxmlformats.org/officeDocument/2006/relationships" xmlns:mc="http://schemas.openxmlformats.org/markup-compatibility/2006" xmlns:mv="urn:schemas-microsoft-com:mac:vml" xmlns:p="http://schemas.openxmlformats.org/presentationml/2006/main" mc:Ignorable="mv" mc:PreserveAttributes="mv:*">
+<p:sld xmlns:a="http://schemas.openxmlformats.org/drawingml/2006/main" xmlns:r="http://schemas.openxmlformats.org/officeDocument/2006/relationships" xmlns:mc="http://schemas.openxmlformats.org/markup-compatibility/2006" xmlns:mv="urn:schemas-microsoft-com:mac:vml" xmlns:p="http://schemas.openxmlformats.org/presentationml/2006/main" mc:Ignorable="mv" mc:PreserveAttributes="mv:*" show="0">
   <p:cSld>
     <p:spTree>
       <p:nvGrpSpPr>
@@ -30006,7 +30806,7 @@
       </p:grpSpPr>
       <p:sp>
         <p:nvSpPr>
-          <p:cNvPr id="15362" name="Rectangle 2"/>
+          <p:cNvPr id="1034" name="Rectangle 2"/>
           <p:cNvSpPr>
             <a:spLocks noGrp="1" noChangeArrowheads="1"/>
           </p:cNvSpPr>
@@ -30021,190 +30821,35 @@
           <a:p>
             <a:pPr eaLnBrk="1" hangingPunct="1"/>
             <a:r>
-              <a:rPr lang="en-US" smtClean="0">
-                <a:solidFill>
-                  <a:schemeClr val="tx1"/>
-                </a:solidFill>
-              </a:rPr>
-              <a:t>Quickie</a:t>
+              <a:rPr lang="en-US" smtClean="0"/>
+              <a:t>Proof by Contradiction</a:t>
             </a:r>
           </a:p>
         </p:txBody>
       </p:sp>
-      <p:sp>
-        <p:nvSpPr>
-          <p:cNvPr id="45059" name="Rectangle 3"/>
-          <p:cNvSpPr>
-            <a:spLocks noGrp="1" noChangeArrowheads="1"/>
-          </p:cNvSpPr>
-          <p:nvPr>
-            <p:ph type="body" idx="1"/>
-          </p:nvPr>
-        </p:nvSpPr>
-        <p:spPr>
-          <a:xfrm>
-            <a:off x="247650" y="1676400"/>
-            <a:ext cx="8648700" cy="2943225"/>
-          </a:xfrm>
-        </p:spPr>
-        <p:txBody>
-          <a:bodyPr/>
-          <a:lstStyle/>
-          <a:p>
-            <a:pPr eaLnBrk="1" hangingPunct="1">
-              <a:buFontTx/>
-              <a:buNone/>
-              <a:defRPr/>
-            </a:pPr>
-            <a:r>
-              <a:rPr lang="en-US" sz="4800" dirty="0" smtClean="0"/>
-              <a:t>Proof assumes that</a:t>
-            </a:r>
-          </a:p>
-          <a:p>
-            <a:pPr eaLnBrk="1" hangingPunct="1">
-              <a:buFontTx/>
-              <a:buNone/>
-              <a:defRPr/>
-            </a:pPr>
-            <a:r>
-              <a:rPr lang="en-US" sz="4800" dirty="0" smtClean="0">
-                <a:solidFill>
-                  <a:srgbClr val="006600"/>
-                </a:solidFill>
-              </a:rPr>
-              <a:t>if n</a:t>
-            </a:r>
-            <a:r>
-              <a:rPr lang="en-US" sz="4800" baseline="30000" dirty="0" smtClean="0">
-                <a:solidFill>
-                  <a:srgbClr val="006600"/>
-                </a:solidFill>
-              </a:rPr>
-              <a:t>2 </a:t>
-            </a:r>
-            <a:r>
-              <a:rPr lang="en-US" sz="4800" dirty="0" smtClean="0">
-                <a:solidFill>
-                  <a:srgbClr val="006600"/>
-                </a:solidFill>
-              </a:rPr>
-              <a:t> is even, then n is even</a:t>
-            </a:r>
-            <a:r>
-              <a:rPr lang="en-US" sz="4800" dirty="0" smtClean="0">
-                <a:solidFill>
-                  <a:srgbClr val="000099"/>
-                </a:solidFill>
-              </a:rPr>
-              <a:t>.</a:t>
-            </a:r>
-          </a:p>
-          <a:p>
-            <a:pPr algn="ctr" eaLnBrk="1" hangingPunct="1">
-              <a:buFontTx/>
-              <a:buNone/>
-              <a:defRPr/>
-            </a:pPr>
-            <a:r>
-              <a:rPr lang="en-US" sz="4800" dirty="0" smtClean="0">
-                <a:solidFill>
-                  <a:schemeClr val="tx1">
-                    <a:lumMod val="95000"/>
-                    <a:lumOff val="5000"/>
-                  </a:schemeClr>
-                </a:solidFill>
-              </a:rPr>
-              <a:t>Why is this true?</a:t>
-            </a:r>
-          </a:p>
-        </p:txBody>
-      </p:sp>
-      <p:sp>
-        <p:nvSpPr>
-          <p:cNvPr id="6" name="Rectangle 11"/>
-          <p:cNvSpPr>
-            <a:spLocks noGrp="1" noChangeArrowheads="1"/>
-          </p:cNvSpPr>
-          <p:nvPr>
-            <p:ph type="sldNum" sz="quarter" idx="10"/>
-          </p:nvPr>
-        </p:nvSpPr>
-        <p:spPr>
-          <a:xfrm>
-            <a:off x="8455995" y="6594296"/>
-            <a:ext cx="688009" cy="261610"/>
-          </a:xfrm>
-          <a:ln/>
-        </p:spPr>
-        <p:txBody>
-          <a:bodyPr/>
-          <a:lstStyle>
-            <a:lvl1pPr>
-              <a:defRPr/>
-            </a:lvl1pPr>
-          </a:lstStyle>
-          <a:p>
-            <a:pPr>
-              <a:defRPr/>
-            </a:pPr>
-            <a:r>
-              <a:rPr lang="en-US" dirty="0" err="1" smtClean="0"/>
-              <a:t>lec</a:t>
-            </a:r>
-            <a:r>
-              <a:rPr lang="en-US" dirty="0" smtClean="0"/>
-              <a:t> 1F.</a:t>
-            </a:r>
-            <a:fld id="{7D4651B8-09C8-4A4D-BE8E-31B6C97A420D}" type="slidenum">
-              <a:rPr lang="en-US" smtClean="0"/>
-              <a:pPr>
-                <a:defRPr/>
-              </a:pPr>
-              <a:t>7</a:t>
-            </a:fld>
-            <a:endParaRPr lang="en-US" dirty="0"/>
-          </a:p>
-        </p:txBody>
-      </p:sp>
-    </p:spTree>
-  </p:cSld>
-  <p:clrMapOvr>
-    <a:masterClrMapping/>
-  </p:clrMapOvr>
-  <p:transition spd="slow">
-    <p:fade/>
-  </p:transition>
-  <p:timing>
-    <p:tnLst>
-      <p:par>
-        <p:cTn id="1" dur="indefinite" restart="never" nodeType="tmRoot"/>
-      </p:par>
-    </p:tnLst>
-  </p:timing>
-</p:sld>
-</file>
-
-<file path=ppt/slides/slide8.xml><?xml version="1.0" encoding="utf-8"?>
-<p:sld xmlns:a="http://schemas.openxmlformats.org/drawingml/2006/main" xmlns:r="http://schemas.openxmlformats.org/officeDocument/2006/relationships" xmlns:mc="http://schemas.openxmlformats.org/markup-compatibility/2006" xmlns:mv="urn:schemas-microsoft-com:mac:vml" xmlns:p="http://schemas.openxmlformats.org/presentationml/2006/main" mc:Ignorable="mv" mc:PreserveAttributes="mv:*">
-  <p:cSld>
-    <p:spTree>
-      <p:nvGrpSpPr>
-        <p:cNvPr id="1" name=""/>
-        <p:cNvGrpSpPr/>
-        <p:nvPr/>
-      </p:nvGrpSpPr>
-      <p:grpSpPr>
-        <a:xfrm>
-          <a:off x="0" y="0"/>
-          <a:ext cx="0" cy="0"/>
-          <a:chOff x="0" y="0"/>
-          <a:chExt cx="0" cy="0"/>
-        </a:xfrm>
-      </p:grpSpPr>
-      <p:sp>
-        <p:nvSpPr>
-          <p:cNvPr id="12291" name="Text Box 2"/>
+      <p:graphicFrame>
+        <p:nvGraphicFramePr>
+          <p:cNvPr id="72707" name="Object 2"/>
+          <p:cNvGraphicFramePr>
+            <a:graphicFrameLocks noChangeAspect="1"/>
+          </p:cNvGraphicFramePr>
+          <p:nvPr/>
+        </p:nvGraphicFramePr>
+        <p:xfrm>
+          <a:off x="5868988" y="2931412"/>
+          <a:ext cx="1294694" cy="574991"/>
+        </p:xfrm>
+        <a:graphic>
+          <a:graphicData uri="http://schemas.openxmlformats.org/presentationml/2006/ole">
+            <p:oleObj spid="_x0000_s402434" name="Equation" r:id="rId4" imgW="431640" imgH="190440" progId="Equation.DSMT4">
+              <p:embed/>
+            </p:oleObj>
+          </a:graphicData>
+        </a:graphic>
+      </p:graphicFrame>
+      <p:sp>
+        <p:nvSpPr>
+          <p:cNvPr id="72708" name="Text Box 4"/>
           <p:cNvSpPr txBox="1">
             <a:spLocks noChangeArrowheads="1"/>
           </p:cNvSpPr>
@@ -30212,8 +30857,8 @@
         </p:nvSpPr>
         <p:spPr bwMode="auto">
           <a:xfrm>
-            <a:off x="2057400" y="381000"/>
-            <a:ext cx="6316663" cy="954088"/>
+            <a:off x="5133975" y="2343150"/>
+            <a:ext cx="2516188" cy="523875"/>
           </a:xfrm>
           <a:prstGeom prst="rect">
             <a:avLst/>
@@ -30233,88 +30878,540 @@
           <a:lstStyle/>
           <a:p>
             <a:r>
-              <a:rPr lang="en-US" sz="2800" b="1" i="1" dirty="0">
+              <a:rPr lang="en-US" sz="2800" dirty="0">
+                <a:latin typeface="Comic Sans MS" pitchFamily="66" charset="0"/>
+              </a:rPr>
+              <a:t>so can assume</a:t>
+            </a:r>
+          </a:p>
+        </p:txBody>
+      </p:sp>
+      <p:graphicFrame>
+        <p:nvGraphicFramePr>
+          <p:cNvPr id="72709" name="Object 3"/>
+          <p:cNvGraphicFramePr>
+            <a:graphicFrameLocks noChangeAspect="1"/>
+          </p:cNvGraphicFramePr>
+          <p:nvPr/>
+        </p:nvGraphicFramePr>
+        <p:xfrm>
+          <a:off x="5708479" y="3460402"/>
+          <a:ext cx="1700306" cy="604993"/>
+        </p:xfrm>
+        <a:graphic>
+          <a:graphicData uri="http://schemas.openxmlformats.org/presentationml/2006/ole">
+            <p:oleObj spid="_x0000_s402435" name="Equation" r:id="rId5" imgW="571320" imgH="203040" progId="Equation.DSMT4">
+              <p:embed/>
+            </p:oleObj>
+          </a:graphicData>
+        </a:graphic>
+      </p:graphicFrame>
+      <p:graphicFrame>
+        <p:nvGraphicFramePr>
+          <p:cNvPr id="72710" name="Object 4"/>
+          <p:cNvGraphicFramePr>
+            <a:graphicFrameLocks noChangeAspect="1"/>
+          </p:cNvGraphicFramePr>
+          <p:nvPr/>
+        </p:nvGraphicFramePr>
+        <p:xfrm>
+          <a:off x="5684552" y="4623057"/>
+          <a:ext cx="1739339" cy="647196"/>
+        </p:xfrm>
+        <a:graphic>
+          <a:graphicData uri="http://schemas.openxmlformats.org/presentationml/2006/ole">
+            <p:oleObj spid="_x0000_s402436" name="Equation" r:id="rId6" imgW="583920" imgH="215640" progId="Equation.DSMT4">
+              <p:embed/>
+            </p:oleObj>
+          </a:graphicData>
+        </a:graphic>
+      </p:graphicFrame>
+      <p:sp>
+        <p:nvSpPr>
+          <p:cNvPr id="72711" name="Text Box 7"/>
+          <p:cNvSpPr txBox="1">
+            <a:spLocks noChangeArrowheads="1"/>
+          </p:cNvSpPr>
+          <p:nvPr/>
+        </p:nvSpPr>
+        <p:spPr bwMode="auto">
+          <a:xfrm>
+            <a:off x="5334000" y="5410200"/>
+            <a:ext cx="2476960" cy="584775"/>
+          </a:xfrm>
+          <a:prstGeom prst="rect">
+            <a:avLst/>
+          </a:prstGeom>
+          <a:noFill/>
+          <a:ln w="9525">
+            <a:noFill/>
+            <a:miter lim="800000"/>
+            <a:headEnd/>
+            <a:tailEnd type="none" w="lg" len="lg"/>
+          </a:ln>
+        </p:spPr>
+        <p:txBody>
+          <a:bodyPr wrap="none">
+            <a:spAutoFit/>
+          </a:bodyPr>
+          <a:lstStyle/>
+          <a:p>
+            <a:r>
+              <a:rPr lang="en-US" dirty="0">
+                <a:latin typeface="Comic Sans MS" pitchFamily="66" charset="0"/>
+              </a:rPr>
+              <a:t>So </a:t>
+            </a:r>
+            <a:r>
+              <a:rPr lang="en-US" dirty="0">
                 <a:solidFill>
-                  <a:schemeClr val="tx2"/>
+                  <a:srgbClr val="0D05A7"/>
                 </a:solidFill>
                 <a:latin typeface="Comic Sans MS" pitchFamily="66" charset="0"/>
               </a:rPr>
-              <a:t>Mathematics for Computer Science</a:t>
-            </a:r>
-            <a:br>
-              <a:rPr lang="en-US" sz="2800" b="1" i="1" dirty="0">
+              <a:t>d</a:t>
+            </a:r>
+            <a:r>
+              <a:rPr lang="en-US" dirty="0" smtClean="0">
                 <a:solidFill>
-                  <a:schemeClr val="tx2"/>
-                </a:solidFill>
-                <a:latin typeface="Comic Sans MS" pitchFamily="66" charset="0"/>
-              </a:rPr>
-            </a:br>
-            <a:r>
-              <a:rPr lang="en-US" sz="2800" b="1" dirty="0">
-                <a:solidFill>
-                  <a:srgbClr val="008000"/>
-                </a:solidFill>
-                <a:latin typeface="Comic Sans MS" pitchFamily="66" charset="0"/>
-              </a:rPr>
-              <a:t>MIT</a:t>
-            </a:r>
-            <a:r>
-              <a:rPr lang="en-US" sz="2800" b="1" i="1" dirty="0">
-                <a:solidFill>
-                  <a:schemeClr val="tx2"/>
+                  <a:srgbClr val="0D05A7"/>
                 </a:solidFill>
                 <a:latin typeface="Comic Sans MS" pitchFamily="66" charset="0"/>
               </a:rPr>
               <a:t> </a:t>
             </a:r>
             <a:r>
-              <a:rPr lang="en-US" sz="2800" b="1" dirty="0">
+              <a:rPr lang="en-US" dirty="0">
                 <a:solidFill>
-                  <a:srgbClr val="008000"/>
+                  <a:srgbClr val="BB0FAB"/>
                 </a:solidFill>
                 <a:latin typeface="Comic Sans MS" pitchFamily="66" charset="0"/>
               </a:rPr>
-              <a:t>6.042J/18.062J</a:t>
+              <a:t>is even</a:t>
             </a:r>
           </a:p>
         </p:txBody>
       </p:sp>
       <p:sp>
         <p:nvSpPr>
-          <p:cNvPr id="6" name="Rectangle 2"/>
+          <p:cNvPr id="72712" name="Rectangle 8"/>
+          <p:cNvSpPr>
+            <a:spLocks noChangeArrowheads="1"/>
+          </p:cNvSpPr>
+          <p:nvPr/>
+        </p:nvSpPr>
+        <p:spPr bwMode="auto">
+          <a:xfrm>
+            <a:off x="4953000" y="2895600"/>
+            <a:ext cx="3276600" cy="3276600"/>
+          </a:xfrm>
+          <a:prstGeom prst="rect">
+            <a:avLst/>
+          </a:prstGeom>
+          <a:noFill/>
+          <a:ln w="9525">
+            <a:solidFill>
+              <a:schemeClr val="tx1"/>
+            </a:solidFill>
+            <a:miter lim="800000"/>
+            <a:headEnd/>
+            <a:tailEnd type="none" w="lg" len="lg"/>
+          </a:ln>
+        </p:spPr>
+        <p:txBody>
+          <a:bodyPr wrap="none" anchor="ctr"/>
+          <a:lstStyle/>
+          <a:p>
+            <a:endParaRPr lang="en-US"/>
+          </a:p>
+        </p:txBody>
+      </p:sp>
+      <p:graphicFrame>
+        <p:nvGraphicFramePr>
+          <p:cNvPr id="1031" name="Object 8"/>
+          <p:cNvGraphicFramePr>
+            <a:graphicFrameLocks noChangeAspect="1"/>
+          </p:cNvGraphicFramePr>
+          <p:nvPr/>
+        </p:nvGraphicFramePr>
+        <p:xfrm>
+          <a:off x="1403770" y="2790621"/>
+          <a:ext cx="1660013" cy="1367179"/>
+        </p:xfrm>
+        <a:graphic>
+          <a:graphicData uri="http://schemas.openxmlformats.org/presentationml/2006/ole">
+            <p:oleObj spid="_x0000_s402438" name="Equation" r:id="rId7" imgW="507960" imgH="419040" progId="Equation.DSMT4">
+              <p:embed/>
+            </p:oleObj>
+          </a:graphicData>
+        </a:graphic>
+      </p:graphicFrame>
+      <p:graphicFrame>
+        <p:nvGraphicFramePr>
+          <p:cNvPr id="1032" name="Object 9"/>
+          <p:cNvGraphicFramePr>
+            <a:graphicFrameLocks noChangeAspect="1"/>
+          </p:cNvGraphicFramePr>
+          <p:nvPr/>
+        </p:nvGraphicFramePr>
+        <p:xfrm>
+          <a:off x="1314642" y="3954665"/>
+          <a:ext cx="1693436" cy="704143"/>
+        </p:xfrm>
+        <a:graphic>
+          <a:graphicData uri="http://schemas.openxmlformats.org/presentationml/2006/ole">
+            <p:oleObj spid="_x0000_s402439" name="Equation" r:id="rId8" imgW="533160" imgH="215640" progId="Equation.DSMT4">
+              <p:embed/>
+            </p:oleObj>
+          </a:graphicData>
+        </a:graphic>
+      </p:graphicFrame>
+      <p:graphicFrame>
+        <p:nvGraphicFramePr>
+          <p:cNvPr id="1033" name="Object 10"/>
+          <p:cNvGraphicFramePr>
+            <a:graphicFrameLocks noChangeAspect="1"/>
+          </p:cNvGraphicFramePr>
+          <p:nvPr/>
+        </p:nvGraphicFramePr>
+        <p:xfrm>
+          <a:off x="1327447" y="4734458"/>
+          <a:ext cx="1832981" cy="666218"/>
+        </p:xfrm>
+        <a:graphic>
+          <a:graphicData uri="http://schemas.openxmlformats.org/presentationml/2006/ole">
+            <p:oleObj spid="_x0000_s402440" name="Equation" r:id="rId9" imgW="558720" imgH="203040" progId="Equation.DSMT4">
+              <p:embed/>
+            </p:oleObj>
+          </a:graphicData>
+        </a:graphic>
+      </p:graphicFrame>
+      <p:sp>
+        <p:nvSpPr>
+          <p:cNvPr id="1045" name="Text Box 14"/>
           <p:cNvSpPr txBox="1">
             <a:spLocks noChangeArrowheads="1"/>
           </p:cNvSpPr>
           <p:nvPr/>
         </p:nvSpPr>
-        <p:spPr>
+        <p:spPr bwMode="auto">
           <a:xfrm>
-            <a:off x="397042" y="2899866"/>
-            <a:ext cx="8265695" cy="1093286"/>
+            <a:off x="1087438" y="5387976"/>
+            <a:ext cx="2451312" cy="584775"/>
           </a:xfrm>
           <a:prstGeom prst="rect">
             <a:avLst/>
           </a:prstGeom>
+          <a:noFill/>
+          <a:ln w="9525">
+            <a:noFill/>
+            <a:miter lim="800000"/>
+            <a:headEnd/>
+            <a:tailEnd type="none" w="lg" len="lg"/>
+          </a:ln>
         </p:spPr>
         <p:txBody>
-          <a:bodyPr/>
+          <a:bodyPr wrap="none">
+            <a:spAutoFit/>
+          </a:bodyPr>
           <a:lstStyle/>
           <a:p>
             <a:r>
-              <a:rPr lang="en-US" sz="7200" dirty="0" smtClean="0">
+              <a:rPr lang="en-US" dirty="0">
+                <a:latin typeface="Comic Sans MS" pitchFamily="66" charset="0"/>
+              </a:rPr>
+              <a:t>So</a:t>
+            </a:r>
+            <a:r>
+              <a:rPr lang="en-US" dirty="0">
                 <a:solidFill>
-                  <a:schemeClr val="tx2"/>
+                  <a:srgbClr val="BB0FAB"/>
                 </a:solidFill>
                 <a:latin typeface="Comic Sans MS" pitchFamily="66" charset="0"/>
               </a:rPr>
-              <a:t>Proof by Cases</a:t>
+              <a:t> </a:t>
+            </a:r>
+            <a:r>
+              <a:rPr lang="en-US" dirty="0">
+                <a:solidFill>
+                  <a:schemeClr val="accent5">
+                    <a:lumMod val="50000"/>
+                  </a:schemeClr>
+                </a:solidFill>
+                <a:latin typeface="Comic Sans MS" pitchFamily="66" charset="0"/>
+              </a:rPr>
+              <a:t>n</a:t>
+            </a:r>
+            <a:r>
+              <a:rPr lang="en-US" dirty="0" smtClean="0">
+                <a:solidFill>
+                  <a:srgbClr val="BB0FAB"/>
+                </a:solidFill>
+                <a:latin typeface="Comic Sans MS" pitchFamily="66" charset="0"/>
+              </a:rPr>
+              <a:t> </a:t>
+            </a:r>
+            <a:r>
+              <a:rPr lang="en-US" dirty="0">
+                <a:solidFill>
+                  <a:srgbClr val="BB0FAB"/>
+                </a:solidFill>
+                <a:latin typeface="Comic Sans MS" pitchFamily="66" charset="0"/>
+              </a:rPr>
+              <a:t>is even</a:t>
             </a:r>
           </a:p>
         </p:txBody>
       </p:sp>
       <p:sp>
         <p:nvSpPr>
-          <p:cNvPr id="11" name="Rectangle 11"/>
+          <p:cNvPr id="1044" name="Rectangle 15"/>
+          <p:cNvSpPr>
+            <a:spLocks noChangeArrowheads="1"/>
+          </p:cNvSpPr>
+          <p:nvPr/>
+        </p:nvSpPr>
+        <p:spPr bwMode="auto">
+          <a:xfrm>
+            <a:off x="838200" y="2971800"/>
+            <a:ext cx="3048000" cy="3276600"/>
+          </a:xfrm>
+          <a:prstGeom prst="rect">
+            <a:avLst/>
+          </a:prstGeom>
+          <a:noFill/>
+          <a:ln w="9525">
+            <a:solidFill>
+              <a:schemeClr val="tx1"/>
+            </a:solidFill>
+            <a:miter lim="800000"/>
+            <a:headEnd/>
+            <a:tailEnd type="none" w="lg" len="lg"/>
+          </a:ln>
+        </p:spPr>
+        <p:txBody>
+          <a:bodyPr wrap="none" anchor="ctr"/>
+          <a:lstStyle/>
+          <a:p>
+            <a:endParaRPr lang="en-US"/>
+          </a:p>
+        </p:txBody>
+      </p:sp>
+      <p:graphicFrame>
+        <p:nvGraphicFramePr>
+          <p:cNvPr id="72720" name="Object 5"/>
+          <p:cNvGraphicFramePr>
+            <a:graphicFrameLocks noChangeAspect="1"/>
+          </p:cNvGraphicFramePr>
+          <p:nvPr/>
+        </p:nvGraphicFramePr>
+        <p:xfrm>
+          <a:off x="5514690" y="4032642"/>
+          <a:ext cx="1866488" cy="564373"/>
+        </p:xfrm>
+        <a:graphic>
+          <a:graphicData uri="http://schemas.openxmlformats.org/presentationml/2006/ole">
+            <p:oleObj spid="_x0000_s402437" name="Equation" r:id="rId10" imgW="672840" imgH="203040" progId="Equation.DSMT4">
+              <p:embed/>
+            </p:oleObj>
+          </a:graphicData>
+        </a:graphic>
+      </p:graphicFrame>
+      <p:sp>
+        <p:nvSpPr>
+          <p:cNvPr id="72722" name="Freeform 18"/>
+          <p:cNvSpPr>
+            <a:spLocks/>
+          </p:cNvSpPr>
+          <p:nvPr/>
+        </p:nvSpPr>
+        <p:spPr bwMode="auto">
+          <a:xfrm>
+            <a:off x="3100388" y="3876685"/>
+            <a:ext cx="2614960" cy="1455728"/>
+          </a:xfrm>
+          <a:custGeom>
+            <a:avLst/>
+            <a:gdLst>
+              <a:gd name="T0" fmla="*/ 0 w 1671"/>
+              <a:gd name="T1" fmla="*/ 1824593353 h 788"/>
+              <a:gd name="T2" fmla="*/ 1431448459 w 1671"/>
+              <a:gd name="T3" fmla="*/ 1680945285 h 788"/>
+              <a:gd name="T4" fmla="*/ 2147483647 w 1671"/>
+              <a:gd name="T5" fmla="*/ 0 h 788"/>
+              <a:gd name="T6" fmla="*/ 0 60000 65536"/>
+              <a:gd name="T7" fmla="*/ 0 60000 65536"/>
+              <a:gd name="T8" fmla="*/ 0 60000 65536"/>
+              <a:gd name="T9" fmla="*/ 0 w 1671"/>
+              <a:gd name="T10" fmla="*/ 0 h 788"/>
+              <a:gd name="T11" fmla="*/ 1671 w 1671"/>
+              <a:gd name="T12" fmla="*/ 788 h 788"/>
+            </a:gdLst>
+            <a:ahLst/>
+            <a:cxnLst>
+              <a:cxn ang="T6">
+                <a:pos x="T0" y="T1"/>
+              </a:cxn>
+              <a:cxn ang="T7">
+                <a:pos x="T2" y="T3"/>
+              </a:cxn>
+              <a:cxn ang="T8">
+                <a:pos x="T4" y="T5"/>
+              </a:cxn>
+            </a:cxnLst>
+            <a:rect l="T9" t="T10" r="T11" b="T12"/>
+            <a:pathLst>
+              <a:path w="1671" h="788">
+                <a:moveTo>
+                  <a:pt x="0" y="724"/>
+                </a:moveTo>
+                <a:cubicBezTo>
+                  <a:pt x="146" y="725"/>
+                  <a:pt x="290" y="788"/>
+                  <a:pt x="568" y="667"/>
+                </a:cubicBezTo>
+                <a:cubicBezTo>
+                  <a:pt x="846" y="546"/>
+                  <a:pt x="1441" y="139"/>
+                  <a:pt x="1671" y="0"/>
+                </a:cubicBezTo>
+              </a:path>
+            </a:pathLst>
+          </a:custGeom>
+          <a:noFill/>
+          <a:ln w="9525">
+            <a:solidFill>
+              <a:srgbClr val="0D05A7"/>
+            </a:solidFill>
+            <a:round/>
+            <a:headEnd type="triangle" w="lg" len="lg"/>
+            <a:tailEnd type="triangle" w="lg" len="lg"/>
+          </a:ln>
+        </p:spPr>
+        <p:txBody>
+          <a:bodyPr wrap="none" anchor="ctr"/>
+          <a:lstStyle/>
+          <a:p>
+            <a:endParaRPr lang="en-US"/>
+          </a:p>
+        </p:txBody>
+      </p:sp>
+      <p:sp>
+        <p:nvSpPr>
+          <p:cNvPr id="1040" name="Text Box 7"/>
+          <p:cNvSpPr txBox="1">
+            <a:spLocks noChangeArrowheads="1"/>
+          </p:cNvSpPr>
+          <p:nvPr/>
+        </p:nvSpPr>
+        <p:spPr bwMode="auto">
+          <a:xfrm>
+            <a:off x="1267574" y="1485900"/>
+            <a:ext cx="6572250" cy="708025"/>
+          </a:xfrm>
+          <a:prstGeom prst="rect">
+            <a:avLst/>
+          </a:prstGeom>
+          <a:noFill/>
+          <a:ln w="9525">
+            <a:noFill/>
+            <a:miter lim="800000"/>
+            <a:headEnd/>
+            <a:tailEnd type="none" w="lg" len="lg"/>
+          </a:ln>
+        </p:spPr>
+        <p:txBody>
+          <a:bodyPr>
+            <a:spAutoFit/>
+          </a:bodyPr>
+          <a:lstStyle/>
+          <a:p>
+            <a:pPr algn="l"/>
+            <a:r>
+              <a:rPr lang="en-US" sz="4000" dirty="0">
+                <a:latin typeface="Comic Sans MS" pitchFamily="66" charset="0"/>
+              </a:rPr>
+              <a:t>Theorem:</a:t>
+            </a:r>
+            <a:r>
+              <a:rPr lang="en-US" sz="4000" dirty="0">
+                <a:solidFill>
+                  <a:schemeClr val="accent2"/>
+                </a:solidFill>
+                <a:latin typeface="Comic Sans MS" pitchFamily="66" charset="0"/>
+              </a:rPr>
+              <a:t> </a:t>
+            </a:r>
+            <a:r>
+              <a:rPr lang="en-US" sz="4000" dirty="0">
+                <a:solidFill>
+                  <a:schemeClr val="folHlink"/>
+                </a:solidFill>
+                <a:latin typeface="Comic Sans MS" pitchFamily="66" charset="0"/>
+              </a:rPr>
+              <a:t> </a:t>
+            </a:r>
+            <a:r>
+              <a:rPr lang="en-US" sz="4000" i="1" dirty="0">
+                <a:solidFill>
+                  <a:schemeClr val="folHlink"/>
+                </a:solidFill>
+                <a:latin typeface="Comic Sans MS" pitchFamily="66" charset="0"/>
+              </a:rPr>
+              <a:t>      </a:t>
+            </a:r>
+            <a:r>
+              <a:rPr lang="en-US" sz="4000" dirty="0">
+                <a:latin typeface="Comic Sans MS" pitchFamily="66" charset="0"/>
+              </a:rPr>
+              <a:t>is irrational.</a:t>
+            </a:r>
+          </a:p>
+        </p:txBody>
+      </p:sp>
+      <p:graphicFrame>
+        <p:nvGraphicFramePr>
+          <p:cNvPr id="22" name="Object 21"/>
+          <p:cNvGraphicFramePr>
+            <a:graphicFrameLocks noChangeAspect="1"/>
+          </p:cNvGraphicFramePr>
+          <p:nvPr/>
+        </p:nvGraphicFramePr>
+        <p:xfrm>
+          <a:off x="3422650" y="3082925"/>
+          <a:ext cx="114300" cy="177800"/>
+        </p:xfrm>
+        <a:graphic>
+          <a:graphicData uri="http://schemas.openxmlformats.org/presentationml/2006/ole">
+            <p:oleObj spid="_x0000_s402441" name="Equation" r:id="rId11" imgW="114120" imgH="177480" progId="Equation.DSMT4">
+              <p:embed/>
+            </p:oleObj>
+          </a:graphicData>
+        </a:graphic>
+      </p:graphicFrame>
+      <p:graphicFrame>
+        <p:nvGraphicFramePr>
+          <p:cNvPr id="23" name="Object 22"/>
+          <p:cNvGraphicFramePr>
+            <a:graphicFrameLocks noChangeAspect="1"/>
+          </p:cNvGraphicFramePr>
+          <p:nvPr/>
+        </p:nvGraphicFramePr>
+        <p:xfrm>
+          <a:off x="3811211" y="1369381"/>
+          <a:ext cx="873803" cy="781824"/>
+        </p:xfrm>
+        <a:graphic>
+          <a:graphicData uri="http://schemas.openxmlformats.org/presentationml/2006/ole">
+            <p:oleObj spid="_x0000_s402442" name="Equation" r:id="rId12" imgW="241200" imgH="215640" progId="Equation.DSMT4">
+              <p:embed/>
+            </p:oleObj>
+          </a:graphicData>
+        </a:graphic>
+      </p:graphicFrame>
+      <p:sp>
+        <p:nvSpPr>
+          <p:cNvPr id="24" name="Rectangle 11"/>
           <p:cNvSpPr>
             <a:spLocks noGrp="1" noChangeArrowheads="1"/>
           </p:cNvSpPr>
@@ -30353,7 +31450,7 @@
               <a:pPr>
                 <a:defRPr/>
               </a:pPr>
-              <a:t>8</a:t>
+              <a:t>7</a:t>
             </a:fld>
             <a:endParaRPr lang="en-US" dirty="0"/>
           </a:p>
@@ -30364,452 +31461,9 @@
   <p:clrMapOvr>
     <a:masterClrMapping/>
   </p:clrMapOvr>
-  <p:transition spd="slow">
-    <p:fade thruBlk="1"/>
+  <p:transition>
+    <p:fade/>
   </p:transition>
-  <p:timing>
-    <p:tnLst>
-      <p:par>
-        <p:cTn id="1" dur="indefinite" restart="never" nodeType="tmRoot"/>
-      </p:par>
-    </p:tnLst>
-  </p:timing>
-</p:sld>
-</file>
-
-<file path=ppt/slides/slide9.xml><?xml version="1.0" encoding="utf-8"?>
-<p:sld xmlns:a="http://schemas.openxmlformats.org/drawingml/2006/main" xmlns:r="http://schemas.openxmlformats.org/officeDocument/2006/relationships" xmlns:mc="http://schemas.openxmlformats.org/markup-compatibility/2006" xmlns:mv="urn:schemas-microsoft-com:mac:vml" xmlns:p="http://schemas.openxmlformats.org/presentationml/2006/main" mc:Ignorable="mv" mc:PreserveAttributes="mv:*">
-  <p:cSld>
-    <p:spTree>
-      <p:nvGrpSpPr>
-        <p:cNvPr id="1" name=""/>
-        <p:cNvGrpSpPr/>
-        <p:nvPr/>
-      </p:nvGrpSpPr>
-      <p:grpSpPr>
-        <a:xfrm>
-          <a:off x="0" y="0"/>
-          <a:ext cx="0" cy="0"/>
-          <a:chOff x="0" y="0"/>
-          <a:chExt cx="0" cy="0"/>
-        </a:xfrm>
-      </p:grpSpPr>
-      <p:sp>
-        <p:nvSpPr>
-          <p:cNvPr id="2" name="Title 1"/>
-          <p:cNvSpPr>
-            <a:spLocks noGrp="1"/>
-          </p:cNvSpPr>
-          <p:nvPr>
-            <p:ph type="title"/>
-          </p:nvPr>
-        </p:nvSpPr>
-        <p:spPr/>
-        <p:txBody>
-          <a:bodyPr/>
-          <a:lstStyle/>
-          <a:p>
-            <a:r>
-              <a:rPr lang="en-US" dirty="0" smtClean="0"/>
-              <a:t>Java Logical Expression</a:t>
-            </a:r>
-            <a:endParaRPr lang="en-US" dirty="0"/>
-          </a:p>
-        </p:txBody>
-      </p:sp>
-      <p:sp>
-        <p:nvSpPr>
-          <p:cNvPr id="7" name="TextBox 6"/>
-          <p:cNvSpPr txBox="1"/>
-          <p:nvPr/>
-        </p:nvSpPr>
-        <p:spPr>
-          <a:xfrm>
-            <a:off x="1202294" y="1665932"/>
-            <a:ext cx="6816290" cy="1815882"/>
-          </a:xfrm>
-          <a:prstGeom prst="rect">
-            <a:avLst/>
-          </a:prstGeom>
-          <a:noFill/>
-        </p:spPr>
-        <p:txBody>
-          <a:bodyPr wrap="none" rtlCol="0">
-            <a:spAutoFit/>
-          </a:bodyPr>
-          <a:lstStyle/>
-          <a:p>
-            <a:r>
-              <a:rPr lang="en-US" sz="4000" b="1" dirty="0" smtClean="0">
-                <a:latin typeface="Arial Unicode MS" pitchFamily="34" charset="-128"/>
-                <a:ea typeface="Arial Unicode MS" pitchFamily="34" charset="-128"/>
-                <a:cs typeface="Arial Unicode MS" pitchFamily="34" charset="-128"/>
-              </a:rPr>
-              <a:t>if ((x&gt;0) || (x </a:t>
-            </a:r>
-            <a:r>
-              <a:rPr lang="en-US" sz="4000" b="1" dirty="0" smtClean="0">
-                <a:latin typeface="Arial Unicode MS" pitchFamily="34" charset="-128"/>
-                <a:ea typeface="Arial Unicode MS" pitchFamily="34" charset="-128"/>
-                <a:cs typeface="Arial Unicode MS" pitchFamily="34" charset="-128"/>
-                <a:sym typeface="Euclid Symbol"/>
-              </a:rPr>
-              <a:t>&lt;= </a:t>
-            </a:r>
-            <a:r>
-              <a:rPr lang="en-US" sz="4000" b="1" dirty="0" smtClean="0">
-                <a:latin typeface="Arial Unicode MS" pitchFamily="34" charset="-128"/>
-                <a:ea typeface="Arial Unicode MS" pitchFamily="34" charset="-128"/>
-                <a:cs typeface="Arial Unicode MS" pitchFamily="34" charset="-128"/>
-              </a:rPr>
-              <a:t>0 &amp;&amp; y&gt;100))</a:t>
-            </a:r>
-          </a:p>
-          <a:p>
-            <a:pPr algn="ctr"/>
-            <a:r>
-              <a:rPr lang="en-US" sz="4000" b="1" dirty="0" smtClean="0">
-                <a:latin typeface="Comic Sans MS" pitchFamily="66" charset="0"/>
-                <a:sym typeface="Euclid Extra"/>
-              </a:rPr>
-              <a:t></a:t>
-            </a:r>
-          </a:p>
-          <a:p>
-            <a:pPr algn="ctr"/>
-            <a:r>
-              <a:rPr lang="en-US" sz="2800" b="1" dirty="0" smtClean="0">
-                <a:latin typeface="Comic Sans MS" pitchFamily="66" charset="0"/>
-                <a:sym typeface="Euclid Extra"/>
-              </a:rPr>
-              <a:t>(more code)</a:t>
-            </a:r>
-            <a:endParaRPr lang="en-US" sz="2800" b="1" dirty="0">
-              <a:latin typeface="Comic Sans MS" pitchFamily="66" charset="0"/>
-            </a:endParaRPr>
-          </a:p>
-        </p:txBody>
-      </p:sp>
-      <p:sp>
-        <p:nvSpPr>
-          <p:cNvPr id="5" name="Rectangle 11"/>
-          <p:cNvSpPr>
-            <a:spLocks noGrp="1" noChangeArrowheads="1"/>
-          </p:cNvSpPr>
-          <p:nvPr>
-            <p:ph type="sldNum" sz="quarter" idx="10"/>
-          </p:nvPr>
-        </p:nvSpPr>
-        <p:spPr>
-          <a:xfrm>
-            <a:off x="8391875" y="6594296"/>
-            <a:ext cx="752129" cy="261610"/>
-          </a:xfrm>
-          <a:ln/>
-        </p:spPr>
-        <p:txBody>
-          <a:bodyPr/>
-          <a:lstStyle>
-            <a:lvl1pPr>
-              <a:defRPr/>
-            </a:lvl1pPr>
-          </a:lstStyle>
-          <a:p>
-            <a:pPr>
-              <a:defRPr/>
-            </a:pPr>
-            <a:r>
-              <a:rPr lang="en-US" dirty="0" err="1" smtClean="0"/>
-              <a:t>lec</a:t>
-            </a:r>
-            <a:r>
-              <a:rPr lang="en-US" dirty="0" smtClean="0"/>
-              <a:t> 1F.</a:t>
-            </a:r>
-            <a:fld id="{7D4651B8-09C8-4A4D-BE8E-31B6C97A420D}" type="slidenum">
-              <a:rPr lang="en-US" smtClean="0"/>
-              <a:pPr>
-                <a:defRPr/>
-              </a:pPr>
-              <a:t>9</a:t>
-            </a:fld>
-            <a:endParaRPr lang="en-US" dirty="0"/>
-          </a:p>
-        </p:txBody>
-      </p:sp>
-      <p:sp>
-        <p:nvSpPr>
-          <p:cNvPr id="12" name="TextBox 11"/>
-          <p:cNvSpPr txBox="1"/>
-          <p:nvPr/>
-        </p:nvSpPr>
-        <p:spPr>
-          <a:xfrm>
-            <a:off x="2436734" y="4119572"/>
-            <a:ext cx="4075155" cy="1754326"/>
-          </a:xfrm>
-          <a:prstGeom prst="rect">
-            <a:avLst/>
-          </a:prstGeom>
-          <a:noFill/>
-        </p:spPr>
-        <p:txBody>
-          <a:bodyPr wrap="none" rtlCol="0">
-            <a:spAutoFit/>
-          </a:bodyPr>
-          <a:lstStyle/>
-          <a:p>
-            <a:r>
-              <a:rPr lang="en-US" sz="4000" b="1" dirty="0" smtClean="0">
-                <a:latin typeface="Arial Unicode MS" pitchFamily="34" charset="-128"/>
-                <a:ea typeface="Arial Unicode MS" pitchFamily="34" charset="-128"/>
-                <a:cs typeface="Arial Unicode MS" pitchFamily="34" charset="-128"/>
-              </a:rPr>
-              <a:t>if ((x&gt;0) || y&gt;100)</a:t>
-            </a:r>
-          </a:p>
-          <a:p>
-            <a:pPr algn="ctr"/>
-            <a:r>
-              <a:rPr lang="en-US" sz="4000" b="1" dirty="0" smtClean="0">
-                <a:latin typeface="Comic Sans MS" pitchFamily="66" charset="0"/>
-                <a:sym typeface="Euclid Extra"/>
-              </a:rPr>
-              <a:t></a:t>
-            </a:r>
-          </a:p>
-          <a:p>
-            <a:pPr algn="ctr"/>
-            <a:r>
-              <a:rPr lang="en-US" sz="2800" b="1" dirty="0" smtClean="0">
-                <a:latin typeface="Comic Sans MS" pitchFamily="66" charset="0"/>
-                <a:sym typeface="Euclid Extra"/>
-              </a:rPr>
-              <a:t>(more code)</a:t>
-            </a:r>
-            <a:endParaRPr lang="en-US" sz="2800" b="1" dirty="0">
-              <a:latin typeface="Comic Sans MS" pitchFamily="66" charset="0"/>
-            </a:endParaRPr>
-          </a:p>
-        </p:txBody>
-      </p:sp>
-      <p:sp>
-        <p:nvSpPr>
-          <p:cNvPr id="13" name="TextBox 12"/>
-          <p:cNvSpPr txBox="1"/>
-          <p:nvPr/>
-        </p:nvSpPr>
-        <p:spPr>
-          <a:xfrm>
-            <a:off x="243840" y="4053840"/>
-            <a:ext cx="2109872" cy="769441"/>
-          </a:xfrm>
-          <a:prstGeom prst="rect">
-            <a:avLst/>
-          </a:prstGeom>
-          <a:noFill/>
-        </p:spPr>
-        <p:txBody>
-          <a:bodyPr wrap="none" rtlCol="0">
-            <a:spAutoFit/>
-          </a:bodyPr>
-          <a:lstStyle/>
-          <a:p>
-            <a:r>
-              <a:rPr lang="en-US" sz="4400" dirty="0" smtClean="0">
-                <a:solidFill>
-                  <a:srgbClr val="006600"/>
-                </a:solidFill>
-                <a:latin typeface="Comic Sans MS" pitchFamily="66" charset="0"/>
-              </a:rPr>
-              <a:t>better:</a:t>
-            </a:r>
-          </a:p>
-        </p:txBody>
-      </p:sp>
-      <p:cxnSp>
-        <p:nvCxnSpPr>
-          <p:cNvPr id="15" name="Straight Connector 14"/>
-          <p:cNvCxnSpPr/>
-          <p:nvPr/>
-        </p:nvCxnSpPr>
-        <p:spPr bwMode="auto">
-          <a:xfrm>
-            <a:off x="563880" y="3639185"/>
-            <a:ext cx="7772400" cy="1588"/>
-          </a:xfrm>
-          <a:prstGeom prst="line">
-            <a:avLst/>
-          </a:prstGeom>
-          <a:ln w="38100" cmpd="sng">
-            <a:prstDash val="dash"/>
-            <a:headEnd type="none" w="med" len="med"/>
-            <a:tailEnd type="none" w="med" len="med"/>
-          </a:ln>
-        </p:spPr>
-        <p:style>
-          <a:lnRef idx="1">
-            <a:schemeClr val="dk1"/>
-          </a:lnRef>
-          <a:fillRef idx="0">
-            <a:schemeClr val="dk1"/>
-          </a:fillRef>
-          <a:effectRef idx="0">
-            <a:schemeClr val="dk1"/>
-          </a:effectRef>
-          <a:fontRef idx="minor">
-            <a:schemeClr val="tx1"/>
-          </a:fontRef>
-        </p:style>
-      </p:cxnSp>
-      <p:grpSp>
-        <p:nvGrpSpPr>
-          <p:cNvPr id="10" name="Group 9"/>
-          <p:cNvGrpSpPr/>
-          <p:nvPr/>
-        </p:nvGrpSpPr>
-        <p:grpSpPr>
-          <a:xfrm>
-            <a:off x="2933122" y="1721588"/>
-            <a:ext cx="843500" cy="1305443"/>
-            <a:chOff x="2933122" y="1721588"/>
-            <a:chExt cx="843500" cy="1305443"/>
-          </a:xfrm>
-        </p:grpSpPr>
-        <p:sp>
-          <p:nvSpPr>
-            <p:cNvPr id="11" name="TextBox 10"/>
-            <p:cNvSpPr txBox="1"/>
-            <p:nvPr/>
-          </p:nvSpPr>
-          <p:spPr>
-            <a:xfrm>
-              <a:off x="2933122" y="2380700"/>
-              <a:ext cx="843500" cy="646331"/>
-            </a:xfrm>
-            <a:prstGeom prst="rect">
-              <a:avLst/>
-            </a:prstGeom>
-            <a:noFill/>
-          </p:spPr>
-          <p:txBody>
-            <a:bodyPr wrap="none" rtlCol="0">
-              <a:spAutoFit/>
-            </a:bodyPr>
-            <a:lstStyle/>
-            <a:p>
-              <a:r>
-                <a:rPr lang="en-US" sz="3600" dirty="0" smtClean="0">
-                  <a:solidFill>
-                    <a:schemeClr val="accent5">
-                      <a:lumMod val="50000"/>
-                    </a:schemeClr>
-                  </a:solidFill>
-                  <a:latin typeface="Comic Sans MS" pitchFamily="66" charset="0"/>
-                </a:rPr>
-                <a:t>OR</a:t>
-              </a:r>
-            </a:p>
-          </p:txBody>
-        </p:sp>
-        <p:graphicFrame>
-          <p:nvGraphicFramePr>
-            <p:cNvPr id="14" name="Object 13"/>
-            <p:cNvGraphicFramePr>
-              <a:graphicFrameLocks noChangeAspect="1"/>
-            </p:cNvGraphicFramePr>
-            <p:nvPr/>
-          </p:nvGraphicFramePr>
-          <p:xfrm>
-            <a:off x="3098192" y="1721588"/>
-            <a:ext cx="545733" cy="1093760"/>
-          </p:xfrm>
-          <a:graphic>
-            <a:graphicData uri="http://schemas.openxmlformats.org/presentationml/2006/ole">
-              <p:oleObj spid="_x0000_s350210" name="Equation" r:id="rId4" imgW="228600" imgH="457200" progId="Equation.DSMT4">
-                <p:embed/>
-              </p:oleObj>
-            </a:graphicData>
-          </a:graphic>
-        </p:graphicFrame>
-      </p:grpSp>
-      <p:grpSp>
-        <p:nvGrpSpPr>
-          <p:cNvPr id="16" name="Group 15"/>
-          <p:cNvGrpSpPr/>
-          <p:nvPr/>
-        </p:nvGrpSpPr>
-        <p:grpSpPr>
-          <a:xfrm>
-            <a:off x="5044796" y="1688980"/>
-            <a:ext cx="1223412" cy="1304843"/>
-            <a:chOff x="2743166" y="1722188"/>
-            <a:chExt cx="1223412" cy="1304843"/>
-          </a:xfrm>
-        </p:grpSpPr>
-        <p:sp>
-          <p:nvSpPr>
-            <p:cNvPr id="17" name="TextBox 16"/>
-            <p:cNvSpPr txBox="1"/>
-            <p:nvPr/>
-          </p:nvSpPr>
-          <p:spPr>
-            <a:xfrm>
-              <a:off x="2743166" y="2380700"/>
-              <a:ext cx="1223412" cy="646331"/>
-            </a:xfrm>
-            <a:prstGeom prst="rect">
-              <a:avLst/>
-            </a:prstGeom>
-            <a:noFill/>
-          </p:spPr>
-          <p:txBody>
-            <a:bodyPr wrap="none" rtlCol="0">
-              <a:spAutoFit/>
-            </a:bodyPr>
-            <a:lstStyle/>
-            <a:p>
-              <a:r>
-                <a:rPr lang="en-US" sz="3600" dirty="0" smtClean="0">
-                  <a:solidFill>
-                    <a:schemeClr val="accent5">
-                      <a:lumMod val="50000"/>
-                    </a:schemeClr>
-                  </a:solidFill>
-                  <a:latin typeface="Comic Sans MS" pitchFamily="66" charset="0"/>
-                </a:rPr>
-                <a:t>AND</a:t>
-              </a:r>
-            </a:p>
-          </p:txBody>
-        </p:sp>
-        <p:graphicFrame>
-          <p:nvGraphicFramePr>
-            <p:cNvPr id="18" name="Object 17"/>
-            <p:cNvGraphicFramePr>
-              <a:graphicFrameLocks noChangeAspect="1"/>
-            </p:cNvGraphicFramePr>
-            <p:nvPr/>
-          </p:nvGraphicFramePr>
-          <p:xfrm>
-            <a:off x="3017595" y="1722188"/>
-            <a:ext cx="666750" cy="1093787"/>
-          </p:xfrm>
-          <a:graphic>
-            <a:graphicData uri="http://schemas.openxmlformats.org/presentationml/2006/ole">
-              <p:oleObj spid="_x0000_s350211" name="Equation" r:id="rId5" imgW="279400" imgH="457200" progId="Equation.DSMT4">
-                <p:embed/>
-              </p:oleObj>
-            </a:graphicData>
-          </a:graphic>
-        </p:graphicFrame>
-      </p:grpSp>
-    </p:spTree>
-  </p:cSld>
-  <p:clrMapOvr>
-    <a:masterClrMapping/>
-  </p:clrMapOvr>
-  <p:transition/>
   <p:timing>
     <p:tnLst>
       <p:par>
@@ -30844,7 +31498,7 @@
                                           </p:stCondLst>
                                         </p:cTn>
                                         <p:tgtEl>
-                                          <p:spTgt spid="10"/>
+                                          <p:spTgt spid="1031"/>
                                         </p:tgtEl>
                                         <p:attrNameLst>
                                           <p:attrName>style.visibility</p:attrName>
@@ -30858,7 +31512,7 @@
                                       <p:cBhvr>
                                         <p:cTn id="7" dur="500"/>
                                         <p:tgtEl>
-                                          <p:spTgt spid="10"/>
+                                          <p:spTgt spid="1031"/>
                                         </p:tgtEl>
                                       </p:cBhvr>
                                     </p:animEffect>
@@ -30897,7 +31551,7 @@
                                           </p:stCondLst>
                                         </p:cTn>
                                         <p:tgtEl>
-                                          <p:spTgt spid="16"/>
+                                          <p:spTgt spid="1032"/>
                                         </p:tgtEl>
                                         <p:attrNameLst>
                                           <p:attrName>style.visibility</p:attrName>
@@ -30911,7 +31565,7 @@
                                       <p:cBhvr>
                                         <p:cTn id="12" dur="500"/>
                                         <p:tgtEl>
-                                          <p:spTgt spid="16"/>
+                                          <p:spTgt spid="1032"/>
                                         </p:tgtEl>
                                       </p:cBhvr>
                                     </p:animEffect>
@@ -30937,7 +31591,7 @@
                             </p:stCondLst>
                             <p:childTnLst>
                               <p:par>
-                                <p:cTn id="15" presetID="1" presetClass="entr" presetSubtype="0" fill="hold" nodeType="clickEffect">
+                                <p:cTn id="15" presetID="10" presetClass="entr" presetSubtype="0" fill="hold" nodeType="clickEffect">
                                   <p:stCondLst>
                                     <p:cond delay="0"/>
                                   </p:stCondLst>
@@ -30950,7 +31604,241 @@
                                           </p:stCondLst>
                                         </p:cTn>
                                         <p:tgtEl>
-                                          <p:spTgt spid="15"/>
+                                          <p:spTgt spid="1033"/>
+                                        </p:tgtEl>
+                                        <p:attrNameLst>
+                                          <p:attrName>style.visibility</p:attrName>
+                                        </p:attrNameLst>
+                                      </p:cBhvr>
+                                      <p:to>
+                                        <p:strVal val="visible"/>
+                                      </p:to>
+                                    </p:set>
+                                    <p:animEffect transition="in" filter="fade">
+                                      <p:cBhvr>
+                                        <p:cTn id="17" dur="500"/>
+                                        <p:tgtEl>
+                                          <p:spTgt spid="1033"/>
+                                        </p:tgtEl>
+                                      </p:cBhvr>
+                                    </p:animEffect>
+                                  </p:childTnLst>
+                                </p:cTn>
+                              </p:par>
+                            </p:childTnLst>
+                          </p:cTn>
+                        </p:par>
+                      </p:childTnLst>
+                    </p:cTn>
+                  </p:par>
+                  <p:par>
+                    <p:cTn id="18" fill="hold">
+                      <p:stCondLst>
+                        <p:cond delay="indefinite"/>
+                      </p:stCondLst>
+                      <p:childTnLst>
+                        <p:par>
+                          <p:cTn id="19" fill="hold">
+                            <p:stCondLst>
+                              <p:cond delay="0"/>
+                            </p:stCondLst>
+                            <p:childTnLst>
+                              <p:par>
+                                <p:cTn id="20" presetID="15" presetClass="entr" presetSubtype="0" fill="hold" grpId="0" nodeType="clickEffect">
+                                  <p:stCondLst>
+                                    <p:cond delay="0"/>
+                                  </p:stCondLst>
+                                  <p:childTnLst>
+                                    <p:set>
+                                      <p:cBhvr>
+                                        <p:cTn id="21" dur="1" fill="hold">
+                                          <p:stCondLst>
+                                            <p:cond delay="0"/>
+                                          </p:stCondLst>
+                                        </p:cTn>
+                                        <p:tgtEl>
+                                          <p:spTgt spid="1045"/>
+                                        </p:tgtEl>
+                                        <p:attrNameLst>
+                                          <p:attrName>style.visibility</p:attrName>
+                                        </p:attrNameLst>
+                                      </p:cBhvr>
+                                      <p:to>
+                                        <p:strVal val="visible"/>
+                                      </p:to>
+                                    </p:set>
+                                    <p:anim calcmode="lin" valueType="num">
+                                      <p:cBhvr>
+                                        <p:cTn id="22" dur="1000" fill="hold"/>
+                                        <p:tgtEl>
+                                          <p:spTgt spid="1045"/>
+                                        </p:tgtEl>
+                                        <p:attrNameLst>
+                                          <p:attrName>ppt_w</p:attrName>
+                                        </p:attrNameLst>
+                                      </p:cBhvr>
+                                      <p:tavLst>
+                                        <p:tav tm="0">
+                                          <p:val>
+                                            <p:fltVal val="0"/>
+                                          </p:val>
+                                        </p:tav>
+                                        <p:tav tm="100000">
+                                          <p:val>
+                                            <p:strVal val="#ppt_w"/>
+                                          </p:val>
+                                        </p:tav>
+                                      </p:tavLst>
+                                    </p:anim>
+                                    <p:anim calcmode="lin" valueType="num">
+                                      <p:cBhvr>
+                                        <p:cTn id="23" dur="1000" fill="hold"/>
+                                        <p:tgtEl>
+                                          <p:spTgt spid="1045"/>
+                                        </p:tgtEl>
+                                        <p:attrNameLst>
+                                          <p:attrName>ppt_h</p:attrName>
+                                        </p:attrNameLst>
+                                      </p:cBhvr>
+                                      <p:tavLst>
+                                        <p:tav tm="0">
+                                          <p:val>
+                                            <p:fltVal val="0"/>
+                                          </p:val>
+                                        </p:tav>
+                                        <p:tav tm="100000">
+                                          <p:val>
+                                            <p:strVal val="#ppt_h"/>
+                                          </p:val>
+                                        </p:tav>
+                                      </p:tavLst>
+                                    </p:anim>
+                                    <p:anim calcmode="lin" valueType="num">
+                                      <p:cBhvr>
+                                        <p:cTn id="24" dur="1000" fill="hold"/>
+                                        <p:tgtEl>
+                                          <p:spTgt spid="1045"/>
+                                        </p:tgtEl>
+                                        <p:attrNameLst>
+                                          <p:attrName>ppt_x</p:attrName>
+                                        </p:attrNameLst>
+                                      </p:cBhvr>
+                                      <p:tavLst>
+                                        <p:tav tm="0" fmla="#ppt_x+(cos(-2*pi*(1-$))*-#ppt_x-sin(-2*pi*(1-$))*(1-#ppt_y))*(1-$)">
+                                          <p:val>
+                                            <p:fltVal val="0"/>
+                                          </p:val>
+                                        </p:tav>
+                                        <p:tav tm="100000">
+                                          <p:val>
+                                            <p:fltVal val="1"/>
+                                          </p:val>
+                                        </p:tav>
+                                      </p:tavLst>
+                                    </p:anim>
+                                    <p:anim calcmode="lin" valueType="num">
+                                      <p:cBhvr>
+                                        <p:cTn id="25" dur="1000" fill="hold"/>
+                                        <p:tgtEl>
+                                          <p:spTgt spid="1045"/>
+                                        </p:tgtEl>
+                                        <p:attrNameLst>
+                                          <p:attrName>ppt_y</p:attrName>
+                                        </p:attrNameLst>
+                                      </p:cBhvr>
+                                      <p:tavLst>
+                                        <p:tav tm="0" fmla="#ppt_y+(sin(-2*pi*(1-$))*-#ppt_x+cos(-2*pi*(1-$))*(1-#ppt_y))*(1-$)">
+                                          <p:val>
+                                            <p:fltVal val="0"/>
+                                          </p:val>
+                                        </p:tav>
+                                        <p:tav tm="100000">
+                                          <p:val>
+                                            <p:fltVal val="1"/>
+                                          </p:val>
+                                        </p:tav>
+                                      </p:tavLst>
+                                    </p:anim>
+                                  </p:childTnLst>
+                                </p:cTn>
+                              </p:par>
+                            </p:childTnLst>
+                          </p:cTn>
+                        </p:par>
+                        <p:par>
+                          <p:cTn id="26" fill="hold">
+                            <p:stCondLst>
+                              <p:cond delay="1000"/>
+                            </p:stCondLst>
+                            <p:childTnLst>
+                              <p:par>
+                                <p:cTn id="27" presetID="9" presetClass="entr" presetSubtype="0" fill="hold" grpId="0" nodeType="afterEffect">
+                                  <p:stCondLst>
+                                    <p:cond delay="0"/>
+                                  </p:stCondLst>
+                                  <p:childTnLst>
+                                    <p:set>
+                                      <p:cBhvr>
+                                        <p:cTn id="28" dur="1" fill="hold">
+                                          <p:stCondLst>
+                                            <p:cond delay="0"/>
+                                          </p:stCondLst>
+                                        </p:cTn>
+                                        <p:tgtEl>
+                                          <p:spTgt spid="1044"/>
+                                        </p:tgtEl>
+                                        <p:attrNameLst>
+                                          <p:attrName>style.visibility</p:attrName>
+                                        </p:attrNameLst>
+                                      </p:cBhvr>
+                                      <p:to>
+                                        <p:strVal val="visible"/>
+                                      </p:to>
+                                    </p:set>
+                                    <p:animEffect transition="in" filter="dissolve">
+                                      <p:cBhvr>
+                                        <p:cTn id="29" dur="500"/>
+                                        <p:tgtEl>
+                                          <p:spTgt spid="1044"/>
+                                        </p:tgtEl>
+                                      </p:cBhvr>
+                                    </p:animEffect>
+                                  </p:childTnLst>
+                                </p:cTn>
+                              </p:par>
+                            </p:childTnLst>
+                          </p:cTn>
+                        </p:par>
+                      </p:childTnLst>
+                    </p:cTn>
+                  </p:par>
+                  <p:par>
+                    <p:cTn id="30" fill="hold">
+                      <p:stCondLst>
+                        <p:cond delay="indefinite"/>
+                      </p:stCondLst>
+                      <p:childTnLst>
+                        <p:par>
+                          <p:cTn id="31" fill="hold">
+                            <p:stCondLst>
+                              <p:cond delay="0"/>
+                            </p:stCondLst>
+                            <p:childTnLst>
+                              <p:par>
+                                <p:cTn id="32" presetID="1" presetClass="entr" presetSubtype="0" fill="hold" nodeType="clickEffect">
+                                  <p:stCondLst>
+                                    <p:cond delay="0"/>
+                                  </p:stCondLst>
+                                  <p:childTnLst>
+                                    <p:set>
+                                      <p:cBhvr>
+                                        <p:cTn id="33" dur="1" fill="hold">
+                                          <p:stCondLst>
+                                            <p:cond delay="0"/>
+                                          </p:stCondLst>
+                                        </p:cTn>
+                                        <p:tgtEl>
+                                          <p:spTgt spid="72707"/>
                                         </p:tgtEl>
                                         <p:attrNameLst>
                                           <p:attrName>style.visibility</p:attrName>
@@ -30964,20 +31852,20 @@
                                 </p:cTn>
                               </p:par>
                               <p:par>
-                                <p:cTn id="17" presetID="9" presetClass="entr" presetSubtype="0" fill="hold" grpId="0" nodeType="withEffect">
+                                <p:cTn id="34" presetID="1" presetClass="entr" presetSubtype="0" fill="hold" grpId="0" nodeType="withEffect">
                                   <p:stCondLst>
                                     <p:cond delay="0"/>
                                   </p:stCondLst>
                                   <p:childTnLst>
                                     <p:set>
                                       <p:cBhvr>
-                                        <p:cTn id="18" dur="1" fill="hold">
+                                        <p:cTn id="35" dur="1" fill="hold">
                                           <p:stCondLst>
                                             <p:cond delay="0"/>
                                           </p:stCondLst>
                                         </p:cTn>
                                         <p:tgtEl>
-                                          <p:spTgt spid="13"/>
+                                          <p:spTgt spid="72708"/>
                                         </p:tgtEl>
                                         <p:attrNameLst>
                                           <p:attrName>style.visibility</p:attrName>
@@ -30987,14 +31875,6 @@
                                         <p:strVal val="visible"/>
                                       </p:to>
                                     </p:set>
-                                    <p:animEffect transition="in" filter="dissolve">
-                                      <p:cBhvr>
-                                        <p:cTn id="19" dur="500"/>
-                                        <p:tgtEl>
-                                          <p:spTgt spid="13"/>
-                                        </p:tgtEl>
-                                      </p:cBhvr>
-                                    </p:animEffect>
                                   </p:childTnLst>
                                 </p:cTn>
                               </p:par>
@@ -31005,32 +31885,32 @@
                     </p:cTn>
                   </p:par>
                   <p:par>
-                    <p:cTn id="20" fill="hold">
+                    <p:cTn id="36" fill="hold">
                       <p:stCondLst>
                         <p:cond delay="indefinite"/>
                       </p:stCondLst>
                       <p:childTnLst>
                         <p:par>
-                          <p:cTn id="21" fill="hold">
+                          <p:cTn id="37" fill="hold">
                             <p:stCondLst>
                               <p:cond delay="0"/>
                             </p:stCondLst>
                             <p:childTnLst>
                               <p:par>
-                                <p:cTn id="22" presetID="22" presetClass="entr" presetSubtype="1" fill="hold" grpId="0" nodeType="clickEffect">
+                                <p:cTn id="38" presetID="1" presetClass="entr" presetSubtype="0" fill="hold" nodeType="clickEffect">
                                   <p:stCondLst>
                                     <p:cond delay="0"/>
                                   </p:stCondLst>
                                   <p:childTnLst>
                                     <p:set>
                                       <p:cBhvr>
-                                        <p:cTn id="23" dur="1" fill="hold">
+                                        <p:cTn id="39" dur="1" fill="hold">
                                           <p:stCondLst>
                                             <p:cond delay="0"/>
                                           </p:stCondLst>
                                         </p:cTn>
                                         <p:tgtEl>
-                                          <p:spTgt spid="12"/>
+                                          <p:spTgt spid="72709"/>
                                         </p:tgtEl>
                                         <p:attrNameLst>
                                           <p:attrName>style.visibility</p:attrName>
@@ -31040,14 +31920,313 @@
                                         <p:strVal val="visible"/>
                                       </p:to>
                                     </p:set>
-                                    <p:animEffect transition="in" filter="wipe(up)">
+                                  </p:childTnLst>
+                                </p:cTn>
+                              </p:par>
+                            </p:childTnLst>
+                          </p:cTn>
+                        </p:par>
+                      </p:childTnLst>
+                    </p:cTn>
+                  </p:par>
+                  <p:par>
+                    <p:cTn id="40" fill="hold">
+                      <p:stCondLst>
+                        <p:cond delay="indefinite"/>
+                      </p:stCondLst>
+                      <p:childTnLst>
+                        <p:par>
+                          <p:cTn id="41" fill="hold">
+                            <p:stCondLst>
+                              <p:cond delay="0"/>
+                            </p:stCondLst>
+                            <p:childTnLst>
+                              <p:par>
+                                <p:cTn id="42" presetID="1" presetClass="entr" presetSubtype="0" fill="hold" grpId="0" nodeType="clickEffect">
+                                  <p:stCondLst>
+                                    <p:cond delay="0"/>
+                                  </p:stCondLst>
+                                  <p:childTnLst>
+                                    <p:set>
                                       <p:cBhvr>
-                                        <p:cTn id="24" dur="500"/>
+                                        <p:cTn id="43" dur="1" fill="hold">
+                                          <p:stCondLst>
+                                            <p:cond delay="0"/>
+                                          </p:stCondLst>
+                                        </p:cTn>
                                         <p:tgtEl>
-                                          <p:spTgt spid="12"/>
+                                          <p:spTgt spid="72722"/>
                                         </p:tgtEl>
+                                        <p:attrNameLst>
+                                          <p:attrName>style.visibility</p:attrName>
+                                        </p:attrNameLst>
                                       </p:cBhvr>
-                                    </p:animEffect>
+                                      <p:to>
+                                        <p:strVal val="visible"/>
+                                      </p:to>
+                                    </p:set>
+                                  </p:childTnLst>
+                                </p:cTn>
+                              </p:par>
+                            </p:childTnLst>
+                          </p:cTn>
+                        </p:par>
+                      </p:childTnLst>
+                    </p:cTn>
+                  </p:par>
+                  <p:par>
+                    <p:cTn id="44" fill="hold">
+                      <p:stCondLst>
+                        <p:cond delay="indefinite"/>
+                      </p:stCondLst>
+                      <p:childTnLst>
+                        <p:par>
+                          <p:cTn id="45" fill="hold">
+                            <p:stCondLst>
+                              <p:cond delay="0"/>
+                            </p:stCondLst>
+                            <p:childTnLst>
+                              <p:par>
+                                <p:cTn id="46" presetID="1" presetClass="entr" presetSubtype="0" fill="hold" nodeType="clickEffect">
+                                  <p:stCondLst>
+                                    <p:cond delay="0"/>
+                                  </p:stCondLst>
+                                  <p:childTnLst>
+                                    <p:set>
+                                      <p:cBhvr>
+                                        <p:cTn id="47" dur="1" fill="hold">
+                                          <p:stCondLst>
+                                            <p:cond delay="0"/>
+                                          </p:stCondLst>
+                                        </p:cTn>
+                                        <p:tgtEl>
+                                          <p:spTgt spid="72720"/>
+                                        </p:tgtEl>
+                                        <p:attrNameLst>
+                                          <p:attrName>style.visibility</p:attrName>
+                                        </p:attrNameLst>
+                                      </p:cBhvr>
+                                      <p:to>
+                                        <p:strVal val="visible"/>
+                                      </p:to>
+                                    </p:set>
+                                  </p:childTnLst>
+                                </p:cTn>
+                              </p:par>
+                            </p:childTnLst>
+                          </p:cTn>
+                        </p:par>
+                      </p:childTnLst>
+                    </p:cTn>
+                  </p:par>
+                  <p:par>
+                    <p:cTn id="48" fill="hold">
+                      <p:stCondLst>
+                        <p:cond delay="indefinite"/>
+                      </p:stCondLst>
+                      <p:childTnLst>
+                        <p:par>
+                          <p:cTn id="49" fill="hold">
+                            <p:stCondLst>
+                              <p:cond delay="0"/>
+                            </p:stCondLst>
+                            <p:childTnLst>
+                              <p:par>
+                                <p:cTn id="50" presetID="1" presetClass="entr" presetSubtype="0" fill="hold" nodeType="clickEffect">
+                                  <p:stCondLst>
+                                    <p:cond delay="0"/>
+                                  </p:stCondLst>
+                                  <p:childTnLst>
+                                    <p:set>
+                                      <p:cBhvr>
+                                        <p:cTn id="51" dur="1" fill="hold">
+                                          <p:stCondLst>
+                                            <p:cond delay="0"/>
+                                          </p:stCondLst>
+                                        </p:cTn>
+                                        <p:tgtEl>
+                                          <p:spTgt spid="72710"/>
+                                        </p:tgtEl>
+                                        <p:attrNameLst>
+                                          <p:attrName>style.visibility</p:attrName>
+                                        </p:attrNameLst>
+                                      </p:cBhvr>
+                                      <p:to>
+                                        <p:strVal val="visible"/>
+                                      </p:to>
+                                    </p:set>
+                                  </p:childTnLst>
+                                </p:cTn>
+                              </p:par>
+                            </p:childTnLst>
+                          </p:cTn>
+                        </p:par>
+                      </p:childTnLst>
+                    </p:cTn>
+                  </p:par>
+                  <p:par>
+                    <p:cTn id="52" fill="hold">
+                      <p:stCondLst>
+                        <p:cond delay="indefinite"/>
+                      </p:stCondLst>
+                      <p:childTnLst>
+                        <p:par>
+                          <p:cTn id="53" fill="hold">
+                            <p:stCondLst>
+                              <p:cond delay="0"/>
+                            </p:stCondLst>
+                            <p:childTnLst>
+                              <p:par>
+                                <p:cTn id="54" presetID="1" presetClass="entr" presetSubtype="0" fill="hold" grpId="0" nodeType="clickEffect">
+                                  <p:stCondLst>
+                                    <p:cond delay="0"/>
+                                  </p:stCondLst>
+                                  <p:childTnLst>
+                                    <p:set>
+                                      <p:cBhvr>
+                                        <p:cTn id="55" dur="1" fill="hold">
+                                          <p:stCondLst>
+                                            <p:cond delay="0"/>
+                                          </p:stCondLst>
+                                        </p:cTn>
+                                        <p:tgtEl>
+                                          <p:spTgt spid="72711"/>
+                                        </p:tgtEl>
+                                        <p:attrNameLst>
+                                          <p:attrName>style.visibility</p:attrName>
+                                        </p:attrNameLst>
+                                      </p:cBhvr>
+                                      <p:to>
+                                        <p:strVal val="visible"/>
+                                      </p:to>
+                                    </p:set>
+                                  </p:childTnLst>
+                                </p:cTn>
+                              </p:par>
+                            </p:childTnLst>
+                          </p:cTn>
+                        </p:par>
+                        <p:par>
+                          <p:cTn id="56" fill="hold">
+                            <p:stCondLst>
+                              <p:cond delay="0"/>
+                            </p:stCondLst>
+                            <p:childTnLst>
+                              <p:par>
+                                <p:cTn id="57" presetID="1" presetClass="entr" presetSubtype="0" fill="hold" grpId="0" nodeType="afterEffect">
+                                  <p:stCondLst>
+                                    <p:cond delay="0"/>
+                                  </p:stCondLst>
+                                  <p:childTnLst>
+                                    <p:set>
+                                      <p:cBhvr>
+                                        <p:cTn id="58" dur="1" fill="hold">
+                                          <p:stCondLst>
+                                            <p:cond delay="0"/>
+                                          </p:stCondLst>
+                                        </p:cTn>
+                                        <p:tgtEl>
+                                          <p:spTgt spid="72712"/>
+                                        </p:tgtEl>
+                                        <p:attrNameLst>
+                                          <p:attrName>style.visibility</p:attrName>
+                                        </p:attrNameLst>
+                                      </p:cBhvr>
+                                      <p:to>
+                                        <p:strVal val="visible"/>
+                                      </p:to>
+                                    </p:set>
+                                  </p:childTnLst>
+                                </p:cTn>
+                              </p:par>
+                            </p:childTnLst>
+                          </p:cTn>
+                        </p:par>
+                      </p:childTnLst>
+                    </p:cTn>
+                  </p:par>
+                  <p:par>
+                    <p:cTn id="59" fill="hold">
+                      <p:stCondLst>
+                        <p:cond delay="indefinite"/>
+                      </p:stCondLst>
+                      <p:childTnLst>
+                        <p:par>
+                          <p:cTn id="60" fill="hold">
+                            <p:stCondLst>
+                              <p:cond delay="0"/>
+                            </p:stCondLst>
+                            <p:childTnLst>
+                              <p:par>
+                                <p:cTn id="61" presetID="2" presetClass="entr" presetSubtype="9" accel="50000" decel="50000" fill="hold" grpId="1" nodeType="clickEffect">
+                                  <p:stCondLst>
+                                    <p:cond delay="0"/>
+                                  </p:stCondLst>
+                                  <p:childTnLst>
+                                    <p:set>
+                                      <p:cBhvr>
+                                        <p:cTn id="62" dur="1" fill="hold">
+                                          <p:stCondLst>
+                                            <p:cond delay="0"/>
+                                          </p:stCondLst>
+                                        </p:cTn>
+                                        <p:tgtEl>
+                                          <p:spTgt spid="72712"/>
+                                        </p:tgtEl>
+                                        <p:attrNameLst>
+                                          <p:attrName>style.visibility</p:attrName>
+                                        </p:attrNameLst>
+                                      </p:cBhvr>
+                                      <p:to>
+                                        <p:strVal val="visible"/>
+                                      </p:to>
+                                    </p:set>
+                                    <p:anim calcmode="lin" valueType="num">
+                                      <p:cBhvr additive="base">
+                                        <p:cTn id="63" dur="500" fill="hold"/>
+                                        <p:tgtEl>
+                                          <p:spTgt spid="72712"/>
+                                        </p:tgtEl>
+                                        <p:attrNameLst>
+                                          <p:attrName>ppt_x</p:attrName>
+                                        </p:attrNameLst>
+                                      </p:cBhvr>
+                                      <p:tavLst>
+                                        <p:tav tm="0">
+                                          <p:val>
+                                            <p:strVal val="0-#ppt_w/2"/>
+                                          </p:val>
+                                        </p:tav>
+                                        <p:tav tm="100000">
+                                          <p:val>
+                                            <p:strVal val="#ppt_x"/>
+                                          </p:val>
+                                        </p:tav>
+                                      </p:tavLst>
+                                    </p:anim>
+                                    <p:anim calcmode="lin" valueType="num">
+                                      <p:cBhvr additive="base">
+                                        <p:cTn id="64" dur="500" fill="hold"/>
+                                        <p:tgtEl>
+                                          <p:spTgt spid="72712"/>
+                                        </p:tgtEl>
+                                        <p:attrNameLst>
+                                          <p:attrName>ppt_y</p:attrName>
+                                        </p:attrNameLst>
+                                      </p:cBhvr>
+                                      <p:tavLst>
+                                        <p:tav tm="0">
+                                          <p:val>
+                                            <p:strVal val="0-#ppt_h/2"/>
+                                          </p:val>
+                                        </p:tav>
+                                        <p:tav tm="100000">
+                                          <p:val>
+                                            <p:strVal val="#ppt_y"/>
+                                          </p:val>
+                                        </p:tav>
+                                      </p:tavLst>
+                                    </p:anim>
                                   </p:childTnLst>
                                 </p:cTn>
                               </p:par>
@@ -31079,9 +32258,404 @@
       </p:par>
     </p:tnLst>
     <p:bldLst>
-      <p:bldP spid="12" grpId="0"/>
-      <p:bldP spid="13" grpId="0"/>
+      <p:bldP spid="72708" grpId="0"/>
+      <p:bldP spid="72711" grpId="0"/>
+      <p:bldP spid="72712" grpId="0" animBg="1"/>
+      <p:bldP spid="72712" grpId="1" animBg="1"/>
+      <p:bldP spid="1045" grpId="0"/>
+      <p:bldP spid="1044" grpId="0" animBg="1"/>
+      <p:bldP spid="72722" grpId="0" animBg="1"/>
     </p:bldLst>
+  </p:timing>
+</p:sld>
+</file>
+
+<file path=ppt/slides/slide8.xml><?xml version="1.0" encoding="utf-8"?>
+<p:sld xmlns:a="http://schemas.openxmlformats.org/drawingml/2006/main" xmlns:r="http://schemas.openxmlformats.org/officeDocument/2006/relationships" xmlns:mc="http://schemas.openxmlformats.org/markup-compatibility/2006" xmlns:mv="urn:schemas-microsoft-com:mac:vml" xmlns:p="http://schemas.openxmlformats.org/presentationml/2006/main" mc:Ignorable="mv" mc:PreserveAttributes="mv:*">
+  <p:cSld>
+    <p:spTree>
+      <p:nvGrpSpPr>
+        <p:cNvPr id="1" name=""/>
+        <p:cNvGrpSpPr/>
+        <p:nvPr/>
+      </p:nvGrpSpPr>
+      <p:grpSpPr>
+        <a:xfrm>
+          <a:off x="0" y="0"/>
+          <a:ext cx="0" cy="0"/>
+          <a:chOff x="0" y="0"/>
+          <a:chExt cx="0" cy="0"/>
+        </a:xfrm>
+      </p:grpSpPr>
+      <p:sp>
+        <p:nvSpPr>
+          <p:cNvPr id="15362" name="Rectangle 2"/>
+          <p:cNvSpPr>
+            <a:spLocks noGrp="1" noChangeArrowheads="1"/>
+          </p:cNvSpPr>
+          <p:nvPr>
+            <p:ph type="title"/>
+          </p:nvPr>
+        </p:nvSpPr>
+        <p:spPr/>
+        <p:txBody>
+          <a:bodyPr/>
+          <a:lstStyle/>
+          <a:p>
+            <a:pPr eaLnBrk="1" hangingPunct="1"/>
+            <a:r>
+              <a:rPr lang="en-US" smtClean="0">
+                <a:solidFill>
+                  <a:schemeClr val="tx1"/>
+                </a:solidFill>
+              </a:rPr>
+              <a:t>Quickie</a:t>
+            </a:r>
+          </a:p>
+        </p:txBody>
+      </p:sp>
+      <p:sp>
+        <p:nvSpPr>
+          <p:cNvPr id="45059" name="Rectangle 3"/>
+          <p:cNvSpPr>
+            <a:spLocks noGrp="1" noChangeArrowheads="1"/>
+          </p:cNvSpPr>
+          <p:nvPr>
+            <p:ph type="body" idx="1"/>
+          </p:nvPr>
+        </p:nvSpPr>
+        <p:spPr>
+          <a:xfrm>
+            <a:off x="247650" y="1676400"/>
+            <a:ext cx="8648700" cy="2943225"/>
+          </a:xfrm>
+        </p:spPr>
+        <p:txBody>
+          <a:bodyPr/>
+          <a:lstStyle/>
+          <a:p>
+            <a:pPr eaLnBrk="1" hangingPunct="1">
+              <a:buFontTx/>
+              <a:buNone/>
+              <a:defRPr/>
+            </a:pPr>
+            <a:r>
+              <a:rPr lang="en-US" sz="4800" dirty="0" smtClean="0"/>
+              <a:t>Proof assumes that</a:t>
+            </a:r>
+          </a:p>
+          <a:p>
+            <a:pPr eaLnBrk="1" hangingPunct="1">
+              <a:buFontTx/>
+              <a:buNone/>
+              <a:defRPr/>
+            </a:pPr>
+            <a:r>
+              <a:rPr lang="en-US" sz="4800" dirty="0" smtClean="0">
+                <a:solidFill>
+                  <a:srgbClr val="006600"/>
+                </a:solidFill>
+              </a:rPr>
+              <a:t>if n</a:t>
+            </a:r>
+            <a:r>
+              <a:rPr lang="en-US" sz="4800" baseline="30000" dirty="0" smtClean="0">
+                <a:solidFill>
+                  <a:srgbClr val="006600"/>
+                </a:solidFill>
+              </a:rPr>
+              <a:t>2 </a:t>
+            </a:r>
+            <a:r>
+              <a:rPr lang="en-US" sz="4800" dirty="0" smtClean="0">
+                <a:solidFill>
+                  <a:srgbClr val="006600"/>
+                </a:solidFill>
+              </a:rPr>
+              <a:t> is even, then n is even</a:t>
+            </a:r>
+            <a:r>
+              <a:rPr lang="en-US" sz="4800" dirty="0" smtClean="0">
+                <a:solidFill>
+                  <a:srgbClr val="000099"/>
+                </a:solidFill>
+              </a:rPr>
+              <a:t>.</a:t>
+            </a:r>
+          </a:p>
+          <a:p>
+            <a:pPr algn="ctr" eaLnBrk="1" hangingPunct="1">
+              <a:buFontTx/>
+              <a:buNone/>
+              <a:defRPr/>
+            </a:pPr>
+            <a:r>
+              <a:rPr lang="en-US" sz="4800" dirty="0" smtClean="0">
+                <a:solidFill>
+                  <a:schemeClr val="tx1">
+                    <a:lumMod val="95000"/>
+                    <a:lumOff val="5000"/>
+                  </a:schemeClr>
+                </a:solidFill>
+              </a:rPr>
+              <a:t>Why is this true?</a:t>
+            </a:r>
+          </a:p>
+        </p:txBody>
+      </p:sp>
+      <p:sp>
+        <p:nvSpPr>
+          <p:cNvPr id="6" name="Rectangle 11"/>
+          <p:cNvSpPr>
+            <a:spLocks noGrp="1" noChangeArrowheads="1"/>
+          </p:cNvSpPr>
+          <p:nvPr>
+            <p:ph type="sldNum" sz="quarter" idx="10"/>
+          </p:nvPr>
+        </p:nvSpPr>
+        <p:spPr>
+          <a:xfrm>
+            <a:off x="8455995" y="6594296"/>
+            <a:ext cx="688009" cy="261610"/>
+          </a:xfrm>
+          <a:ln/>
+        </p:spPr>
+        <p:txBody>
+          <a:bodyPr/>
+          <a:lstStyle>
+            <a:lvl1pPr>
+              <a:defRPr/>
+            </a:lvl1pPr>
+          </a:lstStyle>
+          <a:p>
+            <a:pPr>
+              <a:defRPr/>
+            </a:pPr>
+            <a:r>
+              <a:rPr lang="en-US" dirty="0" err="1" smtClean="0"/>
+              <a:t>lec</a:t>
+            </a:r>
+            <a:r>
+              <a:rPr lang="en-US" dirty="0" smtClean="0"/>
+              <a:t> 1F.</a:t>
+            </a:r>
+            <a:fld id="{7D4651B8-09C8-4A4D-BE8E-31B6C97A420D}" type="slidenum">
+              <a:rPr lang="en-US" smtClean="0"/>
+              <a:pPr>
+                <a:defRPr/>
+              </a:pPr>
+              <a:t>8</a:t>
+            </a:fld>
+            <a:endParaRPr lang="en-US" dirty="0"/>
+          </a:p>
+        </p:txBody>
+      </p:sp>
+    </p:spTree>
+  </p:cSld>
+  <p:clrMapOvr>
+    <a:masterClrMapping/>
+  </p:clrMapOvr>
+  <p:transition spd="slow">
+    <p:fade/>
+  </p:transition>
+  <p:timing>
+    <p:tnLst>
+      <p:par>
+        <p:cTn id="1" dur="indefinite" restart="never" nodeType="tmRoot"/>
+      </p:par>
+    </p:tnLst>
+  </p:timing>
+</p:sld>
+</file>
+
+<file path=ppt/slides/slide9.xml><?xml version="1.0" encoding="utf-8"?>
+<p:sld xmlns:a="http://schemas.openxmlformats.org/drawingml/2006/main" xmlns:r="http://schemas.openxmlformats.org/officeDocument/2006/relationships" xmlns:mc="http://schemas.openxmlformats.org/markup-compatibility/2006" xmlns:mv="urn:schemas-microsoft-com:mac:vml" xmlns:p="http://schemas.openxmlformats.org/presentationml/2006/main" mc:Ignorable="mv" mc:PreserveAttributes="mv:*">
+  <p:cSld>
+    <p:spTree>
+      <p:nvGrpSpPr>
+        <p:cNvPr id="1" name=""/>
+        <p:cNvGrpSpPr/>
+        <p:nvPr/>
+      </p:nvGrpSpPr>
+      <p:grpSpPr>
+        <a:xfrm>
+          <a:off x="0" y="0"/>
+          <a:ext cx="0" cy="0"/>
+          <a:chOff x="0" y="0"/>
+          <a:chExt cx="0" cy="0"/>
+        </a:xfrm>
+      </p:grpSpPr>
+      <p:sp>
+        <p:nvSpPr>
+          <p:cNvPr id="12291" name="Text Box 2"/>
+          <p:cNvSpPr txBox="1">
+            <a:spLocks noChangeArrowheads="1"/>
+          </p:cNvSpPr>
+          <p:nvPr/>
+        </p:nvSpPr>
+        <p:spPr bwMode="auto">
+          <a:xfrm>
+            <a:off x="2057400" y="381000"/>
+            <a:ext cx="6316663" cy="954088"/>
+          </a:xfrm>
+          <a:prstGeom prst="rect">
+            <a:avLst/>
+          </a:prstGeom>
+          <a:noFill/>
+          <a:ln w="9525">
+            <a:noFill/>
+            <a:miter lim="800000"/>
+            <a:headEnd/>
+            <a:tailEnd type="none" w="lg" len="lg"/>
+          </a:ln>
+        </p:spPr>
+        <p:txBody>
+          <a:bodyPr wrap="none">
+            <a:spAutoFit/>
+          </a:bodyPr>
+          <a:lstStyle/>
+          <a:p>
+            <a:r>
+              <a:rPr lang="en-US" sz="2800" b="1" i="1" dirty="0">
+                <a:solidFill>
+                  <a:schemeClr val="tx2"/>
+                </a:solidFill>
+                <a:latin typeface="Comic Sans MS" pitchFamily="66" charset="0"/>
+              </a:rPr>
+              <a:t>Mathematics for Computer Science</a:t>
+            </a:r>
+            <a:br>
+              <a:rPr lang="en-US" sz="2800" b="1" i="1" dirty="0">
+                <a:solidFill>
+                  <a:schemeClr val="tx2"/>
+                </a:solidFill>
+                <a:latin typeface="Comic Sans MS" pitchFamily="66" charset="0"/>
+              </a:rPr>
+            </a:br>
+            <a:r>
+              <a:rPr lang="en-US" sz="2800" b="1" dirty="0">
+                <a:solidFill>
+                  <a:srgbClr val="008000"/>
+                </a:solidFill>
+                <a:latin typeface="Comic Sans MS" pitchFamily="66" charset="0"/>
+              </a:rPr>
+              <a:t>MIT</a:t>
+            </a:r>
+            <a:r>
+              <a:rPr lang="en-US" sz="2800" b="1" i="1" dirty="0">
+                <a:solidFill>
+                  <a:schemeClr val="tx2"/>
+                </a:solidFill>
+                <a:latin typeface="Comic Sans MS" pitchFamily="66" charset="0"/>
+              </a:rPr>
+              <a:t> </a:t>
+            </a:r>
+            <a:r>
+              <a:rPr lang="en-US" sz="2800" b="1" dirty="0">
+                <a:solidFill>
+                  <a:srgbClr val="008000"/>
+                </a:solidFill>
+                <a:latin typeface="Comic Sans MS" pitchFamily="66" charset="0"/>
+              </a:rPr>
+              <a:t>6.042J/18.062J</a:t>
+            </a:r>
+          </a:p>
+        </p:txBody>
+      </p:sp>
+      <p:sp>
+        <p:nvSpPr>
+          <p:cNvPr id="6" name="Rectangle 2"/>
+          <p:cNvSpPr txBox="1">
+            <a:spLocks noChangeArrowheads="1"/>
+          </p:cNvSpPr>
+          <p:nvPr/>
+        </p:nvSpPr>
+        <p:spPr>
+          <a:xfrm>
+            <a:off x="397042" y="2899866"/>
+            <a:ext cx="8265695" cy="1093286"/>
+          </a:xfrm>
+          <a:prstGeom prst="rect">
+            <a:avLst/>
+          </a:prstGeom>
+        </p:spPr>
+        <p:txBody>
+          <a:bodyPr/>
+          <a:lstStyle/>
+          <a:p>
+            <a:r>
+              <a:rPr lang="en-US" sz="7200" dirty="0" smtClean="0">
+                <a:solidFill>
+                  <a:schemeClr val="tx2"/>
+                </a:solidFill>
+                <a:latin typeface="Comic Sans MS" pitchFamily="66" charset="0"/>
+              </a:rPr>
+              <a:t>Proof by Cases</a:t>
+            </a:r>
+          </a:p>
+        </p:txBody>
+      </p:sp>
+      <p:sp>
+        <p:nvSpPr>
+          <p:cNvPr id="11" name="Rectangle 11"/>
+          <p:cNvSpPr>
+            <a:spLocks noGrp="1" noChangeArrowheads="1"/>
+          </p:cNvSpPr>
+          <p:nvPr>
+            <p:ph type="sldNum" sz="quarter" idx="10"/>
+          </p:nvPr>
+        </p:nvSpPr>
+        <p:spPr>
+          <a:xfrm>
+            <a:off x="8455995" y="6594296"/>
+            <a:ext cx="688009" cy="261610"/>
+          </a:xfrm>
+          <a:ln/>
+        </p:spPr>
+        <p:txBody>
+          <a:bodyPr/>
+          <a:lstStyle>
+            <a:lvl1pPr>
+              <a:defRPr/>
+            </a:lvl1pPr>
+          </a:lstStyle>
+          <a:p>
+            <a:pPr>
+              <a:defRPr/>
+            </a:pPr>
+            <a:r>
+              <a:rPr lang="en-US" dirty="0" err="1" smtClean="0"/>
+              <a:t>lec</a:t>
+            </a:r>
+            <a:r>
+              <a:rPr lang="en-US" dirty="0" smtClean="0"/>
+              <a:t> 1F.</a:t>
+            </a:r>
+            <a:fld id="{7D4651B8-09C8-4A4D-BE8E-31B6C97A420D}" type="slidenum">
+              <a:rPr lang="en-US" smtClean="0"/>
+              <a:pPr>
+                <a:defRPr/>
+              </a:pPr>
+              <a:t>9</a:t>
+            </a:fld>
+            <a:endParaRPr lang="en-US" dirty="0"/>
+          </a:p>
+        </p:txBody>
+      </p:sp>
+    </p:spTree>
+  </p:cSld>
+  <p:clrMapOvr>
+    <a:masterClrMapping/>
+  </p:clrMapOvr>
+  <p:transition spd="slow">
+    <p:fade thruBlk="1"/>
+  </p:transition>
+  <p:timing>
+    <p:tnLst>
+      <p:par>
+        <p:cTn id="1" dur="indefinite" restart="never" nodeType="tmRoot"/>
+      </p:par>
+    </p:tnLst>
   </p:timing>
 </p:sld>
 </file>
